--- a/documentation/Presentation.pptx
+++ b/documentation/Presentation.pptx
@@ -422,7 +422,7 @@
         <p:spPr>
           <a:xfrm>
             <a:off x="381300" y="685800"/>
-            <a:ext cx="6096075" cy="3429000"/>
+            <a:ext cx="6096000" cy="3429000"/>
           </a:xfrm>
           <a:custGeom>
             <a:pathLst>
@@ -468,7 +468,7 @@
           </a:bodyPr>
           <a:lstStyle/>
           <a:p>
-            <a:pPr lvl="0">
+            <a:pPr lvl="0" rtl="0">
               <a:spcBef>
                 <a:spcPts val="0"/>
               </a:spcBef>
@@ -494,7 +494,7 @@
   <p:cSld>
     <p:spTree>
       <p:nvGrpSpPr>
-        <p:cNvPr id="159" name="Shape 159"/>
+        <p:cNvPr id="107" name="Shape 107"/>
         <p:cNvGrpSpPr/>
         <p:nvPr/>
       </p:nvGrpSpPr>
@@ -508,7 +508,7 @@
       </p:grpSpPr>
       <p:sp>
         <p:nvSpPr>
-          <p:cNvPr id="160" name="Shape 160"/>
+          <p:cNvPr id="108" name="Shape 108"/>
           <p:cNvSpPr/>
           <p:nvPr>
             <p:ph idx="2" type="sldImg"/>
@@ -542,7 +542,7 @@
       </p:sp>
       <p:sp>
         <p:nvSpPr>
-          <p:cNvPr id="161" name="Shape 161"/>
+          <p:cNvPr id="109" name="Shape 109"/>
           <p:cNvSpPr txBox="1"/>
           <p:nvPr>
             <p:ph idx="1" type="body"/>
@@ -563,7 +563,7 @@
           </a:bodyPr>
           <a:lstStyle/>
           <a:p>
-            <a:pPr lvl="0">
+            <a:pPr lvl="0" rtl="0">
               <a:spcBef>
                 <a:spcPts val="0"/>
               </a:spcBef>
@@ -589,7 +589,7 @@
   <p:cSld>
     <p:spTree>
       <p:nvGrpSpPr>
-        <p:cNvPr id="170" name="Shape 170"/>
+        <p:cNvPr id="113" name="Shape 113"/>
         <p:cNvGrpSpPr/>
         <p:nvPr/>
       </p:nvGrpSpPr>
@@ -603,7 +603,7 @@
       </p:grpSpPr>
       <p:sp>
         <p:nvSpPr>
-          <p:cNvPr id="171" name="Shape 171"/>
+          <p:cNvPr id="114" name="Shape 114"/>
           <p:cNvSpPr/>
           <p:nvPr>
             <p:ph idx="2" type="sldImg"/>
@@ -637,7 +637,7 @@
       </p:sp>
       <p:sp>
         <p:nvSpPr>
-          <p:cNvPr id="172" name="Shape 172"/>
+          <p:cNvPr id="115" name="Shape 115"/>
           <p:cNvSpPr txBox="1"/>
           <p:nvPr>
             <p:ph idx="1" type="body"/>
@@ -658,7 +658,7 @@
           </a:bodyPr>
           <a:lstStyle/>
           <a:p>
-            <a:pPr lvl="0">
+            <a:pPr lvl="0" rtl="0">
               <a:spcBef>
                 <a:spcPts val="0"/>
               </a:spcBef>
@@ -684,7 +684,7 @@
   <p:cSld>
     <p:spTree>
       <p:nvGrpSpPr>
-        <p:cNvPr id="58" name="Shape 58"/>
+        <p:cNvPr id="59" name="Shape 59"/>
         <p:cNvGrpSpPr/>
         <p:nvPr/>
       </p:nvGrpSpPr>
@@ -698,7 +698,7 @@
       </p:grpSpPr>
       <p:sp>
         <p:nvSpPr>
-          <p:cNvPr id="59" name="Shape 59"/>
+          <p:cNvPr id="60" name="Shape 60"/>
           <p:cNvSpPr/>
           <p:nvPr>
             <p:ph idx="2" type="sldImg"/>
@@ -732,7 +732,7 @@
       </p:sp>
       <p:sp>
         <p:nvSpPr>
-          <p:cNvPr id="60" name="Shape 60"/>
+          <p:cNvPr id="61" name="Shape 61"/>
           <p:cNvSpPr txBox="1"/>
           <p:nvPr>
             <p:ph idx="1" type="body"/>
@@ -753,7 +753,7 @@
           </a:bodyPr>
           <a:lstStyle/>
           <a:p>
-            <a:pPr lvl="0">
+            <a:pPr lvl="0" rtl="0">
               <a:spcBef>
                 <a:spcPts val="0"/>
               </a:spcBef>
@@ -779,7 +779,7 @@
   <p:cSld>
     <p:spTree>
       <p:nvGrpSpPr>
-        <p:cNvPr id="84" name="Shape 84"/>
+        <p:cNvPr id="65" name="Shape 65"/>
         <p:cNvGrpSpPr/>
         <p:nvPr/>
       </p:nvGrpSpPr>
@@ -793,7 +793,7 @@
       </p:grpSpPr>
       <p:sp>
         <p:nvSpPr>
-          <p:cNvPr id="85" name="Shape 85"/>
+          <p:cNvPr id="66" name="Shape 66"/>
           <p:cNvSpPr/>
           <p:nvPr>
             <p:ph idx="2" type="sldImg"/>
@@ -827,7 +827,7 @@
       </p:sp>
       <p:sp>
         <p:nvSpPr>
-          <p:cNvPr id="86" name="Shape 86"/>
+          <p:cNvPr id="67" name="Shape 67"/>
           <p:cNvSpPr txBox="1"/>
           <p:nvPr>
             <p:ph idx="1" type="body"/>
@@ -848,7 +848,7 @@
           </a:bodyPr>
           <a:lstStyle/>
           <a:p>
-            <a:pPr lvl="0">
+            <a:pPr lvl="0" rtl="0">
               <a:spcBef>
                 <a:spcPts val="0"/>
               </a:spcBef>
@@ -874,7 +874,7 @@
   <p:cSld>
     <p:spTree>
       <p:nvGrpSpPr>
-        <p:cNvPr id="102" name="Shape 102"/>
+        <p:cNvPr id="71" name="Shape 71"/>
         <p:cNvGrpSpPr/>
         <p:nvPr/>
       </p:nvGrpSpPr>
@@ -888,7 +888,7 @@
       </p:grpSpPr>
       <p:sp>
         <p:nvSpPr>
-          <p:cNvPr id="103" name="Shape 103"/>
+          <p:cNvPr id="72" name="Shape 72"/>
           <p:cNvSpPr/>
           <p:nvPr>
             <p:ph idx="2" type="sldImg"/>
@@ -922,7 +922,7 @@
       </p:sp>
       <p:sp>
         <p:nvSpPr>
-          <p:cNvPr id="104" name="Shape 104"/>
+          <p:cNvPr id="73" name="Shape 73"/>
           <p:cNvSpPr txBox="1"/>
           <p:nvPr>
             <p:ph idx="1" type="body"/>
@@ -943,7 +943,7 @@
           </a:bodyPr>
           <a:lstStyle/>
           <a:p>
-            <a:pPr lvl="0">
+            <a:pPr lvl="0" rtl="0">
               <a:spcBef>
                 <a:spcPts val="0"/>
               </a:spcBef>
@@ -969,7 +969,7 @@
   <p:cSld>
     <p:spTree>
       <p:nvGrpSpPr>
-        <p:cNvPr id="116" name="Shape 116"/>
+        <p:cNvPr id="77" name="Shape 77"/>
         <p:cNvGrpSpPr/>
         <p:nvPr/>
       </p:nvGrpSpPr>
@@ -983,7 +983,7 @@
       </p:grpSpPr>
       <p:sp>
         <p:nvSpPr>
-          <p:cNvPr id="117" name="Shape 117"/>
+          <p:cNvPr id="78" name="Shape 78"/>
           <p:cNvSpPr/>
           <p:nvPr>
             <p:ph idx="2" type="sldImg"/>
@@ -1017,7 +1017,7 @@
       </p:sp>
       <p:sp>
         <p:nvSpPr>
-          <p:cNvPr id="118" name="Shape 118"/>
+          <p:cNvPr id="79" name="Shape 79"/>
           <p:cNvSpPr txBox="1"/>
           <p:nvPr>
             <p:ph idx="1" type="body"/>
@@ -1038,7 +1038,7 @@
           </a:bodyPr>
           <a:lstStyle/>
           <a:p>
-            <a:pPr lvl="0">
+            <a:pPr lvl="0" rtl="0">
               <a:spcBef>
                 <a:spcPts val="0"/>
               </a:spcBef>
@@ -1064,7 +1064,7 @@
   <p:cSld>
     <p:spTree>
       <p:nvGrpSpPr>
-        <p:cNvPr id="131" name="Shape 131"/>
+        <p:cNvPr id="83" name="Shape 83"/>
         <p:cNvGrpSpPr/>
         <p:nvPr/>
       </p:nvGrpSpPr>
@@ -1078,7 +1078,7 @@
       </p:grpSpPr>
       <p:sp>
         <p:nvSpPr>
-          <p:cNvPr id="132" name="Shape 132"/>
+          <p:cNvPr id="84" name="Shape 84"/>
           <p:cNvSpPr/>
           <p:nvPr>
             <p:ph idx="2" type="sldImg"/>
@@ -1112,7 +1112,7 @@
       </p:sp>
       <p:sp>
         <p:nvSpPr>
-          <p:cNvPr id="133" name="Shape 133"/>
+          <p:cNvPr id="85" name="Shape 85"/>
           <p:cNvSpPr txBox="1"/>
           <p:nvPr>
             <p:ph idx="1" type="body"/>
@@ -1133,7 +1133,7 @@
           </a:bodyPr>
           <a:lstStyle/>
           <a:p>
-            <a:pPr lvl="0">
+            <a:pPr lvl="0" rtl="0">
               <a:spcBef>
                 <a:spcPts val="0"/>
               </a:spcBef>
@@ -1159,7 +1159,7 @@
   <p:cSld>
     <p:spTree>
       <p:nvGrpSpPr>
-        <p:cNvPr id="141" name="Shape 141"/>
+        <p:cNvPr id="89" name="Shape 89"/>
         <p:cNvGrpSpPr/>
         <p:nvPr/>
       </p:nvGrpSpPr>
@@ -1173,7 +1173,7 @@
       </p:grpSpPr>
       <p:sp>
         <p:nvSpPr>
-          <p:cNvPr id="142" name="Shape 142"/>
+          <p:cNvPr id="90" name="Shape 90"/>
           <p:cNvSpPr/>
           <p:nvPr>
             <p:ph idx="2" type="sldImg"/>
@@ -1207,7 +1207,7 @@
       </p:sp>
       <p:sp>
         <p:nvSpPr>
-          <p:cNvPr id="143" name="Shape 143"/>
+          <p:cNvPr id="91" name="Shape 91"/>
           <p:cNvSpPr txBox="1"/>
           <p:nvPr>
             <p:ph idx="1" type="body"/>
@@ -1228,7 +1228,7 @@
           </a:bodyPr>
           <a:lstStyle/>
           <a:p>
-            <a:pPr lvl="0">
+            <a:pPr lvl="0" rtl="0">
               <a:spcBef>
                 <a:spcPts val="0"/>
               </a:spcBef>
@@ -1254,7 +1254,7 @@
   <p:cSld>
     <p:spTree>
       <p:nvGrpSpPr>
-        <p:cNvPr id="147" name="Shape 147"/>
+        <p:cNvPr id="95" name="Shape 95"/>
         <p:cNvGrpSpPr/>
         <p:nvPr/>
       </p:nvGrpSpPr>
@@ -1268,7 +1268,7 @@
       </p:grpSpPr>
       <p:sp>
         <p:nvSpPr>
-          <p:cNvPr id="148" name="Shape 148"/>
+          <p:cNvPr id="96" name="Shape 96"/>
           <p:cNvSpPr/>
           <p:nvPr>
             <p:ph idx="2" type="sldImg"/>
@@ -1302,7 +1302,7 @@
       </p:sp>
       <p:sp>
         <p:nvSpPr>
-          <p:cNvPr id="149" name="Shape 149"/>
+          <p:cNvPr id="97" name="Shape 97"/>
           <p:cNvSpPr txBox="1"/>
           <p:nvPr>
             <p:ph idx="1" type="body"/>
@@ -1323,16 +1323,16 @@
           </a:bodyPr>
           <a:lstStyle/>
           <a:p>
-            <a:pPr lvl="0">
+            <a:pPr lvl="0" rtl="0">
               <a:spcBef>
                 <a:spcPts val="0"/>
               </a:spcBef>
               <a:buNone/>
             </a:pPr>
             <a:r>
-              <a:t/>
-            </a:r>
-            <a:endParaRPr/>
+              <a:rPr lang="es"/>
+              <a:t>Changed &lt;&lt;extends&gt;&gt; to &lt;&lt;includes&gt;&gt;</a:t>
+            </a:r>
           </a:p>
         </p:txBody>
       </p:sp>
@@ -1349,7 +1349,7 @@
   <p:cSld>
     <p:spTree>
       <p:nvGrpSpPr>
-        <p:cNvPr id="153" name="Shape 153"/>
+        <p:cNvPr id="101" name="Shape 101"/>
         <p:cNvGrpSpPr/>
         <p:nvPr/>
       </p:nvGrpSpPr>
@@ -1363,7 +1363,7 @@
       </p:grpSpPr>
       <p:sp>
         <p:nvSpPr>
-          <p:cNvPr id="154" name="Shape 154"/>
+          <p:cNvPr id="102" name="Shape 102"/>
           <p:cNvSpPr/>
           <p:nvPr>
             <p:ph idx="2" type="sldImg"/>
@@ -1397,7 +1397,7 @@
       </p:sp>
       <p:sp>
         <p:nvSpPr>
-          <p:cNvPr id="155" name="Shape 155"/>
+          <p:cNvPr id="103" name="Shape 103"/>
           <p:cNvSpPr txBox="1"/>
           <p:nvPr>
             <p:ph idx="1" type="body"/>
@@ -1418,7 +1418,7 @@
           </a:bodyPr>
           <a:lstStyle/>
           <a:p>
-            <a:pPr lvl="0">
+            <a:pPr lvl="0" rtl="0">
               <a:spcBef>
                 <a:spcPts val="0"/>
               </a:spcBef>
@@ -1703,7 +1703,7 @@
         </p:nvSpPr>
         <p:spPr>
           <a:xfrm>
-            <a:off x="8472457" y="4663216"/>
+            <a:off x="8472458" y="4663217"/>
             <a:ext cx="548700" cy="393600"/>
           </a:xfrm>
           <a:prstGeom prst="rect">
@@ -1723,7 +1723,7 @@
               <a:buNone/>
             </a:pPr>
             <a:fld id="{00000000-1234-1234-1234-123412341234}" type="slidenum">
-              <a:rPr lang="en"/>
+              <a:rPr lang="es"/>
               <a:t>‹#›</a:t>
             </a:fld>
           </a:p>
@@ -1929,7 +1929,7 @@
         </p:nvSpPr>
         <p:spPr>
           <a:xfrm>
-            <a:off x="8472457" y="4663216"/>
+            <a:off x="8472458" y="4663217"/>
             <a:ext cx="548700" cy="393600"/>
           </a:xfrm>
           <a:prstGeom prst="rect">
@@ -1949,7 +1949,7 @@
               <a:buNone/>
             </a:pPr>
             <a:fld id="{00000000-1234-1234-1234-123412341234}" type="slidenum">
-              <a:rPr lang="en"/>
+              <a:rPr lang="es"/>
               <a:t>‹#›</a:t>
             </a:fld>
           </a:p>
@@ -1990,7 +1990,7 @@
         </p:nvSpPr>
         <p:spPr>
           <a:xfrm>
-            <a:off x="8472457" y="4663216"/>
+            <a:off x="8472458" y="4663217"/>
             <a:ext cx="548700" cy="393600"/>
           </a:xfrm>
           <a:prstGeom prst="rect">
@@ -2010,7 +2010,7 @@
               <a:buNone/>
             </a:pPr>
             <a:fld id="{00000000-1234-1234-1234-123412341234}" type="slidenum">
-              <a:rPr lang="en"/>
+              <a:rPr lang="es"/>
               <a:t>‹#›</a:t>
             </a:fld>
           </a:p>
@@ -2138,7 +2138,7 @@
         </p:nvSpPr>
         <p:spPr>
           <a:xfrm>
-            <a:off x="8472457" y="4663216"/>
+            <a:off x="8472458" y="4663217"/>
             <a:ext cx="548700" cy="393600"/>
           </a:xfrm>
           <a:prstGeom prst="rect">
@@ -2158,7 +2158,7 @@
               <a:buNone/>
             </a:pPr>
             <a:fld id="{00000000-1234-1234-1234-123412341234}" type="slidenum">
-              <a:rPr lang="en"/>
+              <a:rPr lang="es"/>
               <a:t>‹#›</a:t>
             </a:fld>
           </a:p>
@@ -2355,7 +2355,7 @@
         </p:nvSpPr>
         <p:spPr>
           <a:xfrm>
-            <a:off x="8472457" y="4663216"/>
+            <a:off x="8472458" y="4663217"/>
             <a:ext cx="548700" cy="393600"/>
           </a:xfrm>
           <a:prstGeom prst="rect">
@@ -2375,7 +2375,7 @@
               <a:buNone/>
             </a:pPr>
             <a:fld id="{00000000-1234-1234-1234-123412341234}" type="slidenum">
-              <a:rPr lang="en"/>
+              <a:rPr lang="es"/>
               <a:t>‹#›</a:t>
             </a:fld>
           </a:p>
@@ -2668,7 +2668,7 @@
         </p:nvSpPr>
         <p:spPr>
           <a:xfrm>
-            <a:off x="8472457" y="4663216"/>
+            <a:off x="8472458" y="4663217"/>
             <a:ext cx="548700" cy="393600"/>
           </a:xfrm>
           <a:prstGeom prst="rect">
@@ -2688,7 +2688,7 @@
               <a:buNone/>
             </a:pPr>
             <a:fld id="{00000000-1234-1234-1234-123412341234}" type="slidenum">
-              <a:rPr lang="en"/>
+              <a:rPr lang="es"/>
               <a:t>‹#›</a:t>
             </a:fld>
           </a:p>
@@ -2807,7 +2807,7 @@
         </p:nvSpPr>
         <p:spPr>
           <a:xfrm>
-            <a:off x="8472457" y="4663216"/>
+            <a:off x="8472458" y="4663217"/>
             <a:ext cx="548700" cy="393600"/>
           </a:xfrm>
           <a:prstGeom prst="rect">
@@ -2827,7 +2827,7 @@
               <a:buNone/>
             </a:pPr>
             <a:fld id="{00000000-1234-1234-1234-123412341234}" type="slidenum">
-              <a:rPr lang="en"/>
+              <a:rPr lang="es"/>
               <a:t>‹#›</a:t>
             </a:fld>
           </a:p>
@@ -3042,7 +3042,7 @@
         </p:nvSpPr>
         <p:spPr>
           <a:xfrm>
-            <a:off x="8472457" y="4663216"/>
+            <a:off x="8472458" y="4663217"/>
             <a:ext cx="548700" cy="393600"/>
           </a:xfrm>
           <a:prstGeom prst="rect">
@@ -3062,7 +3062,7 @@
               <a:buNone/>
             </a:pPr>
             <a:fld id="{00000000-1234-1234-1234-123412341234}" type="slidenum">
-              <a:rPr lang="en"/>
+              <a:rPr lang="es"/>
               <a:t>‹#›</a:t>
             </a:fld>
           </a:p>
@@ -3190,7 +3190,7 @@
         </p:nvSpPr>
         <p:spPr>
           <a:xfrm>
-            <a:off x="8472457" y="4663216"/>
+            <a:off x="8472458" y="4663217"/>
             <a:ext cx="548700" cy="393600"/>
           </a:xfrm>
           <a:prstGeom prst="rect">
@@ -3210,7 +3210,7 @@
               <a:buNone/>
             </a:pPr>
             <a:fld id="{00000000-1234-1234-1234-123412341234}" type="slidenum">
-              <a:rPr lang="en"/>
+              <a:rPr lang="es"/>
               <a:t>‹#›</a:t>
             </a:fld>
           </a:p>
@@ -3606,7 +3606,7 @@
         </p:nvSpPr>
         <p:spPr>
           <a:xfrm>
-            <a:off x="8472457" y="4663216"/>
+            <a:off x="8472458" y="4663217"/>
             <a:ext cx="548700" cy="393600"/>
           </a:xfrm>
           <a:prstGeom prst="rect">
@@ -3626,7 +3626,7 @@
               <a:buNone/>
             </a:pPr>
             <a:fld id="{00000000-1234-1234-1234-123412341234}" type="slidenum">
-              <a:rPr lang="en"/>
+              <a:rPr lang="es"/>
               <a:t>‹#›</a:t>
             </a:fld>
           </a:p>
@@ -3704,7 +3704,7 @@
         </p:nvSpPr>
         <p:spPr>
           <a:xfrm>
-            <a:off x="8472457" y="4663216"/>
+            <a:off x="8472458" y="4663217"/>
             <a:ext cx="548700" cy="393600"/>
           </a:xfrm>
           <a:prstGeom prst="rect">
@@ -3724,7 +3724,7 @@
               <a:buNone/>
             </a:pPr>
             <a:fld id="{00000000-1234-1234-1234-123412341234}" type="slidenum">
-              <a:rPr lang="en"/>
+              <a:rPr lang="es"/>
               <a:t>‹#›</a:t>
             </a:fld>
           </a:p>
@@ -4144,7 +4144,7 @@
         </p:nvSpPr>
         <p:spPr>
           <a:xfrm>
-            <a:off x="8472457" y="4663216"/>
+            <a:off x="8472458" y="4663217"/>
             <a:ext cx="548700" cy="393600"/>
           </a:xfrm>
           <a:prstGeom prst="rect">
@@ -4168,7 +4168,7 @@
               <a:buNone/>
             </a:pPr>
             <a:fld id="{00000000-1234-1234-1234-123412341234}" type="slidenum">
-              <a:rPr lang="en" sz="1000">
+              <a:rPr lang="es" sz="1000">
                 <a:solidFill>
                   <a:schemeClr val="dk2"/>
                 </a:solidFill>
@@ -4672,7 +4672,7 @@
         </p:nvSpPr>
         <p:spPr>
           <a:xfrm>
-            <a:off x="438225" y="2016900"/>
+            <a:off x="438225" y="924775"/>
             <a:ext cx="5189400" cy="1109700"/>
           </a:xfrm>
           <a:prstGeom prst="rect">
@@ -4685,29 +4685,20 @@
           </a:bodyPr>
           <a:lstStyle/>
           <a:p>
-            <a:pPr lvl="0">
+            <a:pPr lvl="0" rtl="0">
               <a:spcBef>
                 <a:spcPts val="0"/>
               </a:spcBef>
               <a:buNone/>
             </a:pPr>
             <a:r>
-              <a:rPr b="1" i="1" lang="en">
+              <a:rPr b="1" i="1" lang="es">
                 <a:latin typeface="Cambria"/>
                 <a:ea typeface="Cambria"/>
                 <a:cs typeface="Cambria"/>
                 <a:sym typeface="Cambria"/>
               </a:rPr>
-              <a:t>The </a:t>
-            </a:r>
-            <a:r>
-              <a:rPr b="1" i="1" lang="en">
-                <a:latin typeface="Cambria"/>
-                <a:ea typeface="Cambria"/>
-                <a:cs typeface="Cambria"/>
-                <a:sym typeface="Cambria"/>
-              </a:rPr>
-              <a:t>Jungle Game</a:t>
+              <a:t>The Jungle Game</a:t>
             </a:r>
           </a:p>
         </p:txBody>
@@ -4722,7 +4713,7 @@
         </p:nvSpPr>
         <p:spPr>
           <a:xfrm>
-            <a:off x="2398775" y="2998075"/>
+            <a:off x="2091225" y="2485525"/>
             <a:ext cx="2529600" cy="465600"/>
           </a:xfrm>
           <a:prstGeom prst="rect">
@@ -4735,14 +4726,22 @@
           </a:bodyPr>
           <a:lstStyle/>
           <a:p>
-            <a:pPr lvl="0">
+            <a:pPr lvl="0" rtl="0">
               <a:spcBef>
                 <a:spcPts val="0"/>
               </a:spcBef>
               <a:buNone/>
             </a:pPr>
             <a:r>
-              <a:rPr lang="en" sz="1800"/>
+              <a:rPr b="1" lang="es" sz="1800">
+                <a:solidFill>
+                  <a:srgbClr val="000000"/>
+                </a:solidFill>
+                <a:latin typeface="Cambria"/>
+                <a:ea typeface="Cambria"/>
+                <a:cs typeface="Cambria"/>
+                <a:sym typeface="Cambria"/>
+              </a:rPr>
               <a:t>Chesshire Coders</a:t>
             </a:r>
           </a:p>
@@ -4764,8 +4763,8 @@
         </p:blipFill>
         <p:spPr>
           <a:xfrm>
-            <a:off x="6430548" y="0"/>
-            <a:ext cx="2713452" cy="5143500"/>
+            <a:off x="6430549" y="0"/>
+            <a:ext cx="2713453" cy="5143500"/>
           </a:xfrm>
           <a:prstGeom prst="rect">
             <a:avLst/>
@@ -4801,15 +4800,184 @@
           </a:bodyPr>
           <a:lstStyle/>
           <a:p>
-            <a:pPr lvl="0">
+            <a:pPr lvl="0" rtl="0">
               <a:spcBef>
                 <a:spcPts val="0"/>
               </a:spcBef>
               <a:buNone/>
             </a:pPr>
             <a:r>
-              <a:rPr lang="en" sz="800"/>
+              <a:rPr lang="es" sz="800"/>
               <a:t>Image from: http://www.tattoodaze.com/tattoo-images/79/th_tiger-art-decor-mountain-tiger-tiger-hand-painting-original-bkLbwV.jpg</a:t>
+            </a:r>
+          </a:p>
+        </p:txBody>
+      </p:sp>
+      <p:sp>
+        <p:nvSpPr>
+          <p:cNvPr id="58" name="Shape 58"/>
+          <p:cNvSpPr txBox="1"/>
+          <p:nvPr/>
+        </p:nvSpPr>
+        <p:spPr>
+          <a:xfrm>
+            <a:off x="2989775" y="2868600"/>
+            <a:ext cx="3000000" cy="1540800"/>
+          </a:xfrm>
+          <a:prstGeom prst="rect">
+            <a:avLst/>
+          </a:prstGeom>
+          <a:noFill/>
+          <a:ln>
+            <a:noFill/>
+          </a:ln>
+        </p:spPr>
+        <p:txBody>
+          <a:bodyPr anchorCtr="0" anchor="ctr" bIns="91425" lIns="91425" rIns="91425" wrap="square" tIns="91425">
+            <a:noAutofit/>
+          </a:bodyPr>
+          <a:lstStyle/>
+          <a:p>
+            <a:pPr indent="-342900" lvl="0" marL="457200" rtl="0">
+              <a:lnSpc>
+                <a:spcPct val="100000"/>
+              </a:lnSpc>
+              <a:spcBef>
+                <a:spcPts val="0"/>
+              </a:spcBef>
+              <a:spcAft>
+                <a:spcPts val="0"/>
+              </a:spcAft>
+              <a:buSzPct val="100000"/>
+              <a:buFont typeface="Cambria"/>
+              <a:buChar char="➢"/>
+            </a:pPr>
+            <a:r>
+              <a:rPr lang="es" sz="1800">
+                <a:latin typeface="Cambria"/>
+                <a:ea typeface="Cambria"/>
+                <a:cs typeface="Cambria"/>
+                <a:sym typeface="Cambria"/>
+              </a:rPr>
+              <a:t>Angélica</a:t>
+            </a:r>
+            <a:r>
+              <a:rPr lang="es" sz="1800">
+                <a:latin typeface="Cambria"/>
+                <a:ea typeface="Cambria"/>
+                <a:cs typeface="Cambria"/>
+                <a:sym typeface="Cambria"/>
+              </a:rPr>
+              <a:t> Fallas</a:t>
+            </a:r>
+          </a:p>
+          <a:p>
+            <a:pPr indent="-342900" lvl="0" marL="457200" rtl="0">
+              <a:lnSpc>
+                <a:spcPct val="100000"/>
+              </a:lnSpc>
+              <a:spcBef>
+                <a:spcPts val="0"/>
+              </a:spcBef>
+              <a:spcAft>
+                <a:spcPts val="0"/>
+              </a:spcAft>
+              <a:buSzPct val="100000"/>
+              <a:buFont typeface="Cambria"/>
+              <a:buChar char="➢"/>
+            </a:pPr>
+            <a:r>
+              <a:rPr lang="es" sz="1800">
+                <a:latin typeface="Cambria"/>
+                <a:ea typeface="Cambria"/>
+                <a:cs typeface="Cambria"/>
+                <a:sym typeface="Cambria"/>
+              </a:rPr>
+              <a:t>Taner King</a:t>
+            </a:r>
+          </a:p>
+          <a:p>
+            <a:pPr indent="-342900" lvl="0" marL="457200" rtl="0">
+              <a:lnSpc>
+                <a:spcPct val="100000"/>
+              </a:lnSpc>
+              <a:spcBef>
+                <a:spcPts val="0"/>
+              </a:spcBef>
+              <a:spcAft>
+                <a:spcPts val="0"/>
+              </a:spcAft>
+              <a:buSzPct val="100000"/>
+              <a:buFont typeface="Cambria"/>
+              <a:buChar char="➢"/>
+            </a:pPr>
+            <a:r>
+              <a:rPr lang="es" sz="1800">
+                <a:latin typeface="Cambria"/>
+                <a:ea typeface="Cambria"/>
+                <a:cs typeface="Cambria"/>
+                <a:sym typeface="Cambria"/>
+              </a:rPr>
+              <a:t>Adam Gundem</a:t>
+            </a:r>
+          </a:p>
+          <a:p>
+            <a:pPr indent="-342900" lvl="0" marL="457200" rtl="0">
+              <a:lnSpc>
+                <a:spcPct val="100000"/>
+              </a:lnSpc>
+              <a:spcBef>
+                <a:spcPts val="0"/>
+              </a:spcBef>
+              <a:spcAft>
+                <a:spcPts val="0"/>
+              </a:spcAft>
+              <a:buSzPct val="100000"/>
+              <a:buFont typeface="Cambria"/>
+              <a:buChar char="➢"/>
+            </a:pPr>
+            <a:r>
+              <a:rPr lang="es" sz="1800">
+                <a:latin typeface="Cambria"/>
+                <a:ea typeface="Cambria"/>
+                <a:cs typeface="Cambria"/>
+                <a:sym typeface="Cambria"/>
+              </a:rPr>
+              <a:t>Alexander </a:t>
+            </a:r>
+            <a:r>
+              <a:rPr lang="es" sz="1800">
+                <a:latin typeface="Cambria"/>
+                <a:ea typeface="Cambria"/>
+                <a:cs typeface="Cambria"/>
+                <a:sym typeface="Cambria"/>
+              </a:rPr>
+              <a:t>Hennings</a:t>
+            </a:r>
+          </a:p>
+          <a:p>
+            <a:pPr indent="-342900" lvl="0" marL="457200" rtl="0">
+              <a:lnSpc>
+                <a:spcPct val="100000"/>
+              </a:lnSpc>
+              <a:spcBef>
+                <a:spcPts val="0"/>
+              </a:spcBef>
+              <a:spcAft>
+                <a:spcPts val="0"/>
+              </a:spcAft>
+              <a:buSzPct val="100000"/>
+              <a:buFont typeface="Cambria"/>
+              <a:buChar char="➢"/>
+            </a:pPr>
+            <a:r>
+              <a:rPr lang="es" sz="1800">
+                <a:latin typeface="Cambria"/>
+                <a:ea typeface="Cambria"/>
+                <a:cs typeface="Cambria"/>
+                <a:sym typeface="Cambria"/>
+              </a:rPr>
+              <a:t>Cameron Ackerman</a:t>
             </a:r>
           </a:p>
         </p:txBody>
@@ -4834,7 +5002,7 @@
     </p:bg>
     <p:spTree>
       <p:nvGrpSpPr>
-        <p:cNvPr id="162" name="Shape 162"/>
+        <p:cNvPr id="110" name="Shape 110"/>
         <p:cNvGrpSpPr/>
         <p:nvPr/>
       </p:nvGrpSpPr>
@@ -4848,7 +5016,7 @@
       </p:grpSpPr>
       <p:sp>
         <p:nvSpPr>
-          <p:cNvPr id="163" name="Shape 163"/>
+          <p:cNvPr id="111" name="Shape 111"/>
           <p:cNvSpPr txBox="1"/>
           <p:nvPr>
             <p:ph type="title"/>
@@ -4869,22 +5037,32 @@
           </a:bodyPr>
           <a:lstStyle/>
           <a:p>
-            <a:pPr lvl="0" algn="ctr">
-              <a:spcBef>
-                <a:spcPts val="0"/>
-              </a:spcBef>
+            <a:pPr lvl="0" rtl="0">
+              <a:spcBef>
+                <a:spcPts val="0"/>
+              </a:spcBef>
+              <a:buClr>
+                <a:schemeClr val="dk1"/>
+              </a:buClr>
+              <a:buSzPct val="39285"/>
+              <a:buFont typeface="Arial"/>
               <a:buNone/>
             </a:pPr>
             <a:r>
-              <a:rPr lang="en"/>
-              <a:t>Product and Process Decisions</a:t>
+              <a:rPr b="1" i="1" lang="es">
+                <a:latin typeface="Cambria"/>
+                <a:ea typeface="Cambria"/>
+                <a:cs typeface="Cambria"/>
+                <a:sym typeface="Cambria"/>
+              </a:rPr>
+              <a:t>Use Cases - Updates - Continued</a:t>
             </a:r>
           </a:p>
         </p:txBody>
       </p:sp>
       <p:sp>
         <p:nvSpPr>
-          <p:cNvPr id="164" name="Shape 164"/>
+          <p:cNvPr id="112" name="Shape 112"/>
           <p:cNvSpPr txBox="1"/>
           <p:nvPr>
             <p:ph idx="1" type="body"/>
@@ -4893,7 +5071,7 @@
         <p:spPr>
           <a:xfrm>
             <a:off x="311700" y="1152475"/>
-            <a:ext cx="8520600" cy="722400"/>
+            <a:ext cx="8520600" cy="3416400"/>
           </a:xfrm>
           <a:prstGeom prst="rect">
             <a:avLst/>
@@ -4905,209 +5083,186 @@
           </a:bodyPr>
           <a:lstStyle/>
           <a:p>
-            <a:pPr lvl="0">
-              <a:spcBef>
-                <a:spcPts val="0"/>
-              </a:spcBef>
-              <a:buNone/>
+            <a:pPr indent="-228600" lvl="0" marL="457200" rtl="0">
+              <a:spcBef>
+                <a:spcPts val="0"/>
+              </a:spcBef>
+              <a:spcAft>
+                <a:spcPts val="0"/>
+              </a:spcAft>
+              <a:buClr>
+                <a:srgbClr val="000000"/>
+              </a:buClr>
+              <a:buFont typeface="Cambria"/>
+              <a:buChar char="➢"/>
             </a:pPr>
             <a:r>
-              <a:rPr lang="en"/>
-              <a:t>After reviewing the websites it was decided that we would make the recommended changes to add complexity and fun to the game, along with accurate animals.</a:t>
+              <a:rPr b="1" lang="es">
+                <a:solidFill>
+                  <a:srgbClr val="000000"/>
+                </a:solidFill>
+                <a:latin typeface="Cambria"/>
+                <a:ea typeface="Cambria"/>
+                <a:cs typeface="Cambria"/>
+                <a:sym typeface="Cambria"/>
+              </a:rPr>
+              <a:t>Unregister from system</a:t>
+            </a:r>
+            <a:r>
+              <a:rPr lang="es">
+                <a:solidFill>
+                  <a:srgbClr val="000000"/>
+                </a:solidFill>
+                <a:latin typeface="Cambria"/>
+                <a:ea typeface="Cambria"/>
+                <a:cs typeface="Cambria"/>
+                <a:sym typeface="Cambria"/>
+              </a:rPr>
+              <a:t> now removes the login information instead of all information.</a:t>
             </a:r>
           </a:p>
-        </p:txBody>
-      </p:sp>
-      <p:sp>
-        <p:nvSpPr>
-          <p:cNvPr id="165" name="Shape 165"/>
-          <p:cNvSpPr txBox="1"/>
-          <p:nvPr/>
-        </p:nvSpPr>
-        <p:spPr>
-          <a:xfrm>
-            <a:off x="2406850" y="1811550"/>
-            <a:ext cx="6161100" cy="757800"/>
-          </a:xfrm>
-          <a:prstGeom prst="rect">
-            <a:avLst/>
-          </a:prstGeom>
-          <a:noFill/>
-          <a:ln>
-            <a:noFill/>
-          </a:ln>
-        </p:spPr>
-        <p:txBody>
-          <a:bodyPr anchorCtr="0" anchor="t" bIns="91425" lIns="91425" rIns="91425" wrap="square" tIns="91425">
-            <a:noAutofit/>
-          </a:bodyPr>
-          <a:lstStyle/>
           <a:p>
-            <a:pPr lvl="0" algn="r">
-              <a:spcBef>
-                <a:spcPts val="0"/>
-              </a:spcBef>
-              <a:buNone/>
+            <a:pPr indent="-228600" lvl="0" marL="457200" rtl="0">
+              <a:spcBef>
+                <a:spcPts val="0"/>
+              </a:spcBef>
+              <a:spcAft>
+                <a:spcPts val="0"/>
+              </a:spcAft>
+              <a:buClr>
+                <a:srgbClr val="000000"/>
+              </a:buClr>
+              <a:buFont typeface="Cambria"/>
+              <a:buChar char="➢"/>
             </a:pPr>
             <a:r>
-              <a:rPr b="1" lang="en"/>
-              <a:t>E.g.</a:t>
-            </a:r>
-            <a:r>
-              <a:rPr lang="en"/>
-              <a:t> Rats and Elephant rules. Foxes instead of wolves being weaker than dogs.</a:t>
+              <a:rPr b="1" lang="es">
+                <a:solidFill>
+                  <a:srgbClr val="000000"/>
+                </a:solidFill>
+                <a:latin typeface="Cambria"/>
+                <a:ea typeface="Cambria"/>
+                <a:cs typeface="Cambria"/>
+                <a:sym typeface="Cambria"/>
+              </a:rPr>
+              <a:t>Move Game Piece</a:t>
+            </a:r>
+            <a:r>
+              <a:rPr lang="es">
+                <a:solidFill>
+                  <a:srgbClr val="000000"/>
+                </a:solidFill>
+                <a:latin typeface="Cambria"/>
+                <a:ea typeface="Cambria"/>
+                <a:cs typeface="Cambria"/>
+                <a:sym typeface="Cambria"/>
+              </a:rPr>
+              <a:t> now alerts the opposing player it is their turn</a:t>
             </a:r>
           </a:p>
-        </p:txBody>
-      </p:sp>
-      <p:sp>
-        <p:nvSpPr>
-          <p:cNvPr id="166" name="Shape 166"/>
-          <p:cNvSpPr txBox="1"/>
-          <p:nvPr/>
-        </p:nvSpPr>
-        <p:spPr>
-          <a:xfrm>
-            <a:off x="350850" y="2295750"/>
-            <a:ext cx="8146800" cy="572700"/>
-          </a:xfrm>
-          <a:prstGeom prst="rect">
-            <a:avLst/>
-          </a:prstGeom>
-          <a:noFill/>
-          <a:ln>
-            <a:noFill/>
-          </a:ln>
-        </p:spPr>
-        <p:txBody>
-          <a:bodyPr anchorCtr="0" anchor="t" bIns="91425" lIns="91425" rIns="91425" wrap="square" tIns="91425">
-            <a:noAutofit/>
-          </a:bodyPr>
-          <a:lstStyle/>
           <a:p>
-            <a:pPr lvl="0">
-              <a:spcBef>
-                <a:spcPts val="0"/>
-              </a:spcBef>
-              <a:buNone/>
+            <a:pPr indent="-228600" lvl="0" marL="457200" rtl="0">
+              <a:spcBef>
+                <a:spcPts val="0"/>
+              </a:spcBef>
+              <a:spcAft>
+                <a:spcPts val="0"/>
+              </a:spcAft>
+              <a:buClr>
+                <a:srgbClr val="000000"/>
+              </a:buClr>
+              <a:buFont typeface="Cambria"/>
+              <a:buChar char="➢"/>
             </a:pPr>
             <a:r>
-              <a:rPr lang="en" sz="1800"/>
-              <a:t>We decided some of the representation and game management we want to do will need to wait until we start work on the UI. Over complexity is something to avoid.</a:t>
+              <a:rPr lang="es">
+                <a:solidFill>
+                  <a:srgbClr val="000000"/>
+                </a:solidFill>
+                <a:latin typeface="Cambria"/>
+                <a:ea typeface="Cambria"/>
+                <a:cs typeface="Cambria"/>
+                <a:sym typeface="Cambria"/>
+              </a:rPr>
+              <a:t>Added </a:t>
+            </a:r>
+            <a:r>
+              <a:rPr b="1" lang="es">
+                <a:solidFill>
+                  <a:srgbClr val="000000"/>
+                </a:solidFill>
+                <a:latin typeface="Cambria"/>
+                <a:ea typeface="Cambria"/>
+                <a:cs typeface="Cambria"/>
+                <a:sym typeface="Cambria"/>
+              </a:rPr>
+              <a:t>Failure </a:t>
+            </a:r>
+            <a:r>
+              <a:rPr lang="es">
+                <a:solidFill>
+                  <a:srgbClr val="000000"/>
+                </a:solidFill>
+                <a:latin typeface="Cambria"/>
+                <a:ea typeface="Cambria"/>
+                <a:cs typeface="Cambria"/>
+                <a:sym typeface="Cambria"/>
+              </a:rPr>
+              <a:t>conditions</a:t>
             </a:r>
           </a:p>
-        </p:txBody>
-      </p:sp>
-      <p:sp>
-        <p:nvSpPr>
-          <p:cNvPr id="167" name="Shape 167"/>
-          <p:cNvSpPr txBox="1"/>
-          <p:nvPr/>
-        </p:nvSpPr>
-        <p:spPr>
-          <a:xfrm>
-            <a:off x="350850" y="3236025"/>
-            <a:ext cx="8146800" cy="491100"/>
-          </a:xfrm>
-          <a:prstGeom prst="rect">
-            <a:avLst/>
-          </a:prstGeom>
-          <a:noFill/>
-          <a:ln>
-            <a:noFill/>
-          </a:ln>
-        </p:spPr>
-        <p:txBody>
-          <a:bodyPr anchorCtr="0" anchor="t" bIns="91425" lIns="91425" rIns="91425" wrap="square" tIns="91425">
-            <a:noAutofit/>
-          </a:bodyPr>
-          <a:lstStyle/>
           <a:p>
-            <a:pPr lvl="0">
-              <a:spcBef>
-                <a:spcPts val="0"/>
-              </a:spcBef>
-              <a:buNone/>
+            <a:pPr indent="-228600" lvl="0" marL="457200" rtl="0">
+              <a:spcBef>
+                <a:spcPts val="0"/>
+              </a:spcBef>
+              <a:spcAft>
+                <a:spcPts val="0"/>
+              </a:spcAft>
+              <a:buClr>
+                <a:srgbClr val="000000"/>
+              </a:buClr>
+              <a:buFont typeface="Cambria"/>
+              <a:buChar char="➢"/>
             </a:pPr>
             <a:r>
-              <a:rPr lang="en" sz="1800"/>
-              <a:t>After debate we decided that starting the game should be controlled by the player exclusively.</a:t>
+              <a:rPr lang="es">
+                <a:solidFill>
+                  <a:srgbClr val="000000"/>
+                </a:solidFill>
+                <a:latin typeface="Cambria"/>
+                <a:ea typeface="Cambria"/>
+                <a:cs typeface="Cambria"/>
+                <a:sym typeface="Cambria"/>
+              </a:rPr>
+              <a:t>Add notifications for users based on conditions</a:t>
             </a:r>
           </a:p>
-        </p:txBody>
-      </p:sp>
-      <p:sp>
-        <p:nvSpPr>
-          <p:cNvPr id="168" name="Shape 168"/>
-          <p:cNvSpPr txBox="1"/>
-          <p:nvPr/>
-        </p:nvSpPr>
-        <p:spPr>
-          <a:xfrm>
-            <a:off x="350850" y="3972800"/>
-            <a:ext cx="7416900" cy="336900"/>
-          </a:xfrm>
-          <a:prstGeom prst="rect">
-            <a:avLst/>
-          </a:prstGeom>
-          <a:noFill/>
-          <a:ln>
-            <a:noFill/>
-          </a:ln>
-        </p:spPr>
-        <p:txBody>
-          <a:bodyPr anchorCtr="0" anchor="t" bIns="91425" lIns="91425" rIns="91425" wrap="square" tIns="91425">
-            <a:noAutofit/>
-          </a:bodyPr>
-          <a:lstStyle/>
           <a:p>
-            <a:pPr lvl="0">
-              <a:spcBef>
-                <a:spcPts val="0"/>
-              </a:spcBef>
-              <a:buNone/>
+            <a:pPr indent="-228600" lvl="0" marL="457200" rtl="0">
+              <a:spcBef>
+                <a:spcPts val="0"/>
+              </a:spcBef>
+              <a:spcAft>
+                <a:spcPts val="0"/>
+              </a:spcAft>
+              <a:buClr>
+                <a:srgbClr val="000000"/>
+              </a:buClr>
+              <a:buFont typeface="Cambria"/>
+              <a:buChar char="➢"/>
             </a:pPr>
             <a:r>
-              <a:rPr lang="en" sz="1800"/>
-              <a:t>We decided players must actively quit a game when it ends, rather than auto removal.</a:t>
-            </a:r>
-          </a:p>
-        </p:txBody>
-      </p:sp>
-      <p:sp>
-        <p:nvSpPr>
-          <p:cNvPr id="169" name="Shape 169"/>
-          <p:cNvSpPr txBox="1"/>
-          <p:nvPr/>
-        </p:nvSpPr>
-        <p:spPr>
-          <a:xfrm>
-            <a:off x="7101250" y="4485025"/>
-            <a:ext cx="1466700" cy="231600"/>
-          </a:xfrm>
-          <a:prstGeom prst="rect">
-            <a:avLst/>
-          </a:prstGeom>
-          <a:noFill/>
-          <a:ln>
-            <a:noFill/>
-          </a:ln>
-        </p:spPr>
-        <p:txBody>
-          <a:bodyPr anchorCtr="0" anchor="t" bIns="91425" lIns="91425" rIns="91425" wrap="square" tIns="91425">
-            <a:noAutofit/>
-          </a:bodyPr>
-          <a:lstStyle/>
-          <a:p>
-            <a:pPr lvl="0" algn="r">
-              <a:spcBef>
-                <a:spcPts val="0"/>
-              </a:spcBef>
-              <a:buNone/>
-            </a:pPr>
-            <a:r>
-              <a:rPr b="1" lang="en" sz="1800"/>
-              <a:t>And More</a:t>
+              <a:rPr lang="es">
+                <a:solidFill>
+                  <a:srgbClr val="000000"/>
+                </a:solidFill>
+                <a:latin typeface="Cambria"/>
+                <a:ea typeface="Cambria"/>
+                <a:cs typeface="Cambria"/>
+                <a:sym typeface="Cambria"/>
+              </a:rPr>
+              <a:t>Game starts as soon as the second player accepts the invitation and is added to the game.</a:t>
             </a:r>
           </a:p>
         </p:txBody>
@@ -5132,7 +5287,7 @@
     </p:bg>
     <p:spTree>
       <p:nvGrpSpPr>
-        <p:cNvPr id="173" name="Shape 173"/>
+        <p:cNvPr id="116" name="Shape 116"/>
         <p:cNvGrpSpPr/>
         <p:nvPr/>
       </p:nvGrpSpPr>
@@ -5146,36 +5301,42 @@
       </p:grpSpPr>
       <p:sp>
         <p:nvSpPr>
-          <p:cNvPr id="174" name="Shape 174"/>
+          <p:cNvPr id="117" name="Shape 117"/>
           <p:cNvSpPr txBox="1"/>
-          <p:nvPr>
-            <p:ph type="title"/>
-          </p:nvPr>
+          <p:nvPr/>
         </p:nvSpPr>
         <p:spPr>
           <a:xfrm>
-            <a:off x="2003750" y="1278275"/>
-            <a:ext cx="5683800" cy="2848800"/>
+            <a:off x="1880250" y="1306650"/>
+            <a:ext cx="5775600" cy="2429100"/>
           </a:xfrm>
           <a:prstGeom prst="rect">
             <a:avLst/>
           </a:prstGeom>
+          <a:noFill/>
+          <a:ln>
+            <a:noFill/>
+          </a:ln>
         </p:spPr>
         <p:txBody>
-          <a:bodyPr anchorCtr="0" anchor="t" bIns="91425" lIns="91425" rIns="91425" wrap="square" tIns="91425">
+          <a:bodyPr anchorCtr="0" anchor="ctr" bIns="91425" lIns="91425" rIns="91425" wrap="square" tIns="91425">
             <a:noAutofit/>
           </a:bodyPr>
           <a:lstStyle/>
           <a:p>
-            <a:pPr lvl="0">
+            <a:pPr lvl="0" rtl="0">
               <a:spcBef>
                 <a:spcPts val="0"/>
               </a:spcBef>
               <a:buNone/>
             </a:pPr>
             <a:r>
-              <a:rPr b="1" lang="en" sz="4800"/>
-              <a:t>Questions </a:t>
+              <a:rPr b="1" lang="es" sz="4800">
+                <a:solidFill>
+                  <a:schemeClr val="dk1"/>
+                </a:solidFill>
+              </a:rPr>
+              <a:t>Questions</a:t>
             </a:r>
           </a:p>
           <a:p>
@@ -5186,19 +5347,27 @@
               <a:buNone/>
             </a:pPr>
             <a:r>
-              <a:rPr b="1" lang="en" sz="4800"/>
-              <a:t>and </a:t>
+              <a:rPr b="1" lang="es" sz="4800">
+                <a:solidFill>
+                  <a:schemeClr val="dk1"/>
+                </a:solidFill>
+              </a:rPr>
+              <a:t>And</a:t>
             </a:r>
           </a:p>
           <a:p>
-            <a:pPr indent="457200" lvl="0" marL="1371600">
+            <a:pPr indent="457200" lvl="0" marL="1371600" rtl="0">
               <a:spcBef>
                 <a:spcPts val="0"/>
               </a:spcBef>
               <a:buNone/>
             </a:pPr>
             <a:r>
-              <a:rPr b="1" lang="en" sz="4800"/>
+              <a:rPr b="1" lang="es" sz="4800">
+                <a:solidFill>
+                  <a:schemeClr val="dk1"/>
+                </a:solidFill>
+              </a:rPr>
               <a:t>Discussions</a:t>
             </a:r>
           </a:p>
@@ -5224,7 +5393,7 @@
     </p:bg>
     <p:spTree>
       <p:nvGrpSpPr>
-        <p:cNvPr id="61" name="Shape 61"/>
+        <p:cNvPr id="62" name="Shape 62"/>
         <p:cNvGrpSpPr/>
         <p:nvPr/>
       </p:nvGrpSpPr>
@@ -5238,7 +5407,7 @@
       </p:grpSpPr>
       <p:sp>
         <p:nvSpPr>
-          <p:cNvPr id="62" name="Shape 62"/>
+          <p:cNvPr id="63" name="Shape 63"/>
           <p:cNvSpPr txBox="1"/>
           <p:nvPr>
             <p:ph type="title"/>
@@ -5252,94 +5421,6 @@
           <a:prstGeom prst="rect">
             <a:avLst/>
           </a:prstGeom>
-        </p:spPr>
-        <p:txBody>
-          <a:bodyPr anchorCtr="0" anchor="t" bIns="91425" lIns="91425" rIns="91425" wrap="square" tIns="91425">
-            <a:noAutofit/>
-          </a:bodyPr>
-          <a:lstStyle/>
-          <a:p>
-            <a:pPr lvl="0" algn="ctr">
-              <a:spcBef>
-                <a:spcPts val="0"/>
-              </a:spcBef>
-              <a:buNone/>
-            </a:pPr>
-            <a:r>
-              <a:rPr b="1" lang="en"/>
-              <a:t>Description of The Jungle Game	</a:t>
-            </a:r>
-          </a:p>
-        </p:txBody>
-      </p:sp>
-      <p:sp>
-        <p:nvSpPr>
-          <p:cNvPr id="63" name="Shape 63"/>
-          <p:cNvSpPr txBox="1"/>
-          <p:nvPr>
-            <p:ph idx="1" type="body"/>
-          </p:nvPr>
-        </p:nvSpPr>
-        <p:spPr>
-          <a:xfrm>
-            <a:off x="311700" y="1152475"/>
-            <a:ext cx="8520600" cy="709500"/>
-          </a:xfrm>
-          <a:prstGeom prst="rect">
-            <a:avLst/>
-          </a:prstGeom>
-        </p:spPr>
-        <p:txBody>
-          <a:bodyPr anchorCtr="0" anchor="t" bIns="91425" lIns="91425" rIns="91425" wrap="square" tIns="91425">
-            <a:noAutofit/>
-          </a:bodyPr>
-          <a:lstStyle/>
-          <a:p>
-            <a:pPr lvl="0" rtl="0">
-              <a:lnSpc>
-                <a:spcPct val="100000"/>
-              </a:lnSpc>
-              <a:spcBef>
-                <a:spcPts val="0"/>
-              </a:spcBef>
-              <a:spcAft>
-                <a:spcPts val="0"/>
-              </a:spcAft>
-              <a:buNone/>
-            </a:pPr>
-            <a:r>
-              <a:rPr lang="en"/>
-              <a:t>The Jungle Game is the english name for a traditional Chinese game called </a:t>
-            </a:r>
-            <a:r>
-              <a:rPr b="1" lang="en"/>
-              <a:t>Dou Shou Qui</a:t>
-            </a:r>
-            <a:r>
-              <a:rPr lang="en"/>
-              <a:t>.</a:t>
-            </a:r>
-          </a:p>
-        </p:txBody>
-      </p:sp>
-      <p:sp>
-        <p:nvSpPr>
-          <p:cNvPr id="64" name="Shape 64"/>
-          <p:cNvSpPr txBox="1"/>
-          <p:nvPr/>
-        </p:nvSpPr>
-        <p:spPr>
-          <a:xfrm>
-            <a:off x="4643725" y="1723475"/>
-            <a:ext cx="5243400" cy="572700"/>
-          </a:xfrm>
-          <a:prstGeom prst="rect">
-            <a:avLst/>
-          </a:prstGeom>
-          <a:noFill/>
-          <a:ln>
-            <a:noFill/>
-          </a:ln>
         </p:spPr>
         <p:txBody>
           <a:bodyPr anchorCtr="0" anchor="t" bIns="91425" lIns="91425" rIns="91425" wrap="square" tIns="91425">
@@ -5354,65 +5435,20 @@
               <a:buNone/>
             </a:pPr>
             <a:r>
-              <a:rPr b="1" lang="en" sz="1800">
-                <a:solidFill>
-                  <a:schemeClr val="dk2"/>
-                </a:solidFill>
+              <a:rPr b="1" i="1" lang="es">
+                <a:latin typeface="Cambria"/>
+                <a:ea typeface="Cambria"/>
+                <a:cs typeface="Cambria"/>
+                <a:sym typeface="Cambria"/>
               </a:rPr>
-              <a:t>Jungle</a:t>
-            </a:r>
-            <a:r>
-              <a:rPr lang="en" sz="1800">
-                <a:solidFill>
-                  <a:schemeClr val="dk2"/>
-                </a:solidFill>
-              </a:rPr>
-              <a:t> is a two-player strategy game.</a:t>
-            </a:r>
-          </a:p>
-        </p:txBody>
-      </p:sp>
-      <p:sp>
-        <p:nvSpPr>
-          <p:cNvPr id="65" name="Shape 65"/>
-          <p:cNvSpPr txBox="1"/>
-          <p:nvPr/>
-        </p:nvSpPr>
-        <p:spPr>
-          <a:xfrm>
-            <a:off x="311700" y="2285400"/>
-            <a:ext cx="4336200" cy="572700"/>
-          </a:xfrm>
-          <a:prstGeom prst="rect">
-            <a:avLst/>
-          </a:prstGeom>
-          <a:noFill/>
-          <a:ln>
-            <a:noFill/>
-          </a:ln>
-        </p:spPr>
-        <p:txBody>
-          <a:bodyPr anchorCtr="0" anchor="t" bIns="91425" lIns="91425" rIns="91425" wrap="square" tIns="91425">
-            <a:noAutofit/>
-          </a:bodyPr>
-          <a:lstStyle/>
-          <a:p>
-            <a:pPr lvl="0">
-              <a:spcBef>
-                <a:spcPts val="0"/>
-              </a:spcBef>
-              <a:buNone/>
-            </a:pPr>
-            <a:r>
-              <a:rPr lang="en" sz="1800"/>
-              <a:t>Each player starts with eight pieces.</a:t>
+              <a:t>Domain Model </a:t>
             </a:r>
           </a:p>
         </p:txBody>
       </p:sp>
       <p:pic>
         <p:nvPicPr>
-          <p:cNvPr descr="Rat.png" id="66" name="Shape 66"/>
+          <p:cNvPr descr="Domain Model - Domain Model (1).png" id="64" name="Shape 64"/>
           <p:cNvPicPr preferRelativeResize="0"/>
           <p:nvPr/>
         </p:nvPicPr>
@@ -5426,8 +5462,8 @@
         </p:blipFill>
         <p:spPr>
           <a:xfrm>
-            <a:off x="774050" y="3181000"/>
-            <a:ext cx="552450" cy="552450"/>
+            <a:off x="2317300" y="445025"/>
+            <a:ext cx="6453452" cy="4520375"/>
           </a:xfrm>
           <a:prstGeom prst="rect">
             <a:avLst/>
@@ -5438,586 +5474,6 @@
           </a:ln>
         </p:spPr>
       </p:pic>
-      <p:pic>
-        <p:nvPicPr>
-          <p:cNvPr descr="cat.png" id="67" name="Shape 67"/>
-          <p:cNvPicPr preferRelativeResize="0"/>
-          <p:nvPr/>
-        </p:nvPicPr>
-        <p:blipFill>
-          <a:blip r:embed="rId4">
-            <a:alphaModFix/>
-          </a:blip>
-          <a:stretch>
-            <a:fillRect/>
-          </a:stretch>
-        </p:blipFill>
-        <p:spPr>
-          <a:xfrm>
-            <a:off x="1758150" y="3181000"/>
-            <a:ext cx="552450" cy="552450"/>
-          </a:xfrm>
-          <a:prstGeom prst="rect">
-            <a:avLst/>
-          </a:prstGeom>
-          <a:noFill/>
-          <a:ln>
-            <a:noFill/>
-          </a:ln>
-        </p:spPr>
-      </p:pic>
-      <p:pic>
-        <p:nvPicPr>
-          <p:cNvPr id="68" name="Shape 68"/>
-          <p:cNvPicPr preferRelativeResize="0"/>
-          <p:nvPr/>
-        </p:nvPicPr>
-        <p:blipFill>
-          <a:blip r:embed="rId5">
-            <a:alphaModFix/>
-          </a:blip>
-          <a:stretch>
-            <a:fillRect/>
-          </a:stretch>
-        </p:blipFill>
-        <p:spPr>
-          <a:xfrm>
-            <a:off x="2748012" y="3181000"/>
-            <a:ext cx="552450" cy="552450"/>
-          </a:xfrm>
-          <a:prstGeom prst="rect">
-            <a:avLst/>
-          </a:prstGeom>
-          <a:noFill/>
-          <a:ln>
-            <a:noFill/>
-          </a:ln>
-        </p:spPr>
-      </p:pic>
-      <p:pic>
-        <p:nvPicPr>
-          <p:cNvPr id="69" name="Shape 69"/>
-          <p:cNvPicPr preferRelativeResize="0"/>
-          <p:nvPr/>
-        </p:nvPicPr>
-        <p:blipFill>
-          <a:blip r:embed="rId6">
-            <a:alphaModFix/>
-          </a:blip>
-          <a:stretch>
-            <a:fillRect/>
-          </a:stretch>
-        </p:blipFill>
-        <p:spPr>
-          <a:xfrm>
-            <a:off x="3795575" y="3181000"/>
-            <a:ext cx="552450" cy="552450"/>
-          </a:xfrm>
-          <a:prstGeom prst="rect">
-            <a:avLst/>
-          </a:prstGeom>
-          <a:noFill/>
-          <a:ln>
-            <a:noFill/>
-          </a:ln>
-        </p:spPr>
-      </p:pic>
-      <p:pic>
-        <p:nvPicPr>
-          <p:cNvPr id="70" name="Shape 70"/>
-          <p:cNvPicPr preferRelativeResize="0"/>
-          <p:nvPr/>
-        </p:nvPicPr>
-        <p:blipFill>
-          <a:blip r:embed="rId7">
-            <a:alphaModFix/>
-          </a:blip>
-          <a:stretch>
-            <a:fillRect/>
-          </a:stretch>
-        </p:blipFill>
-        <p:spPr>
-          <a:xfrm>
-            <a:off x="4843125" y="3181000"/>
-            <a:ext cx="552450" cy="552450"/>
-          </a:xfrm>
-          <a:prstGeom prst="rect">
-            <a:avLst/>
-          </a:prstGeom>
-          <a:noFill/>
-          <a:ln>
-            <a:noFill/>
-          </a:ln>
-        </p:spPr>
-      </p:pic>
-      <p:pic>
-        <p:nvPicPr>
-          <p:cNvPr id="71" name="Shape 71"/>
-          <p:cNvPicPr preferRelativeResize="0"/>
-          <p:nvPr/>
-        </p:nvPicPr>
-        <p:blipFill>
-          <a:blip r:embed="rId8">
-            <a:alphaModFix/>
-          </a:blip>
-          <a:stretch>
-            <a:fillRect/>
-          </a:stretch>
-        </p:blipFill>
-        <p:spPr>
-          <a:xfrm>
-            <a:off x="5832987" y="3181000"/>
-            <a:ext cx="552450" cy="552450"/>
-          </a:xfrm>
-          <a:prstGeom prst="rect">
-            <a:avLst/>
-          </a:prstGeom>
-          <a:noFill/>
-          <a:ln>
-            <a:noFill/>
-          </a:ln>
-        </p:spPr>
-      </p:pic>
-      <p:pic>
-        <p:nvPicPr>
-          <p:cNvPr id="72" name="Shape 72"/>
-          <p:cNvPicPr preferRelativeResize="0"/>
-          <p:nvPr/>
-        </p:nvPicPr>
-        <p:blipFill>
-          <a:blip r:embed="rId9">
-            <a:alphaModFix/>
-          </a:blip>
-          <a:stretch>
-            <a:fillRect/>
-          </a:stretch>
-        </p:blipFill>
-        <p:spPr>
-          <a:xfrm>
-            <a:off x="6855550" y="3181000"/>
-            <a:ext cx="552450" cy="552450"/>
-          </a:xfrm>
-          <a:prstGeom prst="rect">
-            <a:avLst/>
-          </a:prstGeom>
-          <a:noFill/>
-          <a:ln>
-            <a:noFill/>
-          </a:ln>
-        </p:spPr>
-      </p:pic>
-      <p:pic>
-        <p:nvPicPr>
-          <p:cNvPr id="73" name="Shape 73"/>
-          <p:cNvPicPr preferRelativeResize="0"/>
-          <p:nvPr/>
-        </p:nvPicPr>
-        <p:blipFill>
-          <a:blip r:embed="rId10">
-            <a:alphaModFix/>
-          </a:blip>
-          <a:stretch>
-            <a:fillRect/>
-          </a:stretch>
-        </p:blipFill>
-        <p:spPr>
-          <a:xfrm>
-            <a:off x="7801175" y="3181000"/>
-            <a:ext cx="552450" cy="552450"/>
-          </a:xfrm>
-          <a:prstGeom prst="rect">
-            <a:avLst/>
-          </a:prstGeom>
-          <a:noFill/>
-          <a:ln>
-            <a:noFill/>
-          </a:ln>
-        </p:spPr>
-      </p:pic>
-      <p:sp>
-        <p:nvSpPr>
-          <p:cNvPr id="74" name="Shape 74"/>
-          <p:cNvSpPr txBox="1"/>
-          <p:nvPr/>
-        </p:nvSpPr>
-        <p:spPr>
-          <a:xfrm>
-            <a:off x="773975" y="3733450"/>
-            <a:ext cx="552600" cy="238500"/>
-          </a:xfrm>
-          <a:prstGeom prst="rect">
-            <a:avLst/>
-          </a:prstGeom>
-          <a:noFill/>
-          <a:ln>
-            <a:noFill/>
-          </a:ln>
-        </p:spPr>
-        <p:txBody>
-          <a:bodyPr anchorCtr="0" anchor="t" bIns="91425" lIns="91425" rIns="91425" wrap="square" tIns="91425">
-            <a:noAutofit/>
-          </a:bodyPr>
-          <a:lstStyle/>
-          <a:p>
-            <a:pPr lvl="0">
-              <a:spcBef>
-                <a:spcPts val="0"/>
-              </a:spcBef>
-              <a:buNone/>
-            </a:pPr>
-            <a:r>
-              <a:rPr b="1" lang="en"/>
-              <a:t>Rat</a:t>
-            </a:r>
-          </a:p>
-        </p:txBody>
-      </p:sp>
-      <p:sp>
-        <p:nvSpPr>
-          <p:cNvPr id="75" name="Shape 75"/>
-          <p:cNvSpPr txBox="1"/>
-          <p:nvPr/>
-        </p:nvSpPr>
-        <p:spPr>
-          <a:xfrm>
-            <a:off x="1782825" y="3733450"/>
-            <a:ext cx="503100" cy="376800"/>
-          </a:xfrm>
-          <a:prstGeom prst="rect">
-            <a:avLst/>
-          </a:prstGeom>
-          <a:noFill/>
-          <a:ln>
-            <a:noFill/>
-          </a:ln>
-        </p:spPr>
-        <p:txBody>
-          <a:bodyPr anchorCtr="0" anchor="t" bIns="91425" lIns="91425" rIns="91425" wrap="square" tIns="91425">
-            <a:noAutofit/>
-          </a:bodyPr>
-          <a:lstStyle/>
-          <a:p>
-            <a:pPr lvl="0">
-              <a:spcBef>
-                <a:spcPts val="0"/>
-              </a:spcBef>
-              <a:buNone/>
-            </a:pPr>
-            <a:r>
-              <a:rPr b="1" lang="en"/>
-              <a:t>Cat</a:t>
-            </a:r>
-          </a:p>
-        </p:txBody>
-      </p:sp>
-      <p:sp>
-        <p:nvSpPr>
-          <p:cNvPr id="76" name="Shape 76"/>
-          <p:cNvSpPr txBox="1"/>
-          <p:nvPr/>
-        </p:nvSpPr>
-        <p:spPr>
-          <a:xfrm>
-            <a:off x="2772700" y="3733450"/>
-            <a:ext cx="503100" cy="238500"/>
-          </a:xfrm>
-          <a:prstGeom prst="rect">
-            <a:avLst/>
-          </a:prstGeom>
-          <a:noFill/>
-          <a:ln>
-            <a:noFill/>
-          </a:ln>
-        </p:spPr>
-        <p:txBody>
-          <a:bodyPr anchorCtr="0" anchor="t" bIns="91425" lIns="91425" rIns="91425" wrap="square" tIns="91425">
-            <a:noAutofit/>
-          </a:bodyPr>
-          <a:lstStyle/>
-          <a:p>
-            <a:pPr lvl="0">
-              <a:spcBef>
-                <a:spcPts val="0"/>
-              </a:spcBef>
-              <a:buNone/>
-            </a:pPr>
-            <a:r>
-              <a:rPr b="1" lang="en"/>
-              <a:t>Fox</a:t>
-            </a:r>
-          </a:p>
-        </p:txBody>
-      </p:sp>
-      <p:sp>
-        <p:nvSpPr>
-          <p:cNvPr id="77" name="Shape 77"/>
-          <p:cNvSpPr txBox="1"/>
-          <p:nvPr/>
-        </p:nvSpPr>
-        <p:spPr>
-          <a:xfrm>
-            <a:off x="3795575" y="3714250"/>
-            <a:ext cx="638100" cy="276900"/>
-          </a:xfrm>
-          <a:prstGeom prst="rect">
-            <a:avLst/>
-          </a:prstGeom>
-          <a:noFill/>
-          <a:ln>
-            <a:noFill/>
-          </a:ln>
-        </p:spPr>
-        <p:txBody>
-          <a:bodyPr anchorCtr="0" anchor="t" bIns="91425" lIns="91425" rIns="91425" wrap="square" tIns="91425">
-            <a:noAutofit/>
-          </a:bodyPr>
-          <a:lstStyle/>
-          <a:p>
-            <a:pPr lvl="0">
-              <a:spcBef>
-                <a:spcPts val="0"/>
-              </a:spcBef>
-              <a:buNone/>
-            </a:pPr>
-            <a:r>
-              <a:rPr b="1" lang="en"/>
-              <a:t>Dog</a:t>
-            </a:r>
-          </a:p>
-        </p:txBody>
-      </p:sp>
-      <p:sp>
-        <p:nvSpPr>
-          <p:cNvPr id="78" name="Shape 78"/>
-          <p:cNvSpPr txBox="1"/>
-          <p:nvPr/>
-        </p:nvSpPr>
-        <p:spPr>
-          <a:xfrm>
-            <a:off x="4677275" y="3733450"/>
-            <a:ext cx="907200" cy="207600"/>
-          </a:xfrm>
-          <a:prstGeom prst="rect">
-            <a:avLst/>
-          </a:prstGeom>
-          <a:noFill/>
-          <a:ln>
-            <a:noFill/>
-          </a:ln>
-        </p:spPr>
-        <p:txBody>
-          <a:bodyPr anchorCtr="0" anchor="t" bIns="91425" lIns="91425" rIns="91425" wrap="square" tIns="91425">
-            <a:noAutofit/>
-          </a:bodyPr>
-          <a:lstStyle/>
-          <a:p>
-            <a:pPr lvl="0">
-              <a:spcBef>
-                <a:spcPts val="0"/>
-              </a:spcBef>
-              <a:buNone/>
-            </a:pPr>
-            <a:r>
-              <a:rPr b="1" lang="en"/>
-              <a:t>Leopard</a:t>
-            </a:r>
-          </a:p>
-        </p:txBody>
-      </p:sp>
-      <p:sp>
-        <p:nvSpPr>
-          <p:cNvPr id="79" name="Shape 79"/>
-          <p:cNvSpPr txBox="1"/>
-          <p:nvPr/>
-        </p:nvSpPr>
-        <p:spPr>
-          <a:xfrm>
-            <a:off x="5805012" y="3714250"/>
-            <a:ext cx="784200" cy="330600"/>
-          </a:xfrm>
-          <a:prstGeom prst="rect">
-            <a:avLst/>
-          </a:prstGeom>
-          <a:noFill/>
-          <a:ln>
-            <a:noFill/>
-          </a:ln>
-        </p:spPr>
-        <p:txBody>
-          <a:bodyPr anchorCtr="0" anchor="t" bIns="91425" lIns="91425" rIns="91425" wrap="square" tIns="91425">
-            <a:noAutofit/>
-          </a:bodyPr>
-          <a:lstStyle/>
-          <a:p>
-            <a:pPr lvl="0">
-              <a:spcBef>
-                <a:spcPts val="0"/>
-              </a:spcBef>
-              <a:buNone/>
-            </a:pPr>
-            <a:r>
-              <a:rPr b="1" lang="en"/>
-              <a:t>Tiger</a:t>
-            </a:r>
-          </a:p>
-        </p:txBody>
-      </p:sp>
-      <p:sp>
-        <p:nvSpPr>
-          <p:cNvPr id="80" name="Shape 80"/>
-          <p:cNvSpPr txBox="1"/>
-          <p:nvPr/>
-        </p:nvSpPr>
-        <p:spPr>
-          <a:xfrm>
-            <a:off x="6855525" y="3741100"/>
-            <a:ext cx="999600" cy="276900"/>
-          </a:xfrm>
-          <a:prstGeom prst="rect">
-            <a:avLst/>
-          </a:prstGeom>
-          <a:noFill/>
-          <a:ln>
-            <a:noFill/>
-          </a:ln>
-        </p:spPr>
-        <p:txBody>
-          <a:bodyPr anchorCtr="0" anchor="t" bIns="91425" lIns="91425" rIns="91425" wrap="square" tIns="91425">
-            <a:noAutofit/>
-          </a:bodyPr>
-          <a:lstStyle/>
-          <a:p>
-            <a:pPr lvl="0">
-              <a:spcBef>
-                <a:spcPts val="0"/>
-              </a:spcBef>
-              <a:buNone/>
-            </a:pPr>
-            <a:r>
-              <a:rPr b="1" lang="en"/>
-              <a:t>Lion</a:t>
-            </a:r>
-          </a:p>
-        </p:txBody>
-      </p:sp>
-      <p:sp>
-        <p:nvSpPr>
-          <p:cNvPr id="81" name="Shape 81"/>
-          <p:cNvSpPr txBox="1"/>
-          <p:nvPr/>
-        </p:nvSpPr>
-        <p:spPr>
-          <a:xfrm>
-            <a:off x="7619100" y="3733450"/>
-            <a:ext cx="999600" cy="552600"/>
-          </a:xfrm>
-          <a:prstGeom prst="rect">
-            <a:avLst/>
-          </a:prstGeom>
-          <a:noFill/>
-          <a:ln>
-            <a:noFill/>
-          </a:ln>
-        </p:spPr>
-        <p:txBody>
-          <a:bodyPr anchorCtr="0" anchor="t" bIns="91425" lIns="91425" rIns="91425" wrap="square" tIns="91425">
-            <a:noAutofit/>
-          </a:bodyPr>
-          <a:lstStyle/>
-          <a:p>
-            <a:pPr lvl="0">
-              <a:spcBef>
-                <a:spcPts val="0"/>
-              </a:spcBef>
-              <a:buNone/>
-            </a:pPr>
-            <a:r>
-              <a:rPr b="1" lang="en"/>
-              <a:t>Elephant</a:t>
-            </a:r>
-          </a:p>
-        </p:txBody>
-      </p:sp>
-      <p:sp>
-        <p:nvSpPr>
-          <p:cNvPr id="82" name="Shape 82"/>
-          <p:cNvSpPr txBox="1"/>
-          <p:nvPr/>
-        </p:nvSpPr>
-        <p:spPr>
-          <a:xfrm>
-            <a:off x="311700" y="4406675"/>
-            <a:ext cx="7365300" cy="376800"/>
-          </a:xfrm>
-          <a:prstGeom prst="rect">
-            <a:avLst/>
-          </a:prstGeom>
-          <a:noFill/>
-          <a:ln>
-            <a:noFill/>
-          </a:ln>
-        </p:spPr>
-        <p:txBody>
-          <a:bodyPr anchorCtr="0" anchor="t" bIns="91425" lIns="91425" rIns="91425" wrap="square" tIns="91425">
-            <a:noAutofit/>
-          </a:bodyPr>
-          <a:lstStyle/>
-          <a:p>
-            <a:pPr lvl="0">
-              <a:spcBef>
-                <a:spcPts val="0"/>
-              </a:spcBef>
-              <a:buNone/>
-            </a:pPr>
-            <a:r>
-              <a:rPr lang="en" sz="1800"/>
-              <a:t>The higher the piece’s number, the more powerful it is.</a:t>
-            </a:r>
-          </a:p>
-        </p:txBody>
-      </p:sp>
-      <p:sp>
-        <p:nvSpPr>
-          <p:cNvPr id="83" name="Shape 83"/>
-          <p:cNvSpPr txBox="1"/>
-          <p:nvPr/>
-        </p:nvSpPr>
-        <p:spPr>
-          <a:xfrm>
-            <a:off x="6007325" y="4904100"/>
-            <a:ext cx="3372300" cy="115200"/>
-          </a:xfrm>
-          <a:prstGeom prst="rect">
-            <a:avLst/>
-          </a:prstGeom>
-          <a:noFill/>
-          <a:ln>
-            <a:noFill/>
-          </a:ln>
-        </p:spPr>
-        <p:txBody>
-          <a:bodyPr anchorCtr="0" anchor="t" bIns="91425" lIns="91425" rIns="91425" wrap="square" tIns="91425">
-            <a:noAutofit/>
-          </a:bodyPr>
-          <a:lstStyle/>
-          <a:p>
-            <a:pPr lvl="0">
-              <a:spcBef>
-                <a:spcPts val="0"/>
-              </a:spcBef>
-              <a:buNone/>
-            </a:pPr>
-            <a:r>
-              <a:rPr i="1" lang="en" sz="800">
-                <a:solidFill>
-                  <a:srgbClr val="999999"/>
-                </a:solidFill>
-              </a:rPr>
-              <a:t>Images from: http://liacs.leidenuniv.nl/~visjk/doushouqi/about.html</a:t>
-            </a:r>
-          </a:p>
-        </p:txBody>
-      </p:sp>
     </p:spTree>
   </p:cSld>
   <p:clrMapOvr>
@@ -6038,7 +5494,7 @@
     </p:bg>
     <p:spTree>
       <p:nvGrpSpPr>
-        <p:cNvPr id="87" name="Shape 87"/>
+        <p:cNvPr id="68" name="Shape 68"/>
         <p:cNvGrpSpPr/>
         <p:nvPr/>
       </p:nvGrpSpPr>
@@ -6052,7 +5508,7 @@
       </p:grpSpPr>
       <p:sp>
         <p:nvSpPr>
-          <p:cNvPr id="88" name="Shape 88"/>
+          <p:cNvPr id="69" name="Shape 69"/>
           <p:cNvSpPr txBox="1"/>
           <p:nvPr>
             <p:ph type="title"/>
@@ -6073,22 +5529,27 @@
           </a:bodyPr>
           <a:lstStyle/>
           <a:p>
-            <a:pPr lvl="0" algn="ctr">
+            <a:pPr lvl="0" rtl="0" algn="ctr">
               <a:spcBef>
                 <a:spcPts val="0"/>
               </a:spcBef>
               <a:buNone/>
             </a:pPr>
             <a:r>
-              <a:rPr b="1" lang="en"/>
-              <a:t>Jungle - The Board</a:t>
+              <a:rPr b="1" i="1" lang="es">
+                <a:latin typeface="Cambria"/>
+                <a:ea typeface="Cambria"/>
+                <a:cs typeface="Cambria"/>
+                <a:sym typeface="Cambria"/>
+              </a:rPr>
+              <a:t>Domain Model - Glossary </a:t>
             </a:r>
           </a:p>
         </p:txBody>
       </p:sp>
       <p:sp>
         <p:nvSpPr>
-          <p:cNvPr id="89" name="Shape 89"/>
+          <p:cNvPr id="70" name="Shape 70"/>
           <p:cNvSpPr txBox="1"/>
           <p:nvPr>
             <p:ph idx="1" type="body"/>
@@ -6097,7 +5558,7 @@
         <p:spPr>
           <a:xfrm>
             <a:off x="311700" y="1152475"/>
-            <a:ext cx="8520600" cy="440400"/>
+            <a:ext cx="8520600" cy="3567900"/>
           </a:xfrm>
           <a:prstGeom prst="rect">
             <a:avLst/>
@@ -6109,455 +5570,193 @@
           </a:bodyPr>
           <a:lstStyle/>
           <a:p>
-            <a:pPr lvl="0">
-              <a:spcBef>
-                <a:spcPts val="0"/>
-              </a:spcBef>
+            <a:pPr indent="457200" lvl="0" rtl="0">
+              <a:lnSpc>
+                <a:spcPct val="100000"/>
+              </a:lnSpc>
+              <a:spcBef>
+                <a:spcPts val="0"/>
+              </a:spcBef>
+              <a:spcAft>
+                <a:spcPts val="1000"/>
+              </a:spcAft>
               <a:buNone/>
             </a:pPr>
             <a:r>
-              <a:rPr lang="en"/>
-              <a:t>The Jungle game board is a set of </a:t>
-            </a:r>
-            <a:r>
-              <a:rPr b="1" lang="en"/>
-              <a:t>7 by 9</a:t>
-            </a:r>
-            <a:r>
-              <a:rPr lang="en"/>
-              <a:t> squares.</a:t>
+              <a:rPr b="1" lang="es" sz="1400">
+                <a:solidFill>
+                  <a:srgbClr val="000000"/>
+                </a:solidFill>
+                <a:latin typeface="Cambria"/>
+                <a:ea typeface="Cambria"/>
+                <a:cs typeface="Cambria"/>
+                <a:sym typeface="Cambria"/>
+              </a:rPr>
+              <a:t>Player: </a:t>
+            </a:r>
+            <a:r>
+              <a:rPr lang="es" sz="1400">
+                <a:solidFill>
+                  <a:srgbClr val="000000"/>
+                </a:solidFill>
+                <a:latin typeface="Cambria"/>
+                <a:ea typeface="Cambria"/>
+                <a:cs typeface="Cambria"/>
+                <a:sym typeface="Cambria"/>
+              </a:rPr>
+              <a:t>An extension of a registered user. They may make moves, capture pieces, and perform other actions that the registered user entity cannot. Each player may control up to eight game pieces. Each player also has a color indicating which team they are on.</a:t>
             </a:r>
           </a:p>
-        </p:txBody>
-      </p:sp>
-      <p:pic>
-        <p:nvPicPr>
-          <p:cNvPr descr="Dou_shou_qi_board.png" id="90" name="Shape 90"/>
-          <p:cNvPicPr preferRelativeResize="0"/>
-          <p:nvPr/>
-        </p:nvPicPr>
-        <p:blipFill>
-          <a:blip r:embed="rId3">
-            <a:alphaModFix/>
-          </a:blip>
-          <a:stretch>
-            <a:fillRect/>
-          </a:stretch>
-        </p:blipFill>
-        <p:spPr>
-          <a:xfrm>
-            <a:off x="384277" y="1609710"/>
-            <a:ext cx="2581307" cy="3283418"/>
-          </a:xfrm>
-          <a:prstGeom prst="rect">
-            <a:avLst/>
-          </a:prstGeom>
-          <a:noFill/>
-          <a:ln>
-            <a:noFill/>
-          </a:ln>
-        </p:spPr>
-      </p:pic>
-      <p:sp>
-        <p:nvSpPr>
-          <p:cNvPr id="91" name="Shape 91"/>
-          <p:cNvSpPr txBox="1"/>
-          <p:nvPr/>
-        </p:nvSpPr>
-        <p:spPr>
-          <a:xfrm>
-            <a:off x="384148" y="4878366"/>
-            <a:ext cx="2581500" cy="215400"/>
-          </a:xfrm>
-          <a:prstGeom prst="rect">
-            <a:avLst/>
-          </a:prstGeom>
-          <a:noFill/>
-          <a:ln>
-            <a:noFill/>
-          </a:ln>
-        </p:spPr>
-        <p:txBody>
-          <a:bodyPr anchorCtr="0" anchor="ctr" bIns="91425" lIns="91425" rIns="91425" wrap="square" tIns="91425">
-            <a:noAutofit/>
-          </a:bodyPr>
-          <a:lstStyle/>
           <a:p>
-            <a:pPr lvl="0" rtl="0" algn="ctr">
-              <a:spcBef>
-                <a:spcPts val="0"/>
-              </a:spcBef>
+            <a:pPr indent="457200" lvl="0" rtl="0">
+              <a:lnSpc>
+                <a:spcPct val="100000"/>
+              </a:lnSpc>
+              <a:spcBef>
+                <a:spcPts val="0"/>
+              </a:spcBef>
+              <a:spcAft>
+                <a:spcPts val="1000"/>
+              </a:spcAft>
               <a:buNone/>
             </a:pPr>
             <a:r>
-              <a:rPr lang="en" sz="600">
+              <a:rPr b="1" lang="es" sz="1400">
                 <a:solidFill>
-                  <a:srgbClr val="999999"/>
+                  <a:srgbClr val="000000"/>
                 </a:solidFill>
+                <a:latin typeface="Cambria"/>
+                <a:ea typeface="Cambria"/>
+                <a:cs typeface="Cambria"/>
+                <a:sym typeface="Cambria"/>
               </a:rPr>
-              <a:t>https://upload.wikimedia.org/wikipedia/commons/d/d0/Dou_shou_qi_board.png</a:t>
+              <a:t>Game:</a:t>
+            </a:r>
+            <a:r>
+              <a:rPr lang="es" sz="1400">
+                <a:solidFill>
+                  <a:srgbClr val="000000"/>
+                </a:solidFill>
+                <a:latin typeface="Cambria"/>
+                <a:ea typeface="Cambria"/>
+                <a:cs typeface="Cambria"/>
+                <a:sym typeface="Cambria"/>
+              </a:rPr>
+              <a:t> An instance of a game of Jungle. Each game has two players, a game board, sixteen pieces,  start/end times, and a status (ongoing, completed, abandoned, etc.)</a:t>
             </a:r>
           </a:p>
-        </p:txBody>
-      </p:sp>
-      <p:pic>
-        <p:nvPicPr>
-          <p:cNvPr descr="Dou_shou_qi_den.png" id="92" name="Shape 92"/>
-          <p:cNvPicPr preferRelativeResize="0"/>
-          <p:nvPr/>
-        </p:nvPicPr>
-        <p:blipFill>
-          <a:blip r:embed="rId4">
-            <a:alphaModFix/>
-          </a:blip>
-          <a:stretch>
-            <a:fillRect/>
-          </a:stretch>
-        </p:blipFill>
-        <p:spPr>
-          <a:xfrm>
-            <a:off x="6770992" y="1779930"/>
-            <a:ext cx="2008290" cy="1371358"/>
-          </a:xfrm>
-          <a:prstGeom prst="rect">
-            <a:avLst/>
-          </a:prstGeom>
-          <a:noFill/>
-          <a:ln>
-            <a:noFill/>
-          </a:ln>
-        </p:spPr>
-      </p:pic>
-      <p:sp>
-        <p:nvSpPr>
-          <p:cNvPr id="93" name="Shape 93"/>
-          <p:cNvSpPr txBox="1"/>
-          <p:nvPr/>
-        </p:nvSpPr>
-        <p:spPr>
-          <a:xfrm>
-            <a:off x="6588635" y="3100985"/>
-            <a:ext cx="2376000" cy="207600"/>
-          </a:xfrm>
-          <a:prstGeom prst="rect">
-            <a:avLst/>
-          </a:prstGeom>
-          <a:noFill/>
-          <a:ln>
-            <a:noFill/>
-          </a:ln>
-        </p:spPr>
-        <p:txBody>
-          <a:bodyPr anchorCtr="0" anchor="ctr" bIns="91425" lIns="91425" rIns="91425" wrap="square" tIns="91425">
-            <a:noAutofit/>
-          </a:bodyPr>
-          <a:lstStyle/>
           <a:p>
-            <a:pPr lvl="0" rtl="0" algn="ctr">
-              <a:spcBef>
-                <a:spcPts val="0"/>
-              </a:spcBef>
+            <a:pPr indent="457200" lvl="0" rtl="0">
+              <a:lnSpc>
+                <a:spcPct val="100000"/>
+              </a:lnSpc>
+              <a:spcBef>
+                <a:spcPts val="0"/>
+              </a:spcBef>
+              <a:spcAft>
+                <a:spcPts val="1000"/>
+              </a:spcAft>
               <a:buNone/>
             </a:pPr>
             <a:r>
-              <a:rPr lang="en" sz="600">
+              <a:rPr b="1" lang="es" sz="1400">
                 <a:solidFill>
-                  <a:srgbClr val="999999"/>
+                  <a:srgbClr val="000000"/>
                 </a:solidFill>
+                <a:latin typeface="Cambria"/>
+                <a:ea typeface="Cambria"/>
+                <a:cs typeface="Cambria"/>
+                <a:sym typeface="Cambria"/>
               </a:rPr>
-              <a:t>https://upload.wikimedia.org/wikipedia/commons/2/2f/Dou_shou_qi_den.png</a:t>
+              <a:t>GameBoard: </a:t>
+            </a:r>
+            <a:r>
+              <a:rPr lang="es" sz="1400">
+                <a:solidFill>
+                  <a:srgbClr val="000000"/>
+                </a:solidFill>
+                <a:latin typeface="Cambria"/>
+                <a:ea typeface="Cambria"/>
+                <a:cs typeface="Cambria"/>
+                <a:sym typeface="Cambria"/>
+              </a:rPr>
+              <a:t>A representation of the Jungle board that contains the current state of a game. The game board contains the different squares of Jungle, and any uncaptured Jungle pieces.</a:t>
             </a:r>
           </a:p>
-        </p:txBody>
-      </p:sp>
-      <p:sp>
-        <p:nvSpPr>
-          <p:cNvPr id="94" name="Shape 94"/>
-          <p:cNvSpPr txBox="1"/>
-          <p:nvPr/>
-        </p:nvSpPr>
-        <p:spPr>
-          <a:xfrm>
-            <a:off x="6599924" y="1561788"/>
-            <a:ext cx="2376000" cy="261000"/>
-          </a:xfrm>
-          <a:prstGeom prst="rect">
-            <a:avLst/>
-          </a:prstGeom>
-          <a:noFill/>
-          <a:ln>
-            <a:noFill/>
-          </a:ln>
-        </p:spPr>
-        <p:txBody>
-          <a:bodyPr anchorCtr="0" anchor="ctr" bIns="91425" lIns="91425" rIns="91425" wrap="square" tIns="91425">
-            <a:noAutofit/>
-          </a:bodyPr>
-          <a:lstStyle/>
           <a:p>
-            <a:pPr lvl="0" rtl="0" algn="ctr">
-              <a:spcBef>
-                <a:spcPts val="0"/>
-              </a:spcBef>
+            <a:pPr indent="457200" lvl="0" rtl="0">
+              <a:lnSpc>
+                <a:spcPct val="100000"/>
+              </a:lnSpc>
+              <a:spcBef>
+                <a:spcPts val="0"/>
+              </a:spcBef>
+              <a:spcAft>
+                <a:spcPts val="1000"/>
+              </a:spcAft>
               <a:buNone/>
             </a:pPr>
             <a:r>
-              <a:rPr b="1" lang="en"/>
-              <a:t>The “Den” Square</a:t>
+              <a:rPr b="1" lang="es" sz="1400">
+                <a:solidFill>
+                  <a:srgbClr val="000000"/>
+                </a:solidFill>
+                <a:latin typeface="Cambria"/>
+                <a:ea typeface="Cambria"/>
+                <a:cs typeface="Cambria"/>
+                <a:sym typeface="Cambria"/>
+              </a:rPr>
+              <a:t>BoardSquare: </a:t>
+            </a:r>
+            <a:r>
+              <a:rPr lang="es" sz="1400">
+                <a:solidFill>
+                  <a:srgbClr val="000000"/>
+                </a:solidFill>
+                <a:latin typeface="Cambria"/>
+                <a:ea typeface="Cambria"/>
+                <a:cs typeface="Cambria"/>
+                <a:sym typeface="Cambria"/>
+              </a:rPr>
+              <a:t>A representation of a single square on the Jungle board. A square can be one of four types: normal (no specialization), den, river, and trap.</a:t>
             </a:r>
           </a:p>
-        </p:txBody>
-      </p:sp>
-      <p:pic>
-        <p:nvPicPr>
-          <p:cNvPr descr="Dou_shou_qi_traps.png" id="95" name="Shape 95"/>
-          <p:cNvPicPr preferRelativeResize="0"/>
-          <p:nvPr/>
-        </p:nvPicPr>
-        <p:blipFill>
-          <a:blip r:embed="rId5">
-            <a:alphaModFix/>
-          </a:blip>
-          <a:stretch>
-            <a:fillRect/>
-          </a:stretch>
-        </p:blipFill>
-        <p:spPr>
-          <a:xfrm>
-            <a:off x="6783786" y="3569643"/>
-            <a:ext cx="2008285" cy="1371385"/>
-          </a:xfrm>
-          <a:prstGeom prst="rect">
-            <a:avLst/>
-          </a:prstGeom>
-          <a:noFill/>
-          <a:ln>
-            <a:noFill/>
-          </a:ln>
-        </p:spPr>
-      </p:pic>
-      <p:sp>
-        <p:nvSpPr>
-          <p:cNvPr id="96" name="Shape 96"/>
-          <p:cNvSpPr txBox="1"/>
-          <p:nvPr/>
-        </p:nvSpPr>
-        <p:spPr>
-          <a:xfrm>
-            <a:off x="6794859" y="4941179"/>
-            <a:ext cx="2008200" cy="161100"/>
-          </a:xfrm>
-          <a:prstGeom prst="rect">
-            <a:avLst/>
-          </a:prstGeom>
-          <a:noFill/>
-          <a:ln>
-            <a:noFill/>
-          </a:ln>
-        </p:spPr>
-        <p:txBody>
-          <a:bodyPr anchorCtr="0" anchor="ctr" bIns="91425" lIns="91425" rIns="91425" wrap="square" tIns="91425">
-            <a:noAutofit/>
-          </a:bodyPr>
-          <a:lstStyle/>
           <a:p>
-            <a:pPr lvl="0" rtl="0" algn="ctr">
-              <a:spcBef>
-                <a:spcPts val="0"/>
-              </a:spcBef>
+            <a:pPr indent="457200" lvl="0" rtl="0">
+              <a:lnSpc>
+                <a:spcPct val="100000"/>
+              </a:lnSpc>
+              <a:spcBef>
+                <a:spcPts val="0"/>
+              </a:spcBef>
+              <a:spcAft>
+                <a:spcPts val="1000"/>
+              </a:spcAft>
               <a:buNone/>
             </a:pPr>
             <a:r>
-              <a:rPr lang="en" sz="600">
+              <a:rPr b="1" lang="es" sz="1400">
                 <a:solidFill>
-                  <a:srgbClr val="999999"/>
+                  <a:srgbClr val="000000"/>
                 </a:solidFill>
+                <a:latin typeface="Cambria"/>
+                <a:ea typeface="Cambria"/>
+                <a:cs typeface="Cambria"/>
+                <a:sym typeface="Cambria"/>
               </a:rPr>
-              <a:t>https://upload.wikimedia.org/wikipedia/commons/d/d8/Dou_shou_qi_traps.png</a:t>
-            </a:r>
-          </a:p>
-        </p:txBody>
-      </p:sp>
-      <p:pic>
-        <p:nvPicPr>
-          <p:cNvPr descr="Dou_shou_qi_river.png" id="97" name="Shape 97"/>
-          <p:cNvPicPr preferRelativeResize="0"/>
-          <p:nvPr/>
-        </p:nvPicPr>
-        <p:blipFill>
-          <a:blip r:embed="rId6">
-            <a:alphaModFix/>
-          </a:blip>
-          <a:stretch>
-            <a:fillRect/>
-          </a:stretch>
-        </p:blipFill>
-        <p:spPr>
-          <a:xfrm>
-            <a:off x="4558064" y="2588509"/>
-            <a:ext cx="1991601" cy="1371358"/>
-          </a:xfrm>
-          <a:prstGeom prst="rect">
-            <a:avLst/>
-          </a:prstGeom>
-          <a:noFill/>
-          <a:ln>
-            <a:noFill/>
-          </a:ln>
-        </p:spPr>
-      </p:pic>
-      <p:sp>
-        <p:nvSpPr>
-          <p:cNvPr id="98" name="Shape 98"/>
-          <p:cNvSpPr txBox="1"/>
-          <p:nvPr/>
-        </p:nvSpPr>
-        <p:spPr>
-          <a:xfrm>
-            <a:off x="6817210" y="3338352"/>
-            <a:ext cx="1963500" cy="261000"/>
-          </a:xfrm>
-          <a:prstGeom prst="rect">
-            <a:avLst/>
-          </a:prstGeom>
-          <a:noFill/>
-          <a:ln>
-            <a:noFill/>
-          </a:ln>
-        </p:spPr>
-        <p:txBody>
-          <a:bodyPr anchorCtr="0" anchor="ctr" bIns="91425" lIns="91425" rIns="91425" wrap="square" tIns="91425">
-            <a:noAutofit/>
-          </a:bodyPr>
-          <a:lstStyle/>
-          <a:p>
-            <a:pPr lvl="0" rtl="0" algn="ctr">
-              <a:spcBef>
-                <a:spcPts val="0"/>
-              </a:spcBef>
-              <a:buNone/>
-            </a:pPr>
-            <a:r>
-              <a:rPr b="1" lang="en"/>
-              <a:t>The “Trap” Squares</a:t>
-            </a:r>
-          </a:p>
-        </p:txBody>
-      </p:sp>
-      <p:sp>
-        <p:nvSpPr>
-          <p:cNvPr id="99" name="Shape 99"/>
-          <p:cNvSpPr txBox="1"/>
-          <p:nvPr/>
-        </p:nvSpPr>
-        <p:spPr>
-          <a:xfrm>
-            <a:off x="4599590" y="2380989"/>
-            <a:ext cx="1950000" cy="207600"/>
-          </a:xfrm>
-          <a:prstGeom prst="rect">
-            <a:avLst/>
-          </a:prstGeom>
-          <a:noFill/>
-          <a:ln>
-            <a:noFill/>
-          </a:ln>
-        </p:spPr>
-        <p:txBody>
-          <a:bodyPr anchorCtr="0" anchor="ctr" bIns="91425" lIns="91425" rIns="91425" wrap="square" tIns="91425">
-            <a:noAutofit/>
-          </a:bodyPr>
-          <a:lstStyle/>
-          <a:p>
-            <a:pPr lvl="0" rtl="0" algn="ctr">
-              <a:spcBef>
-                <a:spcPts val="0"/>
-              </a:spcBef>
-              <a:buNone/>
-            </a:pPr>
-            <a:r>
-              <a:rPr b="1" lang="en"/>
-              <a:t>A “River”</a:t>
-            </a:r>
-          </a:p>
-        </p:txBody>
-      </p:sp>
-      <p:sp>
-        <p:nvSpPr>
-          <p:cNvPr id="100" name="Shape 100"/>
-          <p:cNvSpPr txBox="1"/>
-          <p:nvPr/>
-        </p:nvSpPr>
-        <p:spPr>
-          <a:xfrm>
-            <a:off x="4580427" y="3986683"/>
-            <a:ext cx="2008200" cy="207600"/>
-          </a:xfrm>
-          <a:prstGeom prst="rect">
-            <a:avLst/>
-          </a:prstGeom>
-          <a:noFill/>
-          <a:ln>
-            <a:noFill/>
-          </a:ln>
-        </p:spPr>
-        <p:txBody>
-          <a:bodyPr anchorCtr="0" anchor="ctr" bIns="91425" lIns="91425" rIns="91425" wrap="square" tIns="91425">
-            <a:noAutofit/>
-          </a:bodyPr>
-          <a:lstStyle/>
-          <a:p>
-            <a:pPr lvl="0" rtl="0" algn="ctr">
-              <a:spcBef>
-                <a:spcPts val="0"/>
-              </a:spcBef>
-              <a:buNone/>
-            </a:pPr>
-            <a:r>
-              <a:rPr lang="en" sz="600">
+              <a:t>UserProfile: </a:t>
+            </a:r>
+            <a:r>
+              <a:rPr lang="es" sz="1400">
                 <a:solidFill>
-                  <a:srgbClr val="999999"/>
+                  <a:srgbClr val="000000"/>
                 </a:solidFill>
+                <a:latin typeface="Cambria"/>
+                <a:ea typeface="Cambria"/>
+                <a:cs typeface="Cambria"/>
+                <a:sym typeface="Cambria"/>
               </a:rPr>
-              <a:t>https://upload.wikimedia.org/wikipedia/commons/a/a4/Dou_shou_qi_river.png</a:t>
-            </a:r>
-          </a:p>
-        </p:txBody>
-      </p:sp>
-      <p:sp>
-        <p:nvSpPr>
-          <p:cNvPr id="101" name="Shape 101"/>
-          <p:cNvSpPr txBox="1"/>
-          <p:nvPr/>
-        </p:nvSpPr>
-        <p:spPr>
-          <a:xfrm>
-            <a:off x="3128887" y="1619297"/>
-            <a:ext cx="3478800" cy="735299"/>
-          </a:xfrm>
-          <a:prstGeom prst="rect">
-            <a:avLst/>
-          </a:prstGeom>
-          <a:noFill/>
-          <a:ln>
-            <a:noFill/>
-          </a:ln>
-        </p:spPr>
-        <p:txBody>
-          <a:bodyPr anchorCtr="0" anchor="t" bIns="91425" lIns="91425" rIns="91425" wrap="square" tIns="91425">
-            <a:noAutofit/>
-          </a:bodyPr>
-          <a:lstStyle/>
-          <a:p>
-            <a:pPr lvl="0">
-              <a:spcBef>
-                <a:spcPts val="0"/>
-              </a:spcBef>
-              <a:buNone/>
-            </a:pPr>
-            <a:r>
-              <a:rPr lang="en" sz="1800"/>
-              <a:t>With three important kinds of squares.</a:t>
+              <a:t>The user profile is the collection of information for a single registered user that is visible to all other registered users. </a:t>
             </a:r>
           </a:p>
         </p:txBody>
@@ -6582,7 +5781,7 @@
     </p:bg>
     <p:spTree>
       <p:nvGrpSpPr>
-        <p:cNvPr id="105" name="Shape 105"/>
+        <p:cNvPr id="74" name="Shape 74"/>
         <p:cNvGrpSpPr/>
         <p:nvPr/>
       </p:nvGrpSpPr>
@@ -6596,7 +5795,7 @@
       </p:grpSpPr>
       <p:sp>
         <p:nvSpPr>
-          <p:cNvPr id="106" name="Shape 106"/>
+          <p:cNvPr id="75" name="Shape 75"/>
           <p:cNvSpPr txBox="1"/>
           <p:nvPr>
             <p:ph type="title"/>
@@ -6617,22 +5816,27 @@
           </a:bodyPr>
           <a:lstStyle/>
           <a:p>
-            <a:pPr lvl="0" algn="ctr">
+            <a:pPr lvl="0" rtl="0" algn="ctr">
               <a:spcBef>
                 <a:spcPts val="0"/>
               </a:spcBef>
               <a:buNone/>
             </a:pPr>
             <a:r>
-              <a:rPr b="1" lang="en"/>
-              <a:t>Jungle Rules</a:t>
+              <a:rPr b="1" i="1" lang="es">
+                <a:latin typeface="Cambria"/>
+                <a:ea typeface="Cambria"/>
+                <a:cs typeface="Cambria"/>
+                <a:sym typeface="Cambria"/>
+              </a:rPr>
+              <a:t>Domain Model - Glossary - Continued </a:t>
             </a:r>
           </a:p>
         </p:txBody>
       </p:sp>
       <p:sp>
         <p:nvSpPr>
-          <p:cNvPr id="107" name="Shape 107"/>
+          <p:cNvPr id="76" name="Shape 76"/>
           <p:cNvSpPr txBox="1"/>
           <p:nvPr>
             <p:ph idx="1" type="body"/>
@@ -6640,8 +5844,8 @@
         </p:nvSpPr>
         <p:spPr>
           <a:xfrm>
-            <a:off x="311700" y="1156100"/>
-            <a:ext cx="8520600" cy="509400"/>
+            <a:off x="311700" y="1152475"/>
+            <a:ext cx="8520600" cy="3567900"/>
           </a:xfrm>
           <a:prstGeom prst="rect">
             <a:avLst/>
@@ -6653,422 +5857,193 @@
           </a:bodyPr>
           <a:lstStyle/>
           <a:p>
-            <a:pPr lvl="0">
-              <a:spcBef>
-                <a:spcPts val="0"/>
-              </a:spcBef>
+            <a:pPr indent="457200" lvl="0" rtl="0">
+              <a:lnSpc>
+                <a:spcPct val="100000"/>
+              </a:lnSpc>
+              <a:spcBef>
+                <a:spcPts val="0"/>
+              </a:spcBef>
+              <a:spcAft>
+                <a:spcPts val="1000"/>
+              </a:spcAft>
               <a:buNone/>
             </a:pPr>
             <a:r>
-              <a:rPr lang="en"/>
-              <a:t>To </a:t>
-            </a:r>
-            <a:r>
-              <a:rPr b="1" lang="en"/>
-              <a:t>win</a:t>
-            </a:r>
-            <a:r>
-              <a:rPr lang="en"/>
-              <a:t> Jungle one of the players must move </a:t>
-            </a:r>
-            <a:r>
-              <a:rPr b="1" lang="en"/>
-              <a:t>any</a:t>
-            </a:r>
-            <a:r>
-              <a:rPr lang="en"/>
-              <a:t> of their pieces to occupy the same square as the enemy </a:t>
-            </a:r>
-            <a:r>
-              <a:rPr b="1" lang="en"/>
-              <a:t>Den.</a:t>
+              <a:rPr b="1" lang="es" sz="1400">
+                <a:solidFill>
+                  <a:srgbClr val="000000"/>
+                </a:solidFill>
+                <a:latin typeface="Cambria"/>
+                <a:ea typeface="Cambria"/>
+                <a:cs typeface="Cambria"/>
+                <a:sym typeface="Cambria"/>
+              </a:rPr>
+              <a:t>GamePiece: </a:t>
+            </a:r>
+            <a:r>
+              <a:rPr lang="es" sz="1400">
+                <a:solidFill>
+                  <a:srgbClr val="000000"/>
+                </a:solidFill>
+                <a:latin typeface="Cambria"/>
+                <a:ea typeface="Cambria"/>
+                <a:cs typeface="Cambria"/>
+                <a:sym typeface="Cambria"/>
+              </a:rPr>
+              <a:t>A representation of a single Jungle piece. It is required that a game piece must be one of its eight different specialization types (i.e. if GamePiece were a Java class, it would be abstract). And there may be no more than one of each piece type per player.</a:t>
             </a:r>
           </a:p>
-        </p:txBody>
-      </p:sp>
-      <p:sp>
-        <p:nvSpPr>
-          <p:cNvPr id="108" name="Shape 108"/>
-          <p:cNvSpPr txBox="1"/>
-          <p:nvPr/>
-        </p:nvSpPr>
-        <p:spPr>
-          <a:xfrm>
-            <a:off x="332225" y="2074650"/>
-            <a:ext cx="2725200" cy="2160300"/>
-          </a:xfrm>
-          <a:prstGeom prst="rect">
-            <a:avLst/>
-          </a:prstGeom>
-          <a:noFill/>
-          <a:ln>
-            <a:noFill/>
-          </a:ln>
-        </p:spPr>
-        <p:txBody>
-          <a:bodyPr anchorCtr="0" anchor="t" bIns="91425" lIns="91425" rIns="91425" wrap="square" tIns="91425">
-            <a:noAutofit/>
-          </a:bodyPr>
-          <a:lstStyle/>
           <a:p>
-            <a:pPr lvl="0">
-              <a:spcBef>
-                <a:spcPts val="0"/>
-              </a:spcBef>
+            <a:pPr indent="457200" lvl="0" rtl="0">
+              <a:lnSpc>
+                <a:spcPct val="100000"/>
+              </a:lnSpc>
+              <a:spcBef>
+                <a:spcPts val="0"/>
+              </a:spcBef>
+              <a:spcAft>
+                <a:spcPts val="1000"/>
+              </a:spcAft>
               <a:buNone/>
             </a:pPr>
             <a:r>
-              <a:rPr lang="en" sz="1800"/>
-              <a:t>A player can move any creature </a:t>
-            </a:r>
-            <a:r>
-              <a:rPr b="1" lang="en" sz="1800"/>
-              <a:t>one</a:t>
-            </a:r>
-            <a:r>
-              <a:rPr lang="en" sz="1800"/>
-              <a:t> </a:t>
-            </a:r>
-            <a:r>
-              <a:rPr b="1" lang="en" sz="1800"/>
-              <a:t>horizontal</a:t>
-            </a:r>
-            <a:r>
-              <a:rPr lang="en" sz="1800"/>
-              <a:t> or </a:t>
-            </a:r>
-            <a:r>
-              <a:rPr b="1" lang="en" sz="1800"/>
-              <a:t>vertical</a:t>
-            </a:r>
-            <a:r>
-              <a:rPr lang="en" sz="1800"/>
-              <a:t> space each turn.</a:t>
+              <a:rPr b="1" lang="es" sz="1400">
+                <a:solidFill>
+                  <a:srgbClr val="000000"/>
+                </a:solidFill>
+                <a:latin typeface="Cambria"/>
+                <a:ea typeface="Cambria"/>
+                <a:cs typeface="Cambria"/>
+                <a:sym typeface="Cambria"/>
+              </a:rPr>
+              <a:t>GameHistory: </a:t>
+            </a:r>
+            <a:r>
+              <a:rPr lang="es" sz="1400">
+                <a:solidFill>
+                  <a:srgbClr val="000000"/>
+                </a:solidFill>
+                <a:latin typeface="Cambria"/>
+                <a:ea typeface="Cambria"/>
+                <a:cs typeface="Cambria"/>
+                <a:sym typeface="Cambria"/>
+              </a:rPr>
+              <a:t>The game history is shown on each registered user’s profiles. It includes a brief synopsis of each game played by that user.</a:t>
             </a:r>
           </a:p>
-        </p:txBody>
-      </p:sp>
-      <p:sp>
-        <p:nvSpPr>
-          <p:cNvPr id="109" name="Shape 109"/>
-          <p:cNvSpPr txBox="1"/>
-          <p:nvPr/>
-        </p:nvSpPr>
-        <p:spPr>
-          <a:xfrm>
-            <a:off x="1006925" y="3125900"/>
-            <a:ext cx="2983200" cy="1022400"/>
-          </a:xfrm>
-          <a:prstGeom prst="rect">
-            <a:avLst/>
-          </a:prstGeom>
-          <a:noFill/>
-          <a:ln>
-            <a:noFill/>
-          </a:ln>
-        </p:spPr>
-        <p:txBody>
-          <a:bodyPr anchorCtr="0" anchor="t" bIns="91425" lIns="91425" rIns="91425" wrap="square" tIns="91425">
-            <a:noAutofit/>
-          </a:bodyPr>
-          <a:lstStyle/>
           <a:p>
-            <a:pPr lvl="0">
-              <a:spcBef>
-                <a:spcPts val="0"/>
-              </a:spcBef>
+            <a:pPr indent="457200" lvl="0" rtl="0">
+              <a:lnSpc>
+                <a:spcPct val="100000"/>
+              </a:lnSpc>
+              <a:spcBef>
+                <a:spcPts val="0"/>
+              </a:spcBef>
+              <a:spcAft>
+                <a:spcPts val="1000"/>
+              </a:spcAft>
               <a:buNone/>
             </a:pPr>
             <a:r>
-              <a:rPr lang="en" sz="1800"/>
-              <a:t>But,</a:t>
-            </a:r>
-            <a:r>
-              <a:rPr b="1" lang="en" sz="1800"/>
-              <a:t> </a:t>
-            </a:r>
-            <a:r>
-              <a:rPr b="1" lang="en" sz="1800"/>
-              <a:t>Never Diagonally.</a:t>
+              <a:rPr b="1" lang="es" sz="1400">
+                <a:solidFill>
+                  <a:srgbClr val="000000"/>
+                </a:solidFill>
+                <a:latin typeface="Cambria"/>
+                <a:ea typeface="Cambria"/>
+                <a:cs typeface="Cambria"/>
+                <a:sym typeface="Cambria"/>
+              </a:rPr>
+              <a:t>GameRecord: </a:t>
+            </a:r>
+            <a:r>
+              <a:rPr lang="es" sz="1400">
+                <a:solidFill>
+                  <a:srgbClr val="000000"/>
+                </a:solidFill>
+                <a:latin typeface="Cambria"/>
+                <a:ea typeface="Cambria"/>
+                <a:cs typeface="Cambria"/>
+                <a:sym typeface="Cambria"/>
+              </a:rPr>
+              <a:t>A game record is the outcome of a single game of jungle.</a:t>
             </a:r>
           </a:p>
-        </p:txBody>
-      </p:sp>
-      <p:sp>
-        <p:nvSpPr>
-          <p:cNvPr id="110" name="Shape 110"/>
-          <p:cNvSpPr txBox="1"/>
-          <p:nvPr/>
-        </p:nvSpPr>
-        <p:spPr>
-          <a:xfrm>
-            <a:off x="5202475" y="2052600"/>
-            <a:ext cx="3609300" cy="2851500"/>
-          </a:xfrm>
-          <a:prstGeom prst="rect">
-            <a:avLst/>
-          </a:prstGeom>
-          <a:noFill/>
-          <a:ln>
-            <a:noFill/>
-          </a:ln>
-        </p:spPr>
-        <p:txBody>
-          <a:bodyPr anchorCtr="0" anchor="t" bIns="91425" lIns="91425" rIns="91425" wrap="square" tIns="91425">
-            <a:noAutofit/>
-          </a:bodyPr>
-          <a:lstStyle/>
           <a:p>
-            <a:pPr lvl="0" algn="r">
-              <a:spcBef>
-                <a:spcPts val="0"/>
-              </a:spcBef>
+            <a:pPr indent="457200" lvl="0" rtl="0">
+              <a:lnSpc>
+                <a:spcPct val="100000"/>
+              </a:lnSpc>
+              <a:spcBef>
+                <a:spcPts val="0"/>
+              </a:spcBef>
+              <a:spcAft>
+                <a:spcPts val="1000"/>
+              </a:spcAft>
               <a:buNone/>
             </a:pPr>
             <a:r>
-              <a:rPr lang="en" sz="1800"/>
-              <a:t>If any animal stops on an enemy animal with an </a:t>
-            </a:r>
-            <a:r>
-              <a:rPr b="1" lang="en" sz="1800"/>
-              <a:t>equal or lower</a:t>
-            </a:r>
-            <a:r>
-              <a:rPr lang="en" sz="1800"/>
-              <a:t> number, the lower animal is </a:t>
-            </a:r>
-            <a:r>
-              <a:rPr b="1" lang="en" sz="1800"/>
-              <a:t>removed</a:t>
-            </a:r>
-            <a:r>
-              <a:rPr lang="en" sz="1800"/>
-              <a:t> from the game</a:t>
-            </a:r>
-            <a:r>
-              <a:rPr b="1" lang="en" sz="1800"/>
-              <a:t>.</a:t>
-            </a:r>
-            <a:br>
-              <a:rPr b="1" lang="en" sz="1800"/>
-            </a:br>
-            <a:r>
-              <a:rPr lang="en" sz="1800"/>
-              <a:t>Except for the </a:t>
-            </a:r>
-            <a:r>
-              <a:rPr b="1" lang="en" sz="1800"/>
-              <a:t>Rat</a:t>
-            </a:r>
-            <a:r>
-              <a:rPr lang="en" sz="1800"/>
-              <a:t> who may capture the </a:t>
-            </a:r>
-            <a:r>
-              <a:rPr b="1" lang="en" sz="1800"/>
-              <a:t>Elephant</a:t>
-            </a:r>
-            <a:r>
-              <a:rPr lang="en" sz="1800"/>
-              <a:t>, and the </a:t>
-            </a:r>
-            <a:r>
-              <a:rPr b="1" lang="en" sz="1800"/>
-              <a:t>Elephant</a:t>
-            </a:r>
-            <a:r>
-              <a:rPr lang="en" sz="1800"/>
-              <a:t> who may </a:t>
-            </a:r>
-            <a:r>
-              <a:rPr b="1" lang="en" sz="1800"/>
-              <a:t>not</a:t>
-            </a:r>
-            <a:r>
-              <a:rPr lang="en" sz="1800"/>
-              <a:t> capture the </a:t>
-            </a:r>
-            <a:r>
-              <a:rPr b="1" lang="en" sz="1800"/>
-              <a:t>Rat</a:t>
-            </a:r>
-            <a:r>
-              <a:rPr lang="en" sz="1800"/>
-              <a:t>.</a:t>
+              <a:rPr b="1" lang="es" sz="1400">
+                <a:solidFill>
+                  <a:srgbClr val="000000"/>
+                </a:solidFill>
+                <a:latin typeface="Cambria"/>
+                <a:ea typeface="Cambria"/>
+                <a:cs typeface="Cambria"/>
+                <a:sym typeface="Cambria"/>
+              </a:rPr>
+              <a:t>Invitation: </a:t>
+            </a:r>
+            <a:r>
+              <a:rPr lang="es" sz="1400">
+                <a:solidFill>
+                  <a:srgbClr val="000000"/>
+                </a:solidFill>
+                <a:latin typeface="Cambria"/>
+                <a:ea typeface="Cambria"/>
+                <a:cs typeface="Cambria"/>
+                <a:sym typeface="Cambria"/>
+              </a:rPr>
+              <a:t>An invitation is a request for another registered user to play a game with the sending user. Each invitation has one sender and one receiver.</a:t>
             </a:r>
           </a:p>
-        </p:txBody>
-      </p:sp>
-      <p:pic>
-        <p:nvPicPr>
-          <p:cNvPr descr="Rat.png" id="111" name="Shape 111"/>
-          <p:cNvPicPr preferRelativeResize="0"/>
-          <p:nvPr/>
-        </p:nvPicPr>
-        <p:blipFill>
-          <a:blip r:embed="rId3">
-            <a:alphaModFix/>
-          </a:blip>
-          <a:stretch>
-            <a:fillRect/>
-          </a:stretch>
-        </p:blipFill>
-        <p:spPr>
-          <a:xfrm>
-            <a:off x="4045775" y="2220725"/>
-            <a:ext cx="552450" cy="552450"/>
-          </a:xfrm>
-          <a:prstGeom prst="rect">
-            <a:avLst/>
-          </a:prstGeom>
-          <a:noFill/>
-          <a:ln>
-            <a:noFill/>
-          </a:ln>
-        </p:spPr>
-      </p:pic>
-      <p:pic>
-        <p:nvPicPr>
-          <p:cNvPr id="112" name="Shape 112"/>
-          <p:cNvPicPr preferRelativeResize="0"/>
-          <p:nvPr/>
-        </p:nvPicPr>
-        <p:blipFill>
-          <a:blip r:embed="rId4">
-            <a:alphaModFix/>
-          </a:blip>
-          <a:stretch>
-            <a:fillRect/>
-          </a:stretch>
-        </p:blipFill>
-        <p:spPr>
-          <a:xfrm>
-            <a:off x="4045775" y="3304750"/>
-            <a:ext cx="552450" cy="552450"/>
-          </a:xfrm>
-          <a:prstGeom prst="rect">
-            <a:avLst/>
-          </a:prstGeom>
-          <a:noFill/>
-          <a:ln>
-            <a:noFill/>
-          </a:ln>
-        </p:spPr>
-      </p:pic>
-      <p:sp>
-        <p:nvSpPr>
-          <p:cNvPr id="113" name="Shape 113"/>
-          <p:cNvSpPr txBox="1"/>
-          <p:nvPr/>
-        </p:nvSpPr>
-        <p:spPr>
-          <a:xfrm>
-            <a:off x="4084200" y="2682025"/>
-            <a:ext cx="552600" cy="238500"/>
-          </a:xfrm>
-          <a:prstGeom prst="rect">
-            <a:avLst/>
-          </a:prstGeom>
-          <a:noFill/>
-          <a:ln>
-            <a:noFill/>
-          </a:ln>
-        </p:spPr>
-        <p:txBody>
-          <a:bodyPr anchorCtr="0" anchor="t" bIns="91425" lIns="91425" rIns="91425" wrap="square" tIns="91425">
-            <a:noAutofit/>
-          </a:bodyPr>
-          <a:lstStyle/>
           <a:p>
-            <a:pPr lvl="0" rtl="0">
-              <a:spcBef>
-                <a:spcPts val="0"/>
-              </a:spcBef>
+            <a:pPr indent="457200" lvl="0" rtl="0">
+              <a:lnSpc>
+                <a:spcPct val="100000"/>
+              </a:lnSpc>
+              <a:spcBef>
+                <a:spcPts val="0"/>
+              </a:spcBef>
+              <a:spcAft>
+                <a:spcPts val="1000"/>
+              </a:spcAft>
               <a:buNone/>
             </a:pPr>
             <a:r>
-              <a:rPr b="1" lang="en"/>
-              <a:t>Rat</a:t>
-            </a:r>
-          </a:p>
-        </p:txBody>
-      </p:sp>
-      <p:sp>
-        <p:nvSpPr>
-          <p:cNvPr id="114" name="Shape 114"/>
-          <p:cNvSpPr txBox="1"/>
-          <p:nvPr/>
-        </p:nvSpPr>
-        <p:spPr>
-          <a:xfrm>
-            <a:off x="3822200" y="3766050"/>
-            <a:ext cx="999600" cy="552600"/>
-          </a:xfrm>
-          <a:prstGeom prst="rect">
-            <a:avLst/>
-          </a:prstGeom>
-          <a:noFill/>
-          <a:ln>
-            <a:noFill/>
-          </a:ln>
-        </p:spPr>
-        <p:txBody>
-          <a:bodyPr anchorCtr="0" anchor="t" bIns="91425" lIns="91425" rIns="91425" wrap="square" tIns="91425">
-            <a:noAutofit/>
-          </a:bodyPr>
-          <a:lstStyle/>
-          <a:p>
-            <a:pPr lvl="0" rtl="0">
-              <a:spcBef>
-                <a:spcPts val="0"/>
-              </a:spcBef>
-              <a:buNone/>
-            </a:pPr>
-            <a:r>
-              <a:rPr b="1" lang="en"/>
-              <a:t>Elephant</a:t>
-            </a:r>
-          </a:p>
-        </p:txBody>
-      </p:sp>
-      <p:sp>
-        <p:nvSpPr>
-          <p:cNvPr id="115" name="Shape 115"/>
-          <p:cNvSpPr txBox="1"/>
-          <p:nvPr/>
-        </p:nvSpPr>
-        <p:spPr>
-          <a:xfrm>
-            <a:off x="6007325" y="4904100"/>
-            <a:ext cx="3372300" cy="115200"/>
-          </a:xfrm>
-          <a:prstGeom prst="rect">
-            <a:avLst/>
-          </a:prstGeom>
-          <a:noFill/>
-          <a:ln>
-            <a:noFill/>
-          </a:ln>
-        </p:spPr>
-        <p:txBody>
-          <a:bodyPr anchorCtr="0" anchor="t" bIns="91425" lIns="91425" rIns="91425" wrap="square" tIns="91425">
-            <a:noAutofit/>
-          </a:bodyPr>
-          <a:lstStyle/>
-          <a:p>
-            <a:pPr lvl="0" rtl="0">
-              <a:spcBef>
-                <a:spcPts val="0"/>
-              </a:spcBef>
-              <a:buNone/>
-            </a:pPr>
-            <a:r>
-              <a:rPr i="1" lang="en" sz="800">
+              <a:rPr b="1" lang="es" sz="1400">
                 <a:solidFill>
-                  <a:srgbClr val="999999"/>
+                  <a:srgbClr val="000000"/>
                 </a:solidFill>
+                <a:latin typeface="Cambria"/>
+                <a:ea typeface="Cambria"/>
+                <a:cs typeface="Cambria"/>
+                <a:sym typeface="Cambria"/>
               </a:rPr>
-              <a:t>Images from: http://liacs.leidenuniv.nl/~visjk/doushouqi/about.html</a:t>
+              <a:t>RegisteredUser: </a:t>
+            </a:r>
+            <a:r>
+              <a:rPr lang="es" sz="1400">
+                <a:solidFill>
+                  <a:srgbClr val="000000"/>
+                </a:solidFill>
+                <a:latin typeface="Cambria"/>
+                <a:ea typeface="Cambria"/>
+                <a:cs typeface="Cambria"/>
+                <a:sym typeface="Cambria"/>
+              </a:rPr>
+              <a:t>A registered user is a person that has performed the registration process by providing a username, nick-name, email, and password. Each RegisteredUser has a user profile, can send Invitations to other users, and may become a Player in a Jungle game.</a:t>
             </a:r>
           </a:p>
         </p:txBody>
@@ -7093,7 +6068,7 @@
     </p:bg>
     <p:spTree>
       <p:nvGrpSpPr>
-        <p:cNvPr id="119" name="Shape 119"/>
+        <p:cNvPr id="80" name="Shape 80"/>
         <p:cNvGrpSpPr/>
         <p:nvPr/>
       </p:nvGrpSpPr>
@@ -7107,7 +6082,7 @@
       </p:grpSpPr>
       <p:sp>
         <p:nvSpPr>
-          <p:cNvPr id="120" name="Shape 120"/>
+          <p:cNvPr id="81" name="Shape 81"/>
           <p:cNvSpPr txBox="1"/>
           <p:nvPr>
             <p:ph type="title"/>
@@ -7117,42 +6092,6 @@
           <a:xfrm>
             <a:off x="311700" y="445025"/>
             <a:ext cx="8520600" cy="572700"/>
-          </a:xfrm>
-          <a:prstGeom prst="rect">
-            <a:avLst/>
-          </a:prstGeom>
-        </p:spPr>
-        <p:txBody>
-          <a:bodyPr anchorCtr="0" anchor="t" bIns="91425" lIns="91425" rIns="91425" wrap="square" tIns="91425">
-            <a:noAutofit/>
-          </a:bodyPr>
-          <a:lstStyle/>
-          <a:p>
-            <a:pPr lvl="0" algn="ctr">
-              <a:spcBef>
-                <a:spcPts val="0"/>
-              </a:spcBef>
-              <a:buNone/>
-            </a:pPr>
-            <a:r>
-              <a:rPr b="1" lang="en"/>
-              <a:t>Jungle Rules - Continued</a:t>
-            </a:r>
-          </a:p>
-        </p:txBody>
-      </p:sp>
-      <p:sp>
-        <p:nvSpPr>
-          <p:cNvPr id="121" name="Shape 121"/>
-          <p:cNvSpPr txBox="1"/>
-          <p:nvPr>
-            <p:ph idx="1" type="body"/>
-          </p:nvPr>
-        </p:nvSpPr>
-        <p:spPr>
-          <a:xfrm>
-            <a:off x="311700" y="1152475"/>
-            <a:ext cx="4327200" cy="671100"/>
           </a:xfrm>
           <a:prstGeom prst="rect">
             <a:avLst/>
@@ -7171,54 +6110,51 @@
               <a:buNone/>
             </a:pPr>
             <a:r>
-              <a:rPr lang="en"/>
-              <a:t>The</a:t>
-            </a:r>
-            <a:r>
-              <a:rPr b="1" lang="en"/>
-              <a:t> Lion</a:t>
-            </a:r>
-            <a:r>
-              <a:rPr lang="en"/>
-              <a:t> and the </a:t>
-            </a:r>
-            <a:r>
-              <a:rPr b="1" lang="en"/>
-              <a:t>Tiger</a:t>
-            </a:r>
-            <a:r>
-              <a:rPr lang="en"/>
-              <a:t> are the only creatures which can “jump” the river. Moving </a:t>
-            </a:r>
-            <a:r>
-              <a:rPr b="1" lang="en"/>
-              <a:t>vertically</a:t>
-            </a:r>
-            <a:r>
-              <a:rPr lang="en"/>
-              <a:t> or </a:t>
-            </a:r>
-            <a:r>
-              <a:rPr b="1" lang="en"/>
-              <a:t>horizontally</a:t>
-            </a:r>
-            <a:r>
-              <a:rPr lang="en"/>
-              <a:t> across the water, directly to the space across from them..</a:t>
+              <a:rPr b="1" i="1" lang="es">
+                <a:latin typeface="Cambria"/>
+                <a:ea typeface="Cambria"/>
+                <a:cs typeface="Cambria"/>
+                <a:sym typeface="Cambria"/>
+              </a:rPr>
+              <a:t>Updated Use</a:t>
+            </a:r>
+          </a:p>
+          <a:p>
+            <a:pPr lvl="0" rtl="0">
+              <a:spcBef>
+                <a:spcPts val="0"/>
+              </a:spcBef>
+              <a:buNone/>
+            </a:pPr>
+            <a:r>
+              <a:rPr b="1" i="1" lang="es">
+                <a:latin typeface="Cambria"/>
+                <a:ea typeface="Cambria"/>
+                <a:cs typeface="Cambria"/>
+                <a:sym typeface="Cambria"/>
+              </a:rPr>
+              <a:t>Case Diagram</a:t>
             </a:r>
           </a:p>
         </p:txBody>
       </p:sp>
-      <p:sp>
-        <p:nvSpPr>
-          <p:cNvPr id="122" name="Shape 122"/>
-          <p:cNvSpPr txBox="1"/>
+      <p:pic>
+        <p:nvPicPr>
+          <p:cNvPr descr="Use Case Diagram - Page 1.png" id="82" name="Shape 82"/>
+          <p:cNvPicPr preferRelativeResize="0"/>
           <p:nvPr/>
-        </p:nvSpPr>
-        <p:spPr>
-          <a:xfrm>
-            <a:off x="5235750" y="1152475"/>
-            <a:ext cx="3596400" cy="1593600"/>
+        </p:nvPicPr>
+        <p:blipFill rotWithShape="1">
+          <a:blip r:embed="rId3">
+            <a:alphaModFix/>
+          </a:blip>
+          <a:srcRect b="5642" l="0" r="0" t="5633"/>
+          <a:stretch/>
+        </p:blipFill>
+        <p:spPr>
+          <a:xfrm>
+            <a:off x="3080053" y="204926"/>
+            <a:ext cx="4050699" cy="4651126"/>
           </a:xfrm>
           <a:prstGeom prst="rect">
             <a:avLst/>
@@ -7228,352 +6164,7 @@
             <a:noFill/>
           </a:ln>
         </p:spPr>
-        <p:txBody>
-          <a:bodyPr anchorCtr="0" anchor="t" bIns="91425" lIns="91425" rIns="91425" wrap="square" tIns="91425">
-            <a:noAutofit/>
-          </a:bodyPr>
-          <a:lstStyle/>
-          <a:p>
-            <a:pPr lvl="0" rtl="0" algn="r">
-              <a:spcBef>
-                <a:spcPts val="0"/>
-              </a:spcBef>
-              <a:buNone/>
-            </a:pPr>
-            <a:r>
-              <a:rPr lang="en" sz="1800"/>
-              <a:t>The </a:t>
-            </a:r>
-            <a:r>
-              <a:rPr b="1" lang="en" sz="1800"/>
-              <a:t>Rat</a:t>
-            </a:r>
-            <a:r>
-              <a:rPr lang="en" sz="1800"/>
-              <a:t> is the only creature which may enter the water.</a:t>
-            </a:r>
-            <a:br>
-              <a:rPr lang="en" sz="1800"/>
-            </a:br>
-            <a:r>
-              <a:rPr lang="en" sz="1800"/>
-              <a:t>The Rat may not enter the same square of an animal when leaving or entering the water.</a:t>
-            </a:r>
-          </a:p>
-        </p:txBody>
-      </p:sp>
-      <p:pic>
-        <p:nvPicPr>
-          <p:cNvPr descr="Dou_shou_qi_river.png" id="123" name="Shape 123"/>
-          <p:cNvPicPr preferRelativeResize="0"/>
-          <p:nvPr/>
-        </p:nvPicPr>
-        <p:blipFill>
-          <a:blip r:embed="rId3">
-            <a:alphaModFix/>
-          </a:blip>
-          <a:stretch>
-            <a:fillRect/>
-          </a:stretch>
-        </p:blipFill>
-        <p:spPr>
-          <a:xfrm>
-            <a:off x="6801589" y="3056934"/>
-            <a:ext cx="1991601" cy="1371358"/>
-          </a:xfrm>
-          <a:prstGeom prst="rect">
-            <a:avLst/>
-          </a:prstGeom>
-          <a:noFill/>
-          <a:ln>
-            <a:noFill/>
-          </a:ln>
-        </p:spPr>
       </p:pic>
-      <p:sp>
-        <p:nvSpPr>
-          <p:cNvPr id="124" name="Shape 124"/>
-          <p:cNvSpPr txBox="1"/>
-          <p:nvPr/>
-        </p:nvSpPr>
-        <p:spPr>
-          <a:xfrm>
-            <a:off x="8160825" y="2849425"/>
-            <a:ext cx="632700" cy="207600"/>
-          </a:xfrm>
-          <a:prstGeom prst="rect">
-            <a:avLst/>
-          </a:prstGeom>
-          <a:noFill/>
-          <a:ln>
-            <a:noFill/>
-          </a:ln>
-        </p:spPr>
-        <p:txBody>
-          <a:bodyPr anchorCtr="0" anchor="ctr" bIns="91425" lIns="91425" rIns="91425" wrap="square" tIns="91425">
-            <a:noAutofit/>
-          </a:bodyPr>
-          <a:lstStyle/>
-          <a:p>
-            <a:pPr lvl="0" rtl="0" algn="ctr">
-              <a:spcBef>
-                <a:spcPts val="0"/>
-              </a:spcBef>
-              <a:buNone/>
-            </a:pPr>
-            <a:r>
-              <a:rPr b="1" lang="en"/>
-              <a:t>River</a:t>
-            </a:r>
-          </a:p>
-        </p:txBody>
-      </p:sp>
-      <p:sp>
-        <p:nvSpPr>
-          <p:cNvPr id="125" name="Shape 125"/>
-          <p:cNvSpPr txBox="1"/>
-          <p:nvPr/>
-        </p:nvSpPr>
-        <p:spPr>
-          <a:xfrm>
-            <a:off x="6823952" y="4455108"/>
-            <a:ext cx="2008200" cy="207600"/>
-          </a:xfrm>
-          <a:prstGeom prst="rect">
-            <a:avLst/>
-          </a:prstGeom>
-          <a:noFill/>
-          <a:ln>
-            <a:noFill/>
-          </a:ln>
-        </p:spPr>
-        <p:txBody>
-          <a:bodyPr anchorCtr="0" anchor="ctr" bIns="91425" lIns="91425" rIns="91425" wrap="square" tIns="91425">
-            <a:noAutofit/>
-          </a:bodyPr>
-          <a:lstStyle/>
-          <a:p>
-            <a:pPr lvl="0" rtl="0" algn="ctr">
-              <a:spcBef>
-                <a:spcPts val="0"/>
-              </a:spcBef>
-              <a:buNone/>
-            </a:pPr>
-            <a:r>
-              <a:rPr lang="en" sz="600">
-                <a:solidFill>
-                  <a:srgbClr val="999999"/>
-                </a:solidFill>
-              </a:rPr>
-              <a:t>https://upload.wikimedia.org/wikipedia/commons/a/a4/Dou_shou_qi_river.png</a:t>
-            </a:r>
-          </a:p>
-        </p:txBody>
-      </p:sp>
-      <p:sp>
-        <p:nvSpPr>
-          <p:cNvPr id="126" name="Shape 126"/>
-          <p:cNvSpPr txBox="1"/>
-          <p:nvPr/>
-        </p:nvSpPr>
-        <p:spPr>
-          <a:xfrm>
-            <a:off x="4639050" y="4859175"/>
-            <a:ext cx="4789800" cy="115200"/>
-          </a:xfrm>
-          <a:prstGeom prst="rect">
-            <a:avLst/>
-          </a:prstGeom>
-          <a:noFill/>
-          <a:ln>
-            <a:noFill/>
-          </a:ln>
-        </p:spPr>
-        <p:txBody>
-          <a:bodyPr anchorCtr="0" anchor="t" bIns="91425" lIns="91425" rIns="91425" wrap="square" tIns="91425">
-            <a:noAutofit/>
-          </a:bodyPr>
-          <a:lstStyle/>
-          <a:p>
-            <a:pPr lvl="0" rtl="0">
-              <a:spcBef>
-                <a:spcPts val="0"/>
-              </a:spcBef>
-              <a:buNone/>
-            </a:pPr>
-            <a:r>
-              <a:rPr i="1" lang="en" sz="800">
-                <a:solidFill>
-                  <a:srgbClr val="999999"/>
-                </a:solidFill>
-              </a:rPr>
-              <a:t>Images from: http://liacs.leidenuniv.nl/~visjk/doushouqi/about.html unless otherwise noted.</a:t>
-            </a:r>
-          </a:p>
-        </p:txBody>
-      </p:sp>
-      <p:pic>
-        <p:nvPicPr>
-          <p:cNvPr descr="Rat.png" id="127" name="Shape 127"/>
-          <p:cNvPicPr preferRelativeResize="0"/>
-          <p:nvPr/>
-        </p:nvPicPr>
-        <p:blipFill>
-          <a:blip r:embed="rId4">
-            <a:alphaModFix/>
-          </a:blip>
-          <a:stretch>
-            <a:fillRect/>
-          </a:stretch>
-        </p:blipFill>
-        <p:spPr>
-          <a:xfrm>
-            <a:off x="6874175" y="3160375"/>
-            <a:ext cx="552450" cy="552450"/>
-          </a:xfrm>
-          <a:prstGeom prst="rect">
-            <a:avLst/>
-          </a:prstGeom>
-          <a:noFill/>
-          <a:ln>
-            <a:noFill/>
-          </a:ln>
-        </p:spPr>
-      </p:pic>
-      <p:sp>
-        <p:nvSpPr>
-          <p:cNvPr id="128" name="Shape 128"/>
-          <p:cNvSpPr txBox="1"/>
-          <p:nvPr/>
-        </p:nvSpPr>
-        <p:spPr>
-          <a:xfrm>
-            <a:off x="6874100" y="2746075"/>
-            <a:ext cx="552600" cy="238500"/>
-          </a:xfrm>
-          <a:prstGeom prst="rect">
-            <a:avLst/>
-          </a:prstGeom>
-          <a:noFill/>
-          <a:ln>
-            <a:noFill/>
-          </a:ln>
-        </p:spPr>
-        <p:txBody>
-          <a:bodyPr anchorCtr="0" anchor="t" bIns="91425" lIns="91425" rIns="91425" wrap="square" tIns="91425">
-            <a:noAutofit/>
-          </a:bodyPr>
-          <a:lstStyle/>
-          <a:p>
-            <a:pPr lvl="0" rtl="0">
-              <a:spcBef>
-                <a:spcPts val="0"/>
-              </a:spcBef>
-              <a:buNone/>
-            </a:pPr>
-            <a:r>
-              <a:rPr b="1" lang="en"/>
-              <a:t>Rat</a:t>
-            </a:r>
-          </a:p>
-        </p:txBody>
-      </p:sp>
-      <p:sp>
-        <p:nvSpPr>
-          <p:cNvPr id="129" name="Shape 129"/>
-          <p:cNvSpPr txBox="1"/>
-          <p:nvPr/>
-        </p:nvSpPr>
-        <p:spPr>
-          <a:xfrm>
-            <a:off x="326250" y="2984575"/>
-            <a:ext cx="4136700" cy="457500"/>
-          </a:xfrm>
-          <a:prstGeom prst="rect">
-            <a:avLst/>
-          </a:prstGeom>
-          <a:noFill/>
-          <a:ln>
-            <a:noFill/>
-          </a:ln>
-        </p:spPr>
-        <p:txBody>
-          <a:bodyPr anchorCtr="0" anchor="t" bIns="91425" lIns="91425" rIns="91425" wrap="square" tIns="91425">
-            <a:noAutofit/>
-          </a:bodyPr>
-          <a:lstStyle/>
-          <a:p>
-            <a:pPr lvl="0">
-              <a:spcBef>
-                <a:spcPts val="0"/>
-              </a:spcBef>
-              <a:buNone/>
-            </a:pPr>
-            <a:r>
-              <a:rPr lang="en" sz="1800"/>
-              <a:t>Only if there </a:t>
-            </a:r>
-            <a:r>
-              <a:rPr lang="en" sz="1800"/>
-              <a:t>are no animals in </a:t>
-            </a:r>
-            <a:r>
-              <a:rPr b="1" lang="en" sz="1800"/>
-              <a:t>any space</a:t>
-            </a:r>
-            <a:r>
-              <a:rPr lang="en" sz="1800"/>
-              <a:t> they cross. </a:t>
-            </a:r>
-          </a:p>
-        </p:txBody>
-      </p:sp>
-      <p:sp>
-        <p:nvSpPr>
-          <p:cNvPr id="130" name="Shape 130"/>
-          <p:cNvSpPr txBox="1"/>
-          <p:nvPr/>
-        </p:nvSpPr>
-        <p:spPr>
-          <a:xfrm>
-            <a:off x="326250" y="3797375"/>
-            <a:ext cx="4220700" cy="1255500"/>
-          </a:xfrm>
-          <a:prstGeom prst="rect">
-            <a:avLst/>
-          </a:prstGeom>
-          <a:noFill/>
-          <a:ln>
-            <a:noFill/>
-          </a:ln>
-        </p:spPr>
-        <p:txBody>
-          <a:bodyPr anchorCtr="0" anchor="t" bIns="91425" lIns="91425" rIns="91425" wrap="square" tIns="91425">
-            <a:noAutofit/>
-          </a:bodyPr>
-          <a:lstStyle/>
-          <a:p>
-            <a:pPr lvl="0">
-              <a:spcBef>
-                <a:spcPts val="0"/>
-              </a:spcBef>
-              <a:buNone/>
-            </a:pPr>
-            <a:r>
-              <a:rPr lang="en" sz="1800"/>
-              <a:t>But, they can land on an enemy animal with an </a:t>
-            </a:r>
-            <a:r>
-              <a:rPr b="1" lang="en" sz="1800"/>
-              <a:t>equal or lower</a:t>
-            </a:r>
-            <a:r>
-              <a:rPr lang="en" sz="1800"/>
-              <a:t> number, or power, than themselves, defeating them like normal.</a:t>
-            </a:r>
-          </a:p>
-        </p:txBody>
-      </p:sp>
     </p:spTree>
   </p:cSld>
   <p:clrMapOvr>
@@ -7594,7 +6185,7 @@
     </p:bg>
     <p:spTree>
       <p:nvGrpSpPr>
-        <p:cNvPr id="134" name="Shape 134"/>
+        <p:cNvPr id="86" name="Shape 86"/>
         <p:cNvGrpSpPr/>
         <p:nvPr/>
       </p:nvGrpSpPr>
@@ -7608,7 +6199,7 @@
       </p:grpSpPr>
       <p:sp>
         <p:nvSpPr>
-          <p:cNvPr id="135" name="Shape 135"/>
+          <p:cNvPr id="87" name="Shape 87"/>
           <p:cNvSpPr txBox="1"/>
           <p:nvPr>
             <p:ph type="title"/>
@@ -7629,81 +6220,50 @@
           </a:bodyPr>
           <a:lstStyle/>
           <a:p>
-            <a:pPr lvl="0" algn="ctr">
+            <a:pPr lvl="0" rtl="0">
               <a:spcBef>
                 <a:spcPts val="0"/>
               </a:spcBef>
               <a:buNone/>
             </a:pPr>
             <a:r>
-              <a:rPr b="1" lang="en"/>
-              <a:t>Jungle Rules - Continued</a:t>
+              <a:rPr b="1" i="1" lang="es">
+                <a:latin typeface="Cambria"/>
+                <a:ea typeface="Cambria"/>
+                <a:cs typeface="Cambria"/>
+                <a:sym typeface="Cambria"/>
+              </a:rPr>
+              <a:t>U</a:t>
+            </a:r>
+            <a:r>
+              <a:rPr b="1" i="1" lang="es">
+                <a:latin typeface="Cambria"/>
+                <a:ea typeface="Cambria"/>
+                <a:cs typeface="Cambria"/>
+                <a:sym typeface="Cambria"/>
+              </a:rPr>
+              <a:t>pdated Use Case Diagram</a:t>
             </a:r>
           </a:p>
         </p:txBody>
       </p:sp>
-      <p:sp>
-        <p:nvSpPr>
-          <p:cNvPr id="136" name="Shape 136"/>
-          <p:cNvSpPr txBox="1"/>
-          <p:nvPr>
-            <p:ph idx="1" type="body"/>
-          </p:nvPr>
-        </p:nvSpPr>
-        <p:spPr>
-          <a:xfrm>
-            <a:off x="311700" y="1278800"/>
-            <a:ext cx="8520600" cy="778500"/>
-          </a:xfrm>
-          <a:prstGeom prst="rect">
-            <a:avLst/>
-          </a:prstGeom>
-        </p:spPr>
-        <p:txBody>
-          <a:bodyPr anchorCtr="0" anchor="t" bIns="91425" lIns="91425" rIns="91425" wrap="square" tIns="91425">
-            <a:noAutofit/>
-          </a:bodyPr>
-          <a:lstStyle/>
-          <a:p>
-            <a:pPr lvl="0">
-              <a:spcBef>
-                <a:spcPts val="0"/>
-              </a:spcBef>
-              <a:buNone/>
-            </a:pPr>
-            <a:r>
-              <a:rPr lang="en"/>
-              <a:t>Although the animals can only defeat enemies </a:t>
-            </a:r>
-            <a:r>
-              <a:rPr b="1" lang="en"/>
-              <a:t>less</a:t>
-            </a:r>
-            <a:r>
-              <a:rPr lang="en"/>
-              <a:t> powerful, or lower in number, than themselves. There is a space which makes </a:t>
-            </a:r>
-            <a:r>
-              <a:rPr b="1" lang="en"/>
-              <a:t>all</a:t>
-            </a:r>
-            <a:r>
-              <a:rPr lang="en"/>
-              <a:t> creatures vulnerable.</a:t>
-            </a:r>
-          </a:p>
-        </p:txBody>
-      </p:sp>
-      <p:sp>
-        <p:nvSpPr>
-          <p:cNvPr id="137" name="Shape 137"/>
-          <p:cNvSpPr txBox="1"/>
+      <p:pic>
+        <p:nvPicPr>
+          <p:cNvPr descr="Use Case Diagram - Page 1.png" id="88" name="Shape 88"/>
+          <p:cNvPicPr preferRelativeResize="0"/>
           <p:nvPr/>
-        </p:nvSpPr>
-        <p:spPr>
-          <a:xfrm>
-            <a:off x="2322675" y="2585950"/>
-            <a:ext cx="6364500" cy="1064100"/>
+        </p:nvPicPr>
+        <p:blipFill rotWithShape="1">
+          <a:blip r:embed="rId3">
+            <a:alphaModFix/>
+          </a:blip>
+          <a:srcRect b="54452" l="0" r="0" t="6109"/>
+          <a:stretch/>
+        </p:blipFill>
+        <p:spPr>
+          <a:xfrm>
+            <a:off x="743775" y="1017725"/>
+            <a:ext cx="7742500" cy="3951627"/>
           </a:xfrm>
           <a:prstGeom prst="rect">
             <a:avLst/>
@@ -7713,169 +6273,7 @@
             <a:noFill/>
           </a:ln>
         </p:spPr>
-        <p:txBody>
-          <a:bodyPr anchorCtr="0" anchor="t" bIns="91425" lIns="91425" rIns="91425" wrap="square" tIns="91425">
-            <a:noAutofit/>
-          </a:bodyPr>
-          <a:lstStyle/>
-          <a:p>
-            <a:pPr lvl="0" algn="r">
-              <a:spcBef>
-                <a:spcPts val="0"/>
-              </a:spcBef>
-              <a:buNone/>
-            </a:pPr>
-            <a:r>
-              <a:rPr b="1" lang="en" sz="1800"/>
-              <a:t>Any</a:t>
-            </a:r>
-            <a:r>
-              <a:rPr lang="en" sz="1800"/>
-              <a:t> creature which occupies the same square as an enemy trap space may be captured by </a:t>
-            </a:r>
-            <a:r>
-              <a:rPr b="1" lang="en" sz="1800"/>
-              <a:t>any</a:t>
-            </a:r>
-            <a:r>
-              <a:rPr lang="en" sz="1800"/>
-              <a:t> other enemy animal. There is </a:t>
-            </a:r>
-            <a:r>
-              <a:rPr b="1" lang="en" sz="1800"/>
-              <a:t>no limit</a:t>
-            </a:r>
-            <a:r>
-              <a:rPr lang="en" sz="1800"/>
-              <a:t> to this weakness, from </a:t>
-            </a:r>
-            <a:r>
-              <a:rPr b="1" lang="en" sz="1800"/>
-              <a:t>Rat</a:t>
-            </a:r>
-            <a:r>
-              <a:rPr lang="en" sz="1800"/>
-              <a:t> to </a:t>
-            </a:r>
-            <a:r>
-              <a:rPr b="1" lang="en" sz="1800"/>
-              <a:t>Elephant</a:t>
-            </a:r>
-            <a:r>
-              <a:rPr lang="en" sz="1800"/>
-              <a:t>.</a:t>
-            </a:r>
-          </a:p>
-        </p:txBody>
-      </p:sp>
-      <p:pic>
-        <p:nvPicPr>
-          <p:cNvPr descr="Dou_shou_qi_traps.png" id="138" name="Shape 138"/>
-          <p:cNvPicPr preferRelativeResize="0"/>
-          <p:nvPr/>
-        </p:nvPicPr>
-        <p:blipFill>
-          <a:blip r:embed="rId3">
-            <a:alphaModFix/>
-          </a:blip>
-          <a:stretch>
-            <a:fillRect/>
-          </a:stretch>
-        </p:blipFill>
-        <p:spPr>
-          <a:xfrm>
-            <a:off x="468411" y="3218793"/>
-            <a:ext cx="2008285" cy="1371385"/>
-          </a:xfrm>
-          <a:prstGeom prst="rect">
-            <a:avLst/>
-          </a:prstGeom>
-          <a:noFill/>
-          <a:ln>
-            <a:noFill/>
-          </a:ln>
-        </p:spPr>
       </p:pic>
-      <p:sp>
-        <p:nvSpPr>
-          <p:cNvPr id="139" name="Shape 139"/>
-          <p:cNvSpPr txBox="1"/>
-          <p:nvPr/>
-        </p:nvSpPr>
-        <p:spPr>
-          <a:xfrm>
-            <a:off x="479484" y="4590329"/>
-            <a:ext cx="2008200" cy="161100"/>
-          </a:xfrm>
-          <a:prstGeom prst="rect">
-            <a:avLst/>
-          </a:prstGeom>
-          <a:noFill/>
-          <a:ln>
-            <a:noFill/>
-          </a:ln>
-        </p:spPr>
-        <p:txBody>
-          <a:bodyPr anchorCtr="0" anchor="ctr" bIns="91425" lIns="91425" rIns="91425" wrap="square" tIns="91425">
-            <a:noAutofit/>
-          </a:bodyPr>
-          <a:lstStyle/>
-          <a:p>
-            <a:pPr lvl="0" rtl="0" algn="ctr">
-              <a:spcBef>
-                <a:spcPts val="0"/>
-              </a:spcBef>
-              <a:buNone/>
-            </a:pPr>
-            <a:r>
-              <a:rPr lang="en" sz="600">
-                <a:solidFill>
-                  <a:srgbClr val="999999"/>
-                </a:solidFill>
-              </a:rPr>
-              <a:t>https://upload.wikimedia.org/wikipedia/commons/d/d8/Dou_shou_qi_traps.png</a:t>
-            </a:r>
-          </a:p>
-        </p:txBody>
-      </p:sp>
-      <p:sp>
-        <p:nvSpPr>
-          <p:cNvPr id="140" name="Shape 140"/>
-          <p:cNvSpPr txBox="1"/>
-          <p:nvPr/>
-        </p:nvSpPr>
-        <p:spPr>
-          <a:xfrm>
-            <a:off x="501835" y="2987502"/>
-            <a:ext cx="1963500" cy="261000"/>
-          </a:xfrm>
-          <a:prstGeom prst="rect">
-            <a:avLst/>
-          </a:prstGeom>
-          <a:noFill/>
-          <a:ln>
-            <a:noFill/>
-          </a:ln>
-        </p:spPr>
-        <p:txBody>
-          <a:bodyPr anchorCtr="0" anchor="ctr" bIns="91425" lIns="91425" rIns="91425" wrap="square" tIns="91425">
-            <a:noAutofit/>
-          </a:bodyPr>
-          <a:lstStyle/>
-          <a:p>
-            <a:pPr lvl="0" rtl="0" algn="ctr">
-              <a:spcBef>
-                <a:spcPts val="0"/>
-              </a:spcBef>
-              <a:buNone/>
-            </a:pPr>
-            <a:r>
-              <a:rPr b="1" lang="en"/>
-              <a:t>The “Trap” Squares</a:t>
-            </a:r>
-          </a:p>
-        </p:txBody>
-      </p:sp>
     </p:spTree>
   </p:cSld>
   <p:clrMapOvr>
@@ -7890,13 +6288,13 @@
     <p:bg>
       <p:bgPr>
         <a:solidFill>
-          <a:srgbClr val="F3F3F3"/>
+          <a:srgbClr val="EFEFEF"/>
         </a:solidFill>
       </p:bgPr>
     </p:bg>
     <p:spTree>
       <p:nvGrpSpPr>
-        <p:cNvPr id="144" name="Shape 144"/>
+        <p:cNvPr id="92" name="Shape 92"/>
         <p:cNvGrpSpPr/>
         <p:nvPr/>
       </p:nvGrpSpPr>
@@ -7910,7 +6308,7 @@
       </p:grpSpPr>
       <p:sp>
         <p:nvSpPr>
-          <p:cNvPr id="145" name="Shape 145"/>
+          <p:cNvPr id="93" name="Shape 93"/>
           <p:cNvSpPr txBox="1"/>
           <p:nvPr>
             <p:ph type="title"/>
@@ -7920,42 +6318,6 @@
           <a:xfrm>
             <a:off x="311700" y="445025"/>
             <a:ext cx="8520600" cy="572700"/>
-          </a:xfrm>
-          <a:prstGeom prst="rect">
-            <a:avLst/>
-          </a:prstGeom>
-        </p:spPr>
-        <p:txBody>
-          <a:bodyPr anchorCtr="0" anchor="t" bIns="91425" lIns="91425" rIns="91425" wrap="square" tIns="91425">
-            <a:noAutofit/>
-          </a:bodyPr>
-          <a:lstStyle/>
-          <a:p>
-            <a:pPr lvl="0">
-              <a:spcBef>
-                <a:spcPts val="0"/>
-              </a:spcBef>
-              <a:buNone/>
-            </a:pPr>
-            <a:r>
-              <a:rPr b="1" lang="en"/>
-              <a:t>Actors and Stakeholders</a:t>
-            </a:r>
-          </a:p>
-        </p:txBody>
-      </p:sp>
-      <p:sp>
-        <p:nvSpPr>
-          <p:cNvPr id="146" name="Shape 146"/>
-          <p:cNvSpPr txBox="1"/>
-          <p:nvPr>
-            <p:ph idx="1" type="body"/>
-          </p:nvPr>
-        </p:nvSpPr>
-        <p:spPr>
-          <a:xfrm>
-            <a:off x="982375" y="1152475"/>
-            <a:ext cx="7849800" cy="3416400"/>
           </a:xfrm>
           <a:prstGeom prst="rect">
             <a:avLst/>
@@ -7968,216 +6330,50 @@
           <a:lstStyle/>
           <a:p>
             <a:pPr lvl="0" rtl="0">
-              <a:lnSpc>
-                <a:spcPct val="100000"/>
-              </a:lnSpc>
-              <a:spcBef>
-                <a:spcPts val="0"/>
-              </a:spcBef>
-              <a:spcAft>
-                <a:spcPts val="0"/>
-              </a:spcAft>
+              <a:spcBef>
+                <a:spcPts val="0"/>
+              </a:spcBef>
               <a:buNone/>
             </a:pPr>
             <a:r>
-              <a:rPr b="1" lang="en"/>
-              <a:t>Owner</a:t>
-            </a:r>
-          </a:p>
-          <a:p>
-            <a:pPr lvl="0" rtl="0">
-              <a:lnSpc>
-                <a:spcPct val="100000"/>
-              </a:lnSpc>
-              <a:spcBef>
-                <a:spcPts val="0"/>
-              </a:spcBef>
-              <a:spcAft>
-                <a:spcPts val="0"/>
-              </a:spcAft>
-              <a:buNone/>
-            </a:pPr>
-            <a:r>
-              <a:rPr lang="en"/>
-              <a:t>	No account, interest in functional, fun game.</a:t>
-            </a:r>
-          </a:p>
-          <a:p>
-            <a:pPr lvl="0" rtl="0">
-              <a:lnSpc>
-                <a:spcPct val="100000"/>
-              </a:lnSpc>
-              <a:spcBef>
-                <a:spcPts val="0"/>
-              </a:spcBef>
-              <a:spcAft>
-                <a:spcPts val="0"/>
-              </a:spcAft>
-              <a:buNone/>
-            </a:pPr>
-            <a:r>
-              <a:t/>
-            </a:r>
-            <a:endParaRPr/>
-          </a:p>
-          <a:p>
-            <a:pPr lvl="0" rtl="0">
-              <a:lnSpc>
-                <a:spcPct val="100000"/>
-              </a:lnSpc>
-              <a:spcBef>
-                <a:spcPts val="0"/>
-              </a:spcBef>
-              <a:spcAft>
-                <a:spcPts val="0"/>
-              </a:spcAft>
-              <a:buNone/>
-            </a:pPr>
-            <a:r>
-              <a:rPr b="1" lang="en"/>
-              <a:t>Unregistered Users</a:t>
-            </a:r>
-          </a:p>
-          <a:p>
-            <a:pPr indent="0" lvl="0" marL="457200" rtl="0">
-              <a:lnSpc>
-                <a:spcPct val="100000"/>
-              </a:lnSpc>
-              <a:spcBef>
-                <a:spcPts val="0"/>
-              </a:spcBef>
-              <a:spcAft>
-                <a:spcPts val="0"/>
-              </a:spcAft>
-              <a:buNone/>
-            </a:pPr>
-            <a:r>
-              <a:rPr lang="en"/>
-              <a:t>No accounts, no ability to use system</a:t>
-            </a:r>
-          </a:p>
-          <a:p>
-            <a:pPr indent="0" lvl="0" marL="457200" rtl="0">
-              <a:lnSpc>
-                <a:spcPct val="100000"/>
-              </a:lnSpc>
-              <a:spcBef>
-                <a:spcPts val="0"/>
-              </a:spcBef>
-              <a:spcAft>
-                <a:spcPts val="0"/>
-              </a:spcAft>
-              <a:buNone/>
-            </a:pPr>
-            <a:r>
-              <a:t/>
-            </a:r>
-            <a:endParaRPr/>
-          </a:p>
-          <a:p>
-            <a:pPr lvl="0" rtl="0">
-              <a:lnSpc>
-                <a:spcPct val="100000"/>
-              </a:lnSpc>
-              <a:spcBef>
-                <a:spcPts val="0"/>
-              </a:spcBef>
-              <a:spcAft>
-                <a:spcPts val="0"/>
-              </a:spcAft>
-              <a:buNone/>
-            </a:pPr>
-            <a:r>
-              <a:rPr b="1" lang="en"/>
-              <a:t>Registered Users</a:t>
-            </a:r>
-          </a:p>
-          <a:p>
-            <a:pPr indent="0" lvl="0" marL="457200" rtl="0">
-              <a:lnSpc>
-                <a:spcPct val="100000"/>
-              </a:lnSpc>
-              <a:spcBef>
-                <a:spcPts val="0"/>
-              </a:spcBef>
-              <a:spcAft>
-                <a:spcPts val="0"/>
-              </a:spcAft>
-              <a:buNone/>
-            </a:pPr>
-            <a:r>
-              <a:rPr lang="en"/>
-              <a:t>Create games, view profiles, etc.</a:t>
-            </a:r>
-          </a:p>
-          <a:p>
-            <a:pPr indent="0" lvl="0" marL="457200" rtl="0">
-              <a:lnSpc>
-                <a:spcPct val="100000"/>
-              </a:lnSpc>
-              <a:spcBef>
-                <a:spcPts val="0"/>
-              </a:spcBef>
-              <a:spcAft>
-                <a:spcPts val="0"/>
-              </a:spcAft>
-              <a:buNone/>
-            </a:pPr>
-            <a:r>
-              <a:t/>
-            </a:r>
-            <a:endParaRPr/>
-          </a:p>
-          <a:p>
-            <a:pPr lvl="0" rtl="0">
-              <a:lnSpc>
-                <a:spcPct val="100000"/>
-              </a:lnSpc>
-              <a:spcBef>
-                <a:spcPts val="0"/>
-              </a:spcBef>
-              <a:spcAft>
-                <a:spcPts val="0"/>
-              </a:spcAft>
-              <a:buNone/>
-            </a:pPr>
-            <a:r>
-              <a:rPr b="1" lang="en"/>
-              <a:t>Players</a:t>
-            </a:r>
-          </a:p>
-          <a:p>
-            <a:pPr indent="0" lvl="0" marL="457200" rtl="0">
-              <a:lnSpc>
-                <a:spcPct val="100000"/>
-              </a:lnSpc>
-              <a:spcBef>
-                <a:spcPts val="0"/>
-              </a:spcBef>
-              <a:spcAft>
-                <a:spcPts val="0"/>
-              </a:spcAft>
-              <a:buNone/>
-            </a:pPr>
-            <a:r>
-              <a:rPr lang="en"/>
-              <a:t>People who are in at least one active game</a:t>
-            </a:r>
-          </a:p>
-          <a:p>
-            <a:pPr lvl="0">
-              <a:spcBef>
-                <a:spcPts val="0"/>
-              </a:spcBef>
-              <a:buNone/>
-            </a:pPr>
-            <a:r>
-              <a:t/>
-            </a:r>
-            <a:endParaRPr/>
+              <a:rPr b="1" i="1" lang="es">
+                <a:latin typeface="Cambria"/>
+                <a:ea typeface="Cambria"/>
+                <a:cs typeface="Cambria"/>
+                <a:sym typeface="Cambria"/>
+              </a:rPr>
+              <a:t>Updated Use Case Diagram</a:t>
+            </a:r>
           </a:p>
         </p:txBody>
       </p:sp>
+      <p:pic>
+        <p:nvPicPr>
+          <p:cNvPr descr="Use Case Diagram - Page 1.png" id="94" name="Shape 94"/>
+          <p:cNvPicPr preferRelativeResize="0"/>
+          <p:nvPr/>
+        </p:nvPicPr>
+        <p:blipFill rotWithShape="1">
+          <a:blip r:embed="rId3">
+            <a:alphaModFix/>
+          </a:blip>
+          <a:srcRect b="36551" l="0" r="0" t="19996"/>
+          <a:stretch/>
+        </p:blipFill>
+        <p:spPr>
+          <a:xfrm>
+            <a:off x="924650" y="967825"/>
+            <a:ext cx="7223701" cy="4062049"/>
+          </a:xfrm>
+          <a:prstGeom prst="rect">
+            <a:avLst/>
+          </a:prstGeom>
+          <a:noFill/>
+          <a:ln>
+            <a:noFill/>
+          </a:ln>
+        </p:spPr>
+      </p:pic>
     </p:spTree>
   </p:cSld>
   <p:clrMapOvr>
@@ -8198,7 +6394,7 @@
     </p:bg>
     <p:spTree>
       <p:nvGrpSpPr>
-        <p:cNvPr id="150" name="Shape 150"/>
+        <p:cNvPr id="98" name="Shape 98"/>
         <p:cNvGrpSpPr/>
         <p:nvPr/>
       </p:nvGrpSpPr>
@@ -8212,7 +6408,7 @@
       </p:grpSpPr>
       <p:sp>
         <p:nvSpPr>
-          <p:cNvPr id="151" name="Shape 151"/>
+          <p:cNvPr id="99" name="Shape 99"/>
           <p:cNvSpPr txBox="1"/>
           <p:nvPr>
             <p:ph type="title"/>
@@ -8222,42 +6418,6 @@
           <a:xfrm>
             <a:off x="311700" y="445025"/>
             <a:ext cx="8520600" cy="572700"/>
-          </a:xfrm>
-          <a:prstGeom prst="rect">
-            <a:avLst/>
-          </a:prstGeom>
-        </p:spPr>
-        <p:txBody>
-          <a:bodyPr anchorCtr="0" anchor="t" bIns="91425" lIns="91425" rIns="91425" wrap="square" tIns="91425">
-            <a:noAutofit/>
-          </a:bodyPr>
-          <a:lstStyle/>
-          <a:p>
-            <a:pPr lvl="0">
-              <a:spcBef>
-                <a:spcPts val="0"/>
-              </a:spcBef>
-              <a:buNone/>
-            </a:pPr>
-            <a:r>
-              <a:rPr b="1" lang="en"/>
-              <a:t>Use Cases</a:t>
-            </a:r>
-          </a:p>
-        </p:txBody>
-      </p:sp>
-      <p:sp>
-        <p:nvSpPr>
-          <p:cNvPr id="152" name="Shape 152"/>
-          <p:cNvSpPr txBox="1"/>
-          <p:nvPr>
-            <p:ph idx="1" type="body"/>
-          </p:nvPr>
-        </p:nvSpPr>
-        <p:spPr>
-          <a:xfrm>
-            <a:off x="1038525" y="1152475"/>
-            <a:ext cx="7793700" cy="3416400"/>
           </a:xfrm>
           <a:prstGeom prst="rect">
             <a:avLst/>
@@ -8270,265 +6430,50 @@
           <a:lstStyle/>
           <a:p>
             <a:pPr lvl="0" rtl="0">
-              <a:lnSpc>
-                <a:spcPct val="115000"/>
-              </a:lnSpc>
-              <a:spcBef>
-                <a:spcPts val="400"/>
-              </a:spcBef>
-              <a:spcAft>
-                <a:spcPts val="0"/>
-              </a:spcAft>
+              <a:spcBef>
+                <a:spcPts val="0"/>
+              </a:spcBef>
               <a:buNone/>
             </a:pPr>
             <a:r>
-              <a:rPr b="1" lang="en" sz="1100">
-                <a:solidFill>
-                  <a:srgbClr val="000000"/>
-                </a:solidFill>
+              <a:rPr b="1" i="1" lang="es">
+                <a:latin typeface="Cambria"/>
+                <a:ea typeface="Cambria"/>
+                <a:cs typeface="Cambria"/>
+                <a:sym typeface="Cambria"/>
               </a:rPr>
-              <a:t>Register to the system</a:t>
-            </a:r>
-          </a:p>
-          <a:p>
-            <a:pPr lvl="0" rtl="0">
-              <a:lnSpc>
-                <a:spcPct val="115000"/>
-              </a:lnSpc>
-              <a:spcBef>
-                <a:spcPts val="400"/>
-              </a:spcBef>
-              <a:spcAft>
-                <a:spcPts val="0"/>
-              </a:spcAft>
-              <a:buNone/>
-            </a:pPr>
-            <a:r>
-              <a:rPr b="1" lang="en" sz="1100"/>
-              <a:t>Log in to System</a:t>
-            </a:r>
-            <a:r>
-              <a:rPr b="1" lang="en" sz="1100">
-                <a:solidFill>
-                  <a:schemeClr val="dk1"/>
-                </a:solidFill>
-              </a:rPr>
-              <a:t>	</a:t>
-            </a:r>
-          </a:p>
-          <a:p>
-            <a:pPr indent="457200" lvl="0" rtl="0">
-              <a:lnSpc>
-                <a:spcPct val="115000"/>
-              </a:lnSpc>
-              <a:spcBef>
-                <a:spcPts val="400"/>
-              </a:spcBef>
-              <a:spcAft>
-                <a:spcPts val="0"/>
-              </a:spcAft>
-              <a:buNone/>
-            </a:pPr>
-            <a:r>
-              <a:rPr b="1" lang="en" sz="1100"/>
-              <a:t>Create a new game</a:t>
-            </a:r>
-          </a:p>
-          <a:p>
-            <a:pPr indent="457200" lvl="0" rtl="0">
-              <a:lnSpc>
-                <a:spcPct val="115000"/>
-              </a:lnSpc>
-              <a:spcBef>
-                <a:spcPts val="400"/>
-              </a:spcBef>
-              <a:spcAft>
-                <a:spcPts val="0"/>
-              </a:spcAft>
-              <a:buNone/>
-            </a:pPr>
-            <a:r>
-              <a:rPr b="1" lang="en" sz="1100"/>
-              <a:t>Invite other users to a game</a:t>
-            </a:r>
-          </a:p>
-          <a:p>
-            <a:pPr indent="457200" lvl="0" rtl="0">
-              <a:lnSpc>
-                <a:spcPct val="115000"/>
-              </a:lnSpc>
-              <a:spcBef>
-                <a:spcPts val="400"/>
-              </a:spcBef>
-              <a:spcAft>
-                <a:spcPts val="0"/>
-              </a:spcAft>
-              <a:buNone/>
-            </a:pPr>
-            <a:r>
-              <a:rPr b="1" lang="en" sz="1100"/>
-              <a:t>Respond to Game Invitation</a:t>
-            </a:r>
-          </a:p>
-          <a:p>
-            <a:pPr indent="457200" lvl="0" rtl="0">
-              <a:lnSpc>
-                <a:spcPct val="115000"/>
-              </a:lnSpc>
-              <a:spcBef>
-                <a:spcPts val="400"/>
-              </a:spcBef>
-              <a:spcAft>
-                <a:spcPts val="0"/>
-              </a:spcAft>
-              <a:buNone/>
-            </a:pPr>
-            <a:r>
-              <a:rPr b="1" lang="en" sz="1100"/>
-              <a:t>Join Game</a:t>
-            </a:r>
-          </a:p>
-          <a:p>
-            <a:pPr indent="457200" lvl="0" marL="457200" rtl="0">
-              <a:lnSpc>
-                <a:spcPct val="115000"/>
-              </a:lnSpc>
-              <a:spcBef>
-                <a:spcPts val="400"/>
-              </a:spcBef>
-              <a:spcAft>
-                <a:spcPts val="0"/>
-              </a:spcAft>
-              <a:buNone/>
-            </a:pPr>
-            <a:r>
-              <a:rPr b="1" lang="en" sz="1100"/>
-              <a:t>Start Game</a:t>
-            </a:r>
-          </a:p>
-          <a:p>
-            <a:pPr indent="457200" lvl="0" marL="457200" rtl="0">
-              <a:lnSpc>
-                <a:spcPct val="115000"/>
-              </a:lnSpc>
-              <a:spcBef>
-                <a:spcPts val="400"/>
-              </a:spcBef>
-              <a:spcAft>
-                <a:spcPts val="0"/>
-              </a:spcAft>
-              <a:buNone/>
-            </a:pPr>
-            <a:r>
-              <a:rPr b="1" lang="en" sz="1100"/>
-              <a:t>Move Game Piece</a:t>
-            </a:r>
-          </a:p>
-          <a:p>
-            <a:pPr indent="457200" lvl="0" marL="457200" rtl="0">
-              <a:lnSpc>
-                <a:spcPct val="115000"/>
-              </a:lnSpc>
-              <a:spcBef>
-                <a:spcPts val="400"/>
-              </a:spcBef>
-              <a:spcAft>
-                <a:spcPts val="0"/>
-              </a:spcAft>
-              <a:buNone/>
-            </a:pPr>
-            <a:r>
-              <a:rPr b="1" lang="en" sz="1100"/>
-              <a:t>Switch Game</a:t>
-            </a:r>
-          </a:p>
-          <a:p>
-            <a:pPr indent="457200" lvl="0" marL="457200" rtl="0">
-              <a:lnSpc>
-                <a:spcPct val="115000"/>
-              </a:lnSpc>
-              <a:spcBef>
-                <a:spcPts val="400"/>
-              </a:spcBef>
-              <a:spcAft>
-                <a:spcPts val="0"/>
-              </a:spcAft>
-              <a:buNone/>
-            </a:pPr>
-            <a:r>
-              <a:rPr b="1" lang="en" sz="1100"/>
-              <a:t>Quit Game</a:t>
-            </a:r>
-          </a:p>
-          <a:p>
-            <a:pPr indent="457200" lvl="0" rtl="0">
-              <a:lnSpc>
-                <a:spcPct val="115000"/>
-              </a:lnSpc>
-              <a:spcBef>
-                <a:spcPts val="400"/>
-              </a:spcBef>
-              <a:spcAft>
-                <a:spcPts val="0"/>
-              </a:spcAft>
-              <a:buNone/>
-            </a:pPr>
-            <a:r>
-              <a:rPr b="1" lang="en" sz="1100"/>
-              <a:t>View Player Profile</a:t>
-            </a:r>
-          </a:p>
-          <a:p>
-            <a:pPr lvl="0" rtl="0">
-              <a:lnSpc>
-                <a:spcPct val="115000"/>
-              </a:lnSpc>
-              <a:spcBef>
-                <a:spcPts val="400"/>
-              </a:spcBef>
-              <a:spcAft>
-                <a:spcPts val="0"/>
-              </a:spcAft>
-              <a:buNone/>
-            </a:pPr>
-            <a:r>
-              <a:rPr b="1" lang="en" sz="1100"/>
-              <a:t>Unregister from System</a:t>
-            </a:r>
-            <a:r>
-              <a:rPr b="1" lang="en" sz="1100">
-                <a:solidFill>
-                  <a:schemeClr val="dk1"/>
-                </a:solidFill>
-              </a:rPr>
-              <a:t>	</a:t>
-            </a:r>
-          </a:p>
-          <a:p>
-            <a:pPr lvl="0" rtl="0">
-              <a:lnSpc>
-                <a:spcPct val="115000"/>
-              </a:lnSpc>
-              <a:spcBef>
-                <a:spcPts val="400"/>
-              </a:spcBef>
-              <a:spcAft>
-                <a:spcPts val="0"/>
-              </a:spcAft>
-              <a:buClr>
-                <a:schemeClr val="dk1"/>
-              </a:buClr>
-              <a:buSzPct val="100000"/>
-              <a:buFont typeface="Arial"/>
-              <a:buNone/>
-            </a:pPr>
-            <a:r>
-              <a:rPr b="1" lang="en" sz="1100"/>
-              <a:t>Log out of System</a:t>
+              <a:t>Updated Use Case Diagram</a:t>
             </a:r>
           </a:p>
         </p:txBody>
       </p:sp>
+      <p:pic>
+        <p:nvPicPr>
+          <p:cNvPr descr="Use Case Diagram - Page 1.png" id="100" name="Shape 100"/>
+          <p:cNvPicPr preferRelativeResize="0"/>
+          <p:nvPr/>
+        </p:nvPicPr>
+        <p:blipFill rotWithShape="1">
+          <a:blip r:embed="rId3">
+            <a:alphaModFix/>
+          </a:blip>
+          <a:srcRect b="9159" l="0" r="0" t="47388"/>
+          <a:stretch/>
+        </p:blipFill>
+        <p:spPr>
+          <a:xfrm>
+            <a:off x="924650" y="967825"/>
+            <a:ext cx="7223701" cy="4062049"/>
+          </a:xfrm>
+          <a:prstGeom prst="rect">
+            <a:avLst/>
+          </a:prstGeom>
+          <a:noFill/>
+          <a:ln>
+            <a:noFill/>
+          </a:ln>
+        </p:spPr>
+      </p:pic>
     </p:spTree>
   </p:cSld>
   <p:clrMapOvr>
@@ -8549,7 +6494,7 @@
     </p:bg>
     <p:spTree>
       <p:nvGrpSpPr>
-        <p:cNvPr id="156" name="Shape 156"/>
+        <p:cNvPr id="104" name="Shape 104"/>
         <p:cNvGrpSpPr/>
         <p:nvPr/>
       </p:nvGrpSpPr>
@@ -8563,7 +6508,7 @@
       </p:grpSpPr>
       <p:sp>
         <p:nvSpPr>
-          <p:cNvPr id="157" name="Shape 157"/>
+          <p:cNvPr id="105" name="Shape 105"/>
           <p:cNvSpPr txBox="1"/>
           <p:nvPr>
             <p:ph type="title"/>
@@ -8571,7 +6516,7 @@
         </p:nvSpPr>
         <p:spPr>
           <a:xfrm>
-            <a:off x="311700" y="0"/>
+            <a:off x="311700" y="445025"/>
             <a:ext cx="8520600" cy="572700"/>
           </a:xfrm>
           <a:prstGeom prst="rect">
@@ -8584,47 +6529,407 @@
           </a:bodyPr>
           <a:lstStyle/>
           <a:p>
-            <a:pPr lvl="0" algn="ctr">
-              <a:spcBef>
-                <a:spcPts val="0"/>
-              </a:spcBef>
+            <a:pPr lvl="0" rtl="0">
+              <a:spcBef>
+                <a:spcPts val="0"/>
+              </a:spcBef>
+              <a:buClr>
+                <a:schemeClr val="dk1"/>
+              </a:buClr>
+              <a:buSzPct val="39285"/>
+              <a:buFont typeface="Arial"/>
               <a:buNone/>
             </a:pPr>
             <a:r>
-              <a:rPr lang="en"/>
-              <a:t>Use Case Diagram</a:t>
+              <a:rPr b="1" i="1" lang="es">
+                <a:latin typeface="Cambria"/>
+                <a:ea typeface="Cambria"/>
+                <a:cs typeface="Cambria"/>
+                <a:sym typeface="Cambria"/>
+              </a:rPr>
+              <a:t>Use Cases - Updates</a:t>
             </a:r>
           </a:p>
         </p:txBody>
       </p:sp>
-      <p:pic>
-        <p:nvPicPr>
-          <p:cNvPr id="158" name="Shape 158"/>
-          <p:cNvPicPr preferRelativeResize="0"/>
-          <p:nvPr/>
-        </p:nvPicPr>
-        <p:blipFill>
-          <a:blip r:embed="rId3">
-            <a:alphaModFix/>
-          </a:blip>
-          <a:stretch>
-            <a:fillRect/>
-          </a:stretch>
-        </p:blipFill>
-        <p:spPr>
-          <a:xfrm>
-            <a:off x="1663475" y="572700"/>
-            <a:ext cx="5522961" cy="4266000"/>
+      <p:sp>
+        <p:nvSpPr>
+          <p:cNvPr id="106" name="Shape 106"/>
+          <p:cNvSpPr txBox="1"/>
+          <p:nvPr>
+            <p:ph idx="1" type="body"/>
+          </p:nvPr>
+        </p:nvSpPr>
+        <p:spPr>
+          <a:xfrm>
+            <a:off x="311700" y="1152475"/>
+            <a:ext cx="8520600" cy="3416400"/>
           </a:xfrm>
           <a:prstGeom prst="rect">
             <a:avLst/>
           </a:prstGeom>
-          <a:noFill/>
-          <a:ln>
-            <a:noFill/>
-          </a:ln>
-        </p:spPr>
-      </p:pic>
+        </p:spPr>
+        <p:txBody>
+          <a:bodyPr anchorCtr="0" anchor="t" bIns="91425" lIns="91425" rIns="91425" wrap="square" tIns="91425">
+            <a:noAutofit/>
+          </a:bodyPr>
+          <a:lstStyle/>
+          <a:p>
+            <a:pPr indent="-228600" lvl="0" marL="457200" rtl="0">
+              <a:lnSpc>
+                <a:spcPct val="115000"/>
+              </a:lnSpc>
+              <a:spcBef>
+                <a:spcPts val="0"/>
+              </a:spcBef>
+              <a:spcAft>
+                <a:spcPts val="0"/>
+              </a:spcAft>
+              <a:buClr>
+                <a:srgbClr val="000000"/>
+              </a:buClr>
+              <a:buFont typeface="Cambria"/>
+              <a:buChar char="➢"/>
+            </a:pPr>
+            <a:r>
+              <a:rPr lang="es">
+                <a:solidFill>
+                  <a:srgbClr val="000000"/>
+                </a:solidFill>
+                <a:latin typeface="Cambria"/>
+                <a:ea typeface="Cambria"/>
+                <a:cs typeface="Cambria"/>
+                <a:sym typeface="Cambria"/>
+              </a:rPr>
+              <a:t>Removed the </a:t>
+            </a:r>
+            <a:r>
+              <a:rPr b="1" lang="es">
+                <a:solidFill>
+                  <a:srgbClr val="000000"/>
+                </a:solidFill>
+                <a:latin typeface="Cambria"/>
+                <a:ea typeface="Cambria"/>
+                <a:cs typeface="Cambria"/>
+                <a:sym typeface="Cambria"/>
+              </a:rPr>
+              <a:t>Start Game</a:t>
+            </a:r>
+            <a:r>
+              <a:rPr lang="es">
+                <a:solidFill>
+                  <a:srgbClr val="000000"/>
+                </a:solidFill>
+                <a:latin typeface="Cambria"/>
+                <a:ea typeface="Cambria"/>
+                <a:cs typeface="Cambria"/>
+                <a:sym typeface="Cambria"/>
+              </a:rPr>
+              <a:t> use case</a:t>
+            </a:r>
+          </a:p>
+          <a:p>
+            <a:pPr indent="-228600" lvl="0" marL="457200" rtl="0">
+              <a:lnSpc>
+                <a:spcPct val="115000"/>
+              </a:lnSpc>
+              <a:spcBef>
+                <a:spcPts val="0"/>
+              </a:spcBef>
+              <a:spcAft>
+                <a:spcPts val="0"/>
+              </a:spcAft>
+              <a:buClr>
+                <a:srgbClr val="000000"/>
+              </a:buClr>
+              <a:buFont typeface="Cambria"/>
+              <a:buChar char="➢"/>
+            </a:pPr>
+            <a:r>
+              <a:rPr lang="es">
+                <a:solidFill>
+                  <a:srgbClr val="000000"/>
+                </a:solidFill>
+                <a:latin typeface="Cambria"/>
+                <a:ea typeface="Cambria"/>
+                <a:cs typeface="Cambria"/>
+                <a:sym typeface="Cambria"/>
+              </a:rPr>
+              <a:t>Removed the </a:t>
+            </a:r>
+            <a:r>
+              <a:rPr b="1" lang="es">
+                <a:solidFill>
+                  <a:srgbClr val="000000"/>
+                </a:solidFill>
+                <a:latin typeface="Cambria"/>
+                <a:ea typeface="Cambria"/>
+                <a:cs typeface="Cambria"/>
+                <a:sym typeface="Cambria"/>
+              </a:rPr>
+              <a:t>Join Game</a:t>
+            </a:r>
+            <a:r>
+              <a:rPr lang="es">
+                <a:solidFill>
+                  <a:srgbClr val="000000"/>
+                </a:solidFill>
+                <a:latin typeface="Cambria"/>
+                <a:ea typeface="Cambria"/>
+                <a:cs typeface="Cambria"/>
+                <a:sym typeface="Cambria"/>
+              </a:rPr>
+              <a:t> use case</a:t>
+            </a:r>
+          </a:p>
+          <a:p>
+            <a:pPr indent="-228600" lvl="0" marL="457200" rtl="0">
+              <a:lnSpc>
+                <a:spcPct val="115000"/>
+              </a:lnSpc>
+              <a:spcBef>
+                <a:spcPts val="0"/>
+              </a:spcBef>
+              <a:spcAft>
+                <a:spcPts val="0"/>
+              </a:spcAft>
+              <a:buClr>
+                <a:srgbClr val="000000"/>
+              </a:buClr>
+              <a:buFont typeface="Cambria"/>
+              <a:buChar char="➢"/>
+            </a:pPr>
+            <a:r>
+              <a:rPr lang="es">
+                <a:solidFill>
+                  <a:srgbClr val="000000"/>
+                </a:solidFill>
+                <a:latin typeface="Cambria"/>
+                <a:ea typeface="Cambria"/>
+                <a:cs typeface="Cambria"/>
+                <a:sym typeface="Cambria"/>
+              </a:rPr>
+              <a:t>Creating an account now states the requirement of a unique email</a:t>
+            </a:r>
+          </a:p>
+          <a:p>
+            <a:pPr indent="-228600" lvl="0" marL="457200" rtl="0">
+              <a:lnSpc>
+                <a:spcPct val="115000"/>
+              </a:lnSpc>
+              <a:spcBef>
+                <a:spcPts val="0"/>
+              </a:spcBef>
+              <a:spcAft>
+                <a:spcPts val="0"/>
+              </a:spcAft>
+              <a:buClr>
+                <a:srgbClr val="000000"/>
+              </a:buClr>
+              <a:buFont typeface="Cambria"/>
+              <a:buChar char="➢"/>
+            </a:pPr>
+            <a:r>
+              <a:rPr lang="es">
+                <a:solidFill>
+                  <a:srgbClr val="000000"/>
+                </a:solidFill>
+                <a:latin typeface="Cambria"/>
+                <a:ea typeface="Cambria"/>
+                <a:cs typeface="Cambria"/>
+                <a:sym typeface="Cambria"/>
+              </a:rPr>
+              <a:t>Creating an account now states the requirement of a unique nickname</a:t>
+            </a:r>
+          </a:p>
+          <a:p>
+            <a:pPr indent="-228600" lvl="0" marL="457200" rtl="0">
+              <a:lnSpc>
+                <a:spcPct val="115000"/>
+              </a:lnSpc>
+              <a:spcBef>
+                <a:spcPts val="0"/>
+              </a:spcBef>
+              <a:spcAft>
+                <a:spcPts val="0"/>
+              </a:spcAft>
+              <a:buClr>
+                <a:srgbClr val="000000"/>
+              </a:buClr>
+              <a:buFont typeface="Cambria"/>
+              <a:buChar char="➢"/>
+            </a:pPr>
+            <a:r>
+              <a:rPr b="1" lang="es">
+                <a:solidFill>
+                  <a:srgbClr val="000000"/>
+                </a:solidFill>
+                <a:latin typeface="Cambria"/>
+                <a:ea typeface="Cambria"/>
+                <a:cs typeface="Cambria"/>
+                <a:sym typeface="Cambria"/>
+              </a:rPr>
+              <a:t>Registered User</a:t>
+            </a:r>
+            <a:r>
+              <a:rPr lang="es">
+                <a:solidFill>
+                  <a:srgbClr val="000000"/>
+                </a:solidFill>
+                <a:latin typeface="Cambria"/>
+                <a:ea typeface="Cambria"/>
+                <a:cs typeface="Cambria"/>
+                <a:sym typeface="Cambria"/>
+              </a:rPr>
+              <a:t> now displays a success or failure message.</a:t>
+            </a:r>
+          </a:p>
+          <a:p>
+            <a:pPr indent="-228600" lvl="0" marL="457200" rtl="0">
+              <a:lnSpc>
+                <a:spcPct val="115000"/>
+              </a:lnSpc>
+              <a:spcBef>
+                <a:spcPts val="0"/>
+              </a:spcBef>
+              <a:spcAft>
+                <a:spcPts val="0"/>
+              </a:spcAft>
+              <a:buClr>
+                <a:srgbClr val="000000"/>
+              </a:buClr>
+              <a:buFont typeface="Cambria"/>
+              <a:buChar char="➢"/>
+            </a:pPr>
+            <a:r>
+              <a:rPr lang="es">
+                <a:solidFill>
+                  <a:srgbClr val="000000"/>
+                </a:solidFill>
+                <a:latin typeface="Cambria"/>
+                <a:ea typeface="Cambria"/>
+                <a:cs typeface="Cambria"/>
+                <a:sym typeface="Cambria"/>
+              </a:rPr>
+              <a:t>Accepting a game invitation now invalidates all other invitations if multiples were sent out for one game.</a:t>
+            </a:r>
+          </a:p>
+          <a:p>
+            <a:pPr indent="-228600" lvl="0" marL="457200" rtl="0">
+              <a:lnSpc>
+                <a:spcPct val="115000"/>
+              </a:lnSpc>
+              <a:spcBef>
+                <a:spcPts val="0"/>
+              </a:spcBef>
+              <a:spcAft>
+                <a:spcPts val="0"/>
+              </a:spcAft>
+              <a:buClr>
+                <a:srgbClr val="000000"/>
+              </a:buClr>
+              <a:buFont typeface="Cambria"/>
+              <a:buChar char="➢"/>
+            </a:pPr>
+            <a:r>
+              <a:rPr lang="es">
+                <a:solidFill>
+                  <a:srgbClr val="000000"/>
+                </a:solidFill>
+                <a:latin typeface="Cambria"/>
+                <a:ea typeface="Cambria"/>
+                <a:cs typeface="Cambria"/>
+                <a:sym typeface="Cambria"/>
+              </a:rPr>
+              <a:t>Accepting a game invitation now starts a new game if sent outside of a game.</a:t>
+            </a:r>
+          </a:p>
+          <a:p>
+            <a:pPr indent="-228600" lvl="0" marL="457200" rtl="0">
+              <a:lnSpc>
+                <a:spcPct val="115000"/>
+              </a:lnSpc>
+              <a:spcBef>
+                <a:spcPts val="0"/>
+              </a:spcBef>
+              <a:spcAft>
+                <a:spcPts val="0"/>
+              </a:spcAft>
+              <a:buClr>
+                <a:srgbClr val="000000"/>
+              </a:buClr>
+              <a:buFont typeface="Cambria"/>
+              <a:buChar char="➢"/>
+            </a:pPr>
+            <a:r>
+              <a:rPr b="1" lang="es">
+                <a:solidFill>
+                  <a:srgbClr val="000000"/>
+                </a:solidFill>
+                <a:latin typeface="Cambria"/>
+                <a:ea typeface="Cambria"/>
+                <a:cs typeface="Cambria"/>
+                <a:sym typeface="Cambria"/>
+              </a:rPr>
+              <a:t>Quit Game</a:t>
+            </a:r>
+            <a:r>
+              <a:rPr lang="es">
+                <a:solidFill>
+                  <a:srgbClr val="000000"/>
+                </a:solidFill>
+                <a:latin typeface="Cambria"/>
+                <a:ea typeface="Cambria"/>
+                <a:cs typeface="Cambria"/>
+                <a:sym typeface="Cambria"/>
+              </a:rPr>
+              <a:t> will not end the game if the game can not be found</a:t>
+            </a:r>
+          </a:p>
+          <a:p>
+            <a:pPr indent="-228600" lvl="0" marL="457200" rtl="0">
+              <a:lnSpc>
+                <a:spcPct val="115000"/>
+              </a:lnSpc>
+              <a:spcBef>
+                <a:spcPts val="0"/>
+              </a:spcBef>
+              <a:spcAft>
+                <a:spcPts val="0"/>
+              </a:spcAft>
+              <a:buClr>
+                <a:srgbClr val="000000"/>
+              </a:buClr>
+              <a:buFont typeface="Cambria"/>
+              <a:buChar char="➢"/>
+            </a:pPr>
+            <a:r>
+              <a:rPr b="1" lang="es">
+                <a:solidFill>
+                  <a:srgbClr val="000000"/>
+                </a:solidFill>
+                <a:latin typeface="Cambria"/>
+                <a:ea typeface="Cambria"/>
+                <a:cs typeface="Cambria"/>
+                <a:sym typeface="Cambria"/>
+              </a:rPr>
+              <a:t>Quit Game</a:t>
+            </a:r>
+            <a:r>
+              <a:rPr lang="es">
+                <a:solidFill>
+                  <a:srgbClr val="000000"/>
+                </a:solidFill>
+                <a:latin typeface="Cambria"/>
+                <a:ea typeface="Cambria"/>
+                <a:cs typeface="Cambria"/>
+                <a:sym typeface="Cambria"/>
+              </a:rPr>
+              <a:t> now directly records game information</a:t>
+            </a:r>
+          </a:p>
+        </p:txBody>
+      </p:sp>
     </p:spTree>
   </p:cSld>
   <p:clrMapOvr>
@@ -8634,6 +6939,285 @@
 </file>
 
 <file path=ppt/theme/theme1.xml><?xml version="1.0" encoding="utf-8"?>
+<a:theme xmlns:a="http://schemas.openxmlformats.org/drawingml/2006/main" xmlns:r="http://schemas.openxmlformats.org/officeDocument/2006/relationships" name="Simple Light">
+  <a:themeElements>
+    <a:clrScheme name="Simple Light">
+      <a:dk1>
+        <a:srgbClr val="000000"/>
+      </a:dk1>
+      <a:lt1>
+        <a:srgbClr val="FFFFFF"/>
+      </a:lt1>
+      <a:dk2>
+        <a:srgbClr val="595959"/>
+      </a:dk2>
+      <a:lt2>
+        <a:srgbClr val="EEEEEE"/>
+      </a:lt2>
+      <a:accent1>
+        <a:srgbClr val="FFAB40"/>
+      </a:accent1>
+      <a:accent2>
+        <a:srgbClr val="212121"/>
+      </a:accent2>
+      <a:accent3>
+        <a:srgbClr val="78909C"/>
+      </a:accent3>
+      <a:accent4>
+        <a:srgbClr val="FFAB40"/>
+      </a:accent4>
+      <a:accent5>
+        <a:srgbClr val="0097A7"/>
+      </a:accent5>
+      <a:accent6>
+        <a:srgbClr val="EEFF41"/>
+      </a:accent6>
+      <a:hlink>
+        <a:srgbClr val="0097A7"/>
+      </a:hlink>
+      <a:folHlink>
+        <a:srgbClr val="0097A7"/>
+      </a:folHlink>
+    </a:clrScheme>
+    <a:fontScheme name="Office">
+      <a:majorFont>
+        <a:latin typeface="Arial"/>
+        <a:ea typeface=""/>
+        <a:cs typeface=""/>
+        <a:font script="Jpan" typeface="ＭＳ Ｐゴシック"/>
+        <a:font script="Hang" typeface="맑은 고딕"/>
+        <a:font script="Hans" typeface="宋体"/>
+        <a:font script="Hant" typeface="新細明體"/>
+        <a:font script="Arab" typeface="Times New Roman"/>
+        <a:font script="Hebr" typeface="Times New Roman"/>
+        <a:font script="Thai" typeface="Angsana New"/>
+        <a:font script="Ethi" typeface="Nyala"/>
+        <a:font script="Beng" typeface="Vrinda"/>
+        <a:font script="Gujr" typeface="Shruti"/>
+        <a:font script="Khmr" typeface="MoolBoran"/>
+        <a:font script="Knda" typeface="Tunga"/>
+        <a:font script="Guru" typeface="Raavi"/>
+        <a:font script="Cans" typeface="Euphemia"/>
+        <a:font script="Cher" typeface="Plantagenet Cherokee"/>
+        <a:font script="Yiii" typeface="Microsoft Yi Baiti"/>
+        <a:font script="Tibt" typeface="Microsoft Himalaya"/>
+        <a:font script="Thaa" typeface="MV Boli"/>
+        <a:font script="Deva" typeface="Mangal"/>
+        <a:font script="Telu" typeface="Gautami"/>
+        <a:font script="Taml" typeface="Latha"/>
+        <a:font script="Syrc" typeface="Estrangelo Edessa"/>
+        <a:font script="Orya" typeface="Kalinga"/>
+        <a:font script="Mlym" typeface="Kartika"/>
+        <a:font script="Laoo" typeface="DokChampa"/>
+        <a:font script="Sinh" typeface="Iskoola Pota"/>
+        <a:font script="Mong" typeface="Mongolian Baiti"/>
+        <a:font script="Viet" typeface="Times New Roman"/>
+        <a:font script="Uigh" typeface="Microsoft Uighur"/>
+        <a:font script="Geor" typeface="Sylfaen"/>
+      </a:majorFont>
+      <a:minorFont>
+        <a:latin typeface="Arial"/>
+        <a:ea typeface=""/>
+        <a:cs typeface=""/>
+        <a:font script="Jpan" typeface="ＭＳ Ｐゴシック"/>
+        <a:font script="Hang" typeface="맑은 고딕"/>
+        <a:font script="Hans" typeface="宋体"/>
+        <a:font script="Hant" typeface="新細明體"/>
+        <a:font script="Arab" typeface="Arial"/>
+        <a:font script="Hebr" typeface="Arial"/>
+        <a:font script="Thai" typeface="Cordia New"/>
+        <a:font script="Ethi" typeface="Nyala"/>
+        <a:font script="Beng" typeface="Vrinda"/>
+        <a:font script="Gujr" typeface="Shruti"/>
+        <a:font script="Khmr" typeface="DaunPenh"/>
+        <a:font script="Knda" typeface="Tunga"/>
+        <a:font script="Guru" typeface="Raavi"/>
+        <a:font script="Cans" typeface="Euphemia"/>
+        <a:font script="Cher" typeface="Plantagenet Cherokee"/>
+        <a:font script="Yiii" typeface="Microsoft Yi Baiti"/>
+        <a:font script="Tibt" typeface="Microsoft Himalaya"/>
+        <a:font script="Thaa" typeface="MV Boli"/>
+        <a:font script="Deva" typeface="Mangal"/>
+        <a:font script="Telu" typeface="Gautami"/>
+        <a:font script="Taml" typeface="Latha"/>
+        <a:font script="Syrc" typeface="Estrangelo Edessa"/>
+        <a:font script="Orya" typeface="Kalinga"/>
+        <a:font script="Mlym" typeface="Kartika"/>
+        <a:font script="Laoo" typeface="DokChampa"/>
+        <a:font script="Sinh" typeface="Iskoola Pota"/>
+        <a:font script="Mong" typeface="Mongolian Baiti"/>
+        <a:font script="Viet" typeface="Arial"/>
+        <a:font script="Uigh" typeface="Microsoft Uighur"/>
+        <a:font script="Geor" typeface="Sylfaen"/>
+      </a:minorFont>
+    </a:fontScheme>
+    <a:fmtScheme name="Office">
+      <a:fillStyleLst>
+        <a:solidFill>
+          <a:schemeClr val="phClr"/>
+        </a:solidFill>
+        <a:gradFill rotWithShape="1">
+          <a:gsLst>
+            <a:gs pos="0">
+              <a:schemeClr val="phClr">
+                <a:tint val="50000"/>
+                <a:satMod val="300000"/>
+              </a:schemeClr>
+            </a:gs>
+            <a:gs pos="35000">
+              <a:schemeClr val="phClr">
+                <a:tint val="37000"/>
+                <a:satMod val="300000"/>
+              </a:schemeClr>
+            </a:gs>
+            <a:gs pos="100000">
+              <a:schemeClr val="phClr">
+                <a:tint val="15000"/>
+                <a:satMod val="350000"/>
+              </a:schemeClr>
+            </a:gs>
+          </a:gsLst>
+          <a:lin ang="16200000" scaled="1"/>
+        </a:gradFill>
+        <a:gradFill rotWithShape="1">
+          <a:gsLst>
+            <a:gs pos="0">
+              <a:schemeClr val="phClr">
+                <a:tint val="100000"/>
+                <a:shade val="100000"/>
+                <a:satMod val="130000"/>
+              </a:schemeClr>
+            </a:gs>
+            <a:gs pos="100000">
+              <a:schemeClr val="phClr">
+                <a:tint val="50000"/>
+                <a:shade val="100000"/>
+                <a:satMod val="350000"/>
+              </a:schemeClr>
+            </a:gs>
+          </a:gsLst>
+          <a:lin ang="16200000" scaled="0"/>
+        </a:gradFill>
+      </a:fillStyleLst>
+      <a:lnStyleLst>
+        <a:ln w="9525" cap="flat" cmpd="sng" algn="ctr">
+          <a:solidFill>
+            <a:schemeClr val="phClr">
+              <a:shade val="95000"/>
+              <a:satMod val="105000"/>
+            </a:schemeClr>
+          </a:solidFill>
+          <a:prstDash val="solid"/>
+        </a:ln>
+        <a:ln w="25400" cap="flat" cmpd="sng" algn="ctr">
+          <a:solidFill>
+            <a:schemeClr val="phClr"/>
+          </a:solidFill>
+          <a:prstDash val="solid"/>
+        </a:ln>
+        <a:ln w="38100" cap="flat" cmpd="sng" algn="ctr">
+          <a:solidFill>
+            <a:schemeClr val="phClr"/>
+          </a:solidFill>
+          <a:prstDash val="solid"/>
+        </a:ln>
+      </a:lnStyleLst>
+      <a:effectStyleLst>
+        <a:effectStyle>
+          <a:effectLst>
+            <a:outerShdw blurRad="40000" dist="20000" dir="5400000" rotWithShape="0">
+              <a:srgbClr val="000000">
+                <a:alpha val="38000"/>
+              </a:srgbClr>
+            </a:outerShdw>
+          </a:effectLst>
+        </a:effectStyle>
+        <a:effectStyle>
+          <a:effectLst>
+            <a:outerShdw blurRad="40000" dist="23000" dir="5400000" rotWithShape="0">
+              <a:srgbClr val="000000">
+                <a:alpha val="35000"/>
+              </a:srgbClr>
+            </a:outerShdw>
+          </a:effectLst>
+        </a:effectStyle>
+        <a:effectStyle>
+          <a:effectLst>
+            <a:outerShdw blurRad="40000" dist="23000" dir="5400000" rotWithShape="0">
+              <a:srgbClr val="000000">
+                <a:alpha val="35000"/>
+              </a:srgbClr>
+            </a:outerShdw>
+          </a:effectLst>
+          <a:scene3d>
+            <a:camera prst="orthographicFront">
+              <a:rot lat="0" lon="0" rev="0"/>
+            </a:camera>
+            <a:lightRig rig="threePt" dir="t">
+              <a:rot lat="0" lon="0" rev="1200000"/>
+            </a:lightRig>
+          </a:scene3d>
+          <a:sp3d>
+            <a:bevelT w="63500" h="25400"/>
+          </a:sp3d>
+        </a:effectStyle>
+      </a:effectStyleLst>
+      <a:bgFillStyleLst>
+        <a:solidFill>
+          <a:schemeClr val="phClr"/>
+        </a:solidFill>
+        <a:gradFill rotWithShape="1">
+          <a:gsLst>
+            <a:gs pos="0">
+              <a:schemeClr val="phClr">
+                <a:tint val="40000"/>
+                <a:satMod val="350000"/>
+              </a:schemeClr>
+            </a:gs>
+            <a:gs pos="40000">
+              <a:schemeClr val="phClr">
+                <a:tint val="45000"/>
+                <a:shade val="99000"/>
+                <a:satMod val="350000"/>
+              </a:schemeClr>
+            </a:gs>
+            <a:gs pos="100000">
+              <a:schemeClr val="phClr">
+                <a:shade val="20000"/>
+                <a:satMod val="255000"/>
+              </a:schemeClr>
+            </a:gs>
+          </a:gsLst>
+          <a:path path="circle">
+            <a:fillToRect l="50000" t="-80000" r="50000" b="180000"/>
+          </a:path>
+        </a:gradFill>
+        <a:gradFill rotWithShape="1">
+          <a:gsLst>
+            <a:gs pos="0">
+              <a:schemeClr val="phClr">
+                <a:tint val="80000"/>
+                <a:satMod val="300000"/>
+              </a:schemeClr>
+            </a:gs>
+            <a:gs pos="100000">
+              <a:schemeClr val="phClr">
+                <a:shade val="30000"/>
+                <a:satMod val="200000"/>
+              </a:schemeClr>
+            </a:gs>
+          </a:gsLst>
+          <a:path path="circle">
+            <a:fillToRect l="50000" t="50000" r="50000" b="50000"/>
+          </a:path>
+        </a:gradFill>
+      </a:bgFillStyleLst>
+    </a:fmtScheme>
+  </a:themeElements>
+</a:theme>
+</file>
+
+<file path=ppt/theme/theme2.xml><?xml version="1.0" encoding="utf-8"?>
 <a:theme xmlns:a="http://schemas.openxmlformats.org/drawingml/2006/main" xmlns:r="http://schemas.openxmlformats.org/officeDocument/2006/relationships" name="Custom Theme">
   <a:themeElements>
     <a:clrScheme name="Default">
@@ -8910,283 +7494,4 @@
     </a:fmtScheme>
   </a:themeElements>
 </a:theme>
-</file>
-
-<file path=ppt/theme/theme2.xml><?xml version="1.0" encoding="utf-8"?>
-<a:theme xmlns:a="http://schemas.openxmlformats.org/drawingml/2006/main" xmlns:r="http://schemas.openxmlformats.org/officeDocument/2006/relationships" name="Simple Light">
-  <a:themeElements>
-    <a:clrScheme name="Simple Light">
-      <a:dk1>
-        <a:srgbClr val="000000"/>
-      </a:dk1>
-      <a:lt1>
-        <a:srgbClr val="FFFFFF"/>
-      </a:lt1>
-      <a:dk2>
-        <a:srgbClr val="595959"/>
-      </a:dk2>
-      <a:lt2>
-        <a:srgbClr val="EEEEEE"/>
-      </a:lt2>
-      <a:accent1>
-        <a:srgbClr val="FFAB40"/>
-      </a:accent1>
-      <a:accent2>
-        <a:srgbClr val="212121"/>
-      </a:accent2>
-      <a:accent3>
-        <a:srgbClr val="78909C"/>
-      </a:accent3>
-      <a:accent4>
-        <a:srgbClr val="FFAB40"/>
-      </a:accent4>
-      <a:accent5>
-        <a:srgbClr val="0097A7"/>
-      </a:accent5>
-      <a:accent6>
-        <a:srgbClr val="EEFF41"/>
-      </a:accent6>
-      <a:hlink>
-        <a:srgbClr val="0097A7"/>
-      </a:hlink>
-      <a:folHlink>
-        <a:srgbClr val="0097A7"/>
-      </a:folHlink>
-    </a:clrScheme>
-    <a:fontScheme name="Office">
-      <a:majorFont>
-        <a:latin typeface="Arial"/>
-        <a:ea typeface=""/>
-        <a:cs typeface=""/>
-        <a:font script="Jpan" typeface="ＭＳ Ｐゴシック"/>
-        <a:font script="Hang" typeface="맑은 고딕"/>
-        <a:font script="Hans" typeface="宋体"/>
-        <a:font script="Hant" typeface="新細明體"/>
-        <a:font script="Arab" typeface="Times New Roman"/>
-        <a:font script="Hebr" typeface="Times New Roman"/>
-        <a:font script="Thai" typeface="Angsana New"/>
-        <a:font script="Ethi" typeface="Nyala"/>
-        <a:font script="Beng" typeface="Vrinda"/>
-        <a:font script="Gujr" typeface="Shruti"/>
-        <a:font script="Khmr" typeface="MoolBoran"/>
-        <a:font script="Knda" typeface="Tunga"/>
-        <a:font script="Guru" typeface="Raavi"/>
-        <a:font script="Cans" typeface="Euphemia"/>
-        <a:font script="Cher" typeface="Plantagenet Cherokee"/>
-        <a:font script="Yiii" typeface="Microsoft Yi Baiti"/>
-        <a:font script="Tibt" typeface="Microsoft Himalaya"/>
-        <a:font script="Thaa" typeface="MV Boli"/>
-        <a:font script="Deva" typeface="Mangal"/>
-        <a:font script="Telu" typeface="Gautami"/>
-        <a:font script="Taml" typeface="Latha"/>
-        <a:font script="Syrc" typeface="Estrangelo Edessa"/>
-        <a:font script="Orya" typeface="Kalinga"/>
-        <a:font script="Mlym" typeface="Kartika"/>
-        <a:font script="Laoo" typeface="DokChampa"/>
-        <a:font script="Sinh" typeface="Iskoola Pota"/>
-        <a:font script="Mong" typeface="Mongolian Baiti"/>
-        <a:font script="Viet" typeface="Times New Roman"/>
-        <a:font script="Uigh" typeface="Microsoft Uighur"/>
-        <a:font script="Geor" typeface="Sylfaen"/>
-      </a:majorFont>
-      <a:minorFont>
-        <a:latin typeface="Arial"/>
-        <a:ea typeface=""/>
-        <a:cs typeface=""/>
-        <a:font script="Jpan" typeface="ＭＳ Ｐゴシック"/>
-        <a:font script="Hang" typeface="맑은 고딕"/>
-        <a:font script="Hans" typeface="宋体"/>
-        <a:font script="Hant" typeface="新細明體"/>
-        <a:font script="Arab" typeface="Arial"/>
-        <a:font script="Hebr" typeface="Arial"/>
-        <a:font script="Thai" typeface="Cordia New"/>
-        <a:font script="Ethi" typeface="Nyala"/>
-        <a:font script="Beng" typeface="Vrinda"/>
-        <a:font script="Gujr" typeface="Shruti"/>
-        <a:font script="Khmr" typeface="DaunPenh"/>
-        <a:font script="Knda" typeface="Tunga"/>
-        <a:font script="Guru" typeface="Raavi"/>
-        <a:font script="Cans" typeface="Euphemia"/>
-        <a:font script="Cher" typeface="Plantagenet Cherokee"/>
-        <a:font script="Yiii" typeface="Microsoft Yi Baiti"/>
-        <a:font script="Tibt" typeface="Microsoft Himalaya"/>
-        <a:font script="Thaa" typeface="MV Boli"/>
-        <a:font script="Deva" typeface="Mangal"/>
-        <a:font script="Telu" typeface="Gautami"/>
-        <a:font script="Taml" typeface="Latha"/>
-        <a:font script="Syrc" typeface="Estrangelo Edessa"/>
-        <a:font script="Orya" typeface="Kalinga"/>
-        <a:font script="Mlym" typeface="Kartika"/>
-        <a:font script="Laoo" typeface="DokChampa"/>
-        <a:font script="Sinh" typeface="Iskoola Pota"/>
-        <a:font script="Mong" typeface="Mongolian Baiti"/>
-        <a:font script="Viet" typeface="Arial"/>
-        <a:font script="Uigh" typeface="Microsoft Uighur"/>
-        <a:font script="Geor" typeface="Sylfaen"/>
-      </a:minorFont>
-    </a:fontScheme>
-    <a:fmtScheme name="Office">
-      <a:fillStyleLst>
-        <a:solidFill>
-          <a:schemeClr val="phClr"/>
-        </a:solidFill>
-        <a:gradFill rotWithShape="1">
-          <a:gsLst>
-            <a:gs pos="0">
-              <a:schemeClr val="phClr">
-                <a:tint val="50000"/>
-                <a:satMod val="300000"/>
-              </a:schemeClr>
-            </a:gs>
-            <a:gs pos="35000">
-              <a:schemeClr val="phClr">
-                <a:tint val="37000"/>
-                <a:satMod val="300000"/>
-              </a:schemeClr>
-            </a:gs>
-            <a:gs pos="100000">
-              <a:schemeClr val="phClr">
-                <a:tint val="15000"/>
-                <a:satMod val="350000"/>
-              </a:schemeClr>
-            </a:gs>
-          </a:gsLst>
-          <a:lin ang="16200000" scaled="1"/>
-        </a:gradFill>
-        <a:gradFill rotWithShape="1">
-          <a:gsLst>
-            <a:gs pos="0">
-              <a:schemeClr val="phClr">
-                <a:tint val="100000"/>
-                <a:shade val="100000"/>
-                <a:satMod val="130000"/>
-              </a:schemeClr>
-            </a:gs>
-            <a:gs pos="100000">
-              <a:schemeClr val="phClr">
-                <a:tint val="50000"/>
-                <a:shade val="100000"/>
-                <a:satMod val="350000"/>
-              </a:schemeClr>
-            </a:gs>
-          </a:gsLst>
-          <a:lin ang="16200000" scaled="0"/>
-        </a:gradFill>
-      </a:fillStyleLst>
-      <a:lnStyleLst>
-        <a:ln w="9525" cap="flat" cmpd="sng" algn="ctr">
-          <a:solidFill>
-            <a:schemeClr val="phClr">
-              <a:shade val="95000"/>
-              <a:satMod val="105000"/>
-            </a:schemeClr>
-          </a:solidFill>
-          <a:prstDash val="solid"/>
-        </a:ln>
-        <a:ln w="25400" cap="flat" cmpd="sng" algn="ctr">
-          <a:solidFill>
-            <a:schemeClr val="phClr"/>
-          </a:solidFill>
-          <a:prstDash val="solid"/>
-        </a:ln>
-        <a:ln w="38100" cap="flat" cmpd="sng" algn="ctr">
-          <a:solidFill>
-            <a:schemeClr val="phClr"/>
-          </a:solidFill>
-          <a:prstDash val="solid"/>
-        </a:ln>
-      </a:lnStyleLst>
-      <a:effectStyleLst>
-        <a:effectStyle>
-          <a:effectLst>
-            <a:outerShdw blurRad="40000" dist="20000" dir="5400000" rotWithShape="0">
-              <a:srgbClr val="000000">
-                <a:alpha val="38000"/>
-              </a:srgbClr>
-            </a:outerShdw>
-          </a:effectLst>
-        </a:effectStyle>
-        <a:effectStyle>
-          <a:effectLst>
-            <a:outerShdw blurRad="40000" dist="23000" dir="5400000" rotWithShape="0">
-              <a:srgbClr val="000000">
-                <a:alpha val="35000"/>
-              </a:srgbClr>
-            </a:outerShdw>
-          </a:effectLst>
-        </a:effectStyle>
-        <a:effectStyle>
-          <a:effectLst>
-            <a:outerShdw blurRad="40000" dist="23000" dir="5400000" rotWithShape="0">
-              <a:srgbClr val="000000">
-                <a:alpha val="35000"/>
-              </a:srgbClr>
-            </a:outerShdw>
-          </a:effectLst>
-          <a:scene3d>
-            <a:camera prst="orthographicFront">
-              <a:rot lat="0" lon="0" rev="0"/>
-            </a:camera>
-            <a:lightRig rig="threePt" dir="t">
-              <a:rot lat="0" lon="0" rev="1200000"/>
-            </a:lightRig>
-          </a:scene3d>
-          <a:sp3d>
-            <a:bevelT w="63500" h="25400"/>
-          </a:sp3d>
-        </a:effectStyle>
-      </a:effectStyleLst>
-      <a:bgFillStyleLst>
-        <a:solidFill>
-          <a:schemeClr val="phClr"/>
-        </a:solidFill>
-        <a:gradFill rotWithShape="1">
-          <a:gsLst>
-            <a:gs pos="0">
-              <a:schemeClr val="phClr">
-                <a:tint val="40000"/>
-                <a:satMod val="350000"/>
-              </a:schemeClr>
-            </a:gs>
-            <a:gs pos="40000">
-              <a:schemeClr val="phClr">
-                <a:tint val="45000"/>
-                <a:shade val="99000"/>
-                <a:satMod val="350000"/>
-              </a:schemeClr>
-            </a:gs>
-            <a:gs pos="100000">
-              <a:schemeClr val="phClr">
-                <a:shade val="20000"/>
-                <a:satMod val="255000"/>
-              </a:schemeClr>
-            </a:gs>
-          </a:gsLst>
-          <a:path path="circle">
-            <a:fillToRect l="50000" t="-80000" r="50000" b="180000"/>
-          </a:path>
-        </a:gradFill>
-        <a:gradFill rotWithShape="1">
-          <a:gsLst>
-            <a:gs pos="0">
-              <a:schemeClr val="phClr">
-                <a:tint val="80000"/>
-                <a:satMod val="300000"/>
-              </a:schemeClr>
-            </a:gs>
-            <a:gs pos="100000">
-              <a:schemeClr val="phClr">
-                <a:shade val="30000"/>
-                <a:satMod val="200000"/>
-              </a:schemeClr>
-            </a:gs>
-          </a:gsLst>
-          <a:path path="circle">
-            <a:fillToRect l="50000" t="50000" r="50000" b="50000"/>
-          </a:path>
-        </a:gradFill>
-      </a:bgFillStyleLst>
-    </a:fmtScheme>
-  </a:themeElements>
-</a:theme>
 </file>
--- a/documentation/Presentation.pptx
+++ b/documentation/Presentation.pptx
@@ -5091,6 +5091,84 @@
                 <a:spcPts val="0"/>
               </a:spcAft>
               <a:buClr>
+                <a:schemeClr val="dk1"/>
+              </a:buClr>
+              <a:buFont typeface="Cambria"/>
+              <a:buChar char="➢"/>
+            </a:pPr>
+            <a:r>
+              <a:rPr b="1" lang="es">
+                <a:solidFill>
+                  <a:schemeClr val="dk1"/>
+                </a:solidFill>
+                <a:latin typeface="Cambria"/>
+                <a:ea typeface="Cambria"/>
+                <a:cs typeface="Cambria"/>
+                <a:sym typeface="Cambria"/>
+              </a:rPr>
+              <a:t>Quit Game</a:t>
+            </a:r>
+            <a:r>
+              <a:rPr lang="es">
+                <a:solidFill>
+                  <a:schemeClr val="dk1"/>
+                </a:solidFill>
+                <a:latin typeface="Cambria"/>
+                <a:ea typeface="Cambria"/>
+                <a:cs typeface="Cambria"/>
+                <a:sym typeface="Cambria"/>
+              </a:rPr>
+              <a:t> will not end the game if the game can not be found</a:t>
+            </a:r>
+          </a:p>
+          <a:p>
+            <a:pPr indent="-228600" lvl="0" marL="457200" rtl="0">
+              <a:spcBef>
+                <a:spcPts val="0"/>
+              </a:spcBef>
+              <a:spcAft>
+                <a:spcPts val="0"/>
+              </a:spcAft>
+              <a:buClr>
+                <a:schemeClr val="dk1"/>
+              </a:buClr>
+              <a:buFont typeface="Cambria"/>
+              <a:buChar char="➢"/>
+            </a:pPr>
+            <a:r>
+              <a:rPr b="1" lang="es">
+                <a:solidFill>
+                  <a:schemeClr val="dk1"/>
+                </a:solidFill>
+                <a:latin typeface="Cambria"/>
+                <a:ea typeface="Cambria"/>
+                <a:cs typeface="Cambria"/>
+                <a:sym typeface="Cambria"/>
+              </a:rPr>
+              <a:t>Quit Game</a:t>
+            </a:r>
+            <a:r>
+              <a:rPr lang="es">
+                <a:solidFill>
+                  <a:schemeClr val="dk1"/>
+                </a:solidFill>
+                <a:latin typeface="Cambria"/>
+                <a:ea typeface="Cambria"/>
+                <a:cs typeface="Cambria"/>
+                <a:sym typeface="Cambria"/>
+              </a:rPr>
+              <a:t> now directly records game information</a:t>
+            </a:r>
+          </a:p>
+          <a:p>
+            <a:pPr indent="-228600" lvl="0" marL="457200" rtl="0">
+              <a:spcBef>
+                <a:spcPts val="0"/>
+              </a:spcBef>
+              <a:spcAft>
+                <a:spcPts val="0"/>
+              </a:spcAft>
+              <a:buClr>
                 <a:srgbClr val="000000"/>
               </a:buClr>
               <a:buFont typeface="Cambria"/>
@@ -5262,7 +5340,7 @@
                 <a:cs typeface="Cambria"/>
                 <a:sym typeface="Cambria"/>
               </a:rPr>
-              <a:t>Game starts as soon as the second player accepts the invitation and is added to the game.</a:t>
+              <a:t>Login now requires the User to correctly enter the password within three tries.</a:t>
             </a:r>
           </a:p>
         </p:txBody>
@@ -6629,6 +6707,33 @@
             </a:r>
           </a:p>
           <a:p>
+            <a:pPr indent="-228600" lvl="1" marL="914400" rtl="0">
+              <a:spcBef>
+                <a:spcPts val="0"/>
+              </a:spcBef>
+              <a:spcAft>
+                <a:spcPts val="0"/>
+              </a:spcAft>
+              <a:buClr>
+                <a:srgbClr val="000000"/>
+              </a:buClr>
+              <a:buFont typeface="Cambria"/>
+              <a:buChar char="○"/>
+            </a:pPr>
+            <a:r>
+              <a:rPr lang="es" sz="1800">
+                <a:solidFill>
+                  <a:schemeClr val="dk1"/>
+                </a:solidFill>
+                <a:latin typeface="Cambria"/>
+                <a:ea typeface="Cambria"/>
+                <a:cs typeface="Cambria"/>
+                <a:sym typeface="Cambria"/>
+              </a:rPr>
+              <a:t>Game starts as soon as the second player accepts the invitation and is added to the game.</a:t>
+            </a:r>
+          </a:p>
+          <a:p>
             <a:pPr indent="-228600" lvl="0" marL="457200" rtl="0">
               <a:lnSpc>
                 <a:spcPct val="115000"/>
@@ -6769,8 +6874,26 @@
                 <a:cs typeface="Cambria"/>
                 <a:sym typeface="Cambria"/>
               </a:rPr>
-              <a:t>Registered User</a:t>
-            </a:r>
+              <a:t>Registered to System</a:t>
+            </a:r>
+          </a:p>
+          <a:p>
+            <a:pPr indent="-228600" lvl="1" marL="914400" rtl="0">
+              <a:lnSpc>
+                <a:spcPct val="115000"/>
+              </a:lnSpc>
+              <a:spcBef>
+                <a:spcPts val="0"/>
+              </a:spcBef>
+              <a:spcAft>
+                <a:spcPts val="0"/>
+              </a:spcAft>
+              <a:buClr>
+                <a:srgbClr val="000000"/>
+              </a:buClr>
+              <a:buFont typeface="Cambria"/>
+              <a:buChar char="○"/>
+            </a:pPr>
             <a:r>
               <a:rPr lang="es">
                 <a:solidFill>
@@ -6785,6 +6908,33 @@
             </a:r>
           </a:p>
           <a:p>
+            <a:pPr indent="-228600" lvl="1" marL="914400" rtl="0">
+              <a:spcBef>
+                <a:spcPts val="0"/>
+              </a:spcBef>
+              <a:spcAft>
+                <a:spcPts val="0"/>
+              </a:spcAft>
+              <a:buClr>
+                <a:srgbClr val="000000"/>
+              </a:buClr>
+              <a:buFont typeface="Cambria"/>
+              <a:buChar char="○"/>
+            </a:pPr>
+            <a:r>
+              <a:rPr lang="es" sz="1800">
+                <a:solidFill>
+                  <a:schemeClr val="dk1"/>
+                </a:solidFill>
+                <a:latin typeface="Cambria"/>
+                <a:ea typeface="Cambria"/>
+                <a:cs typeface="Cambria"/>
+                <a:sym typeface="Cambria"/>
+              </a:rPr>
+              <a:t>now states the requirement of a unique email</a:t>
+            </a:r>
+          </a:p>
+          <a:p>
             <a:pPr indent="-228600" lvl="0" marL="457200" rtl="0">
               <a:lnSpc>
                 <a:spcPct val="115000"/>
@@ -6842,90 +6992,6 @@
                 <a:sym typeface="Cambria"/>
               </a:rPr>
               <a:t>Accepting a game invitation now starts a new game if sent outside of a game.</a:t>
-            </a:r>
-          </a:p>
-          <a:p>
-            <a:pPr indent="-228600" lvl="0" marL="457200" rtl="0">
-              <a:lnSpc>
-                <a:spcPct val="115000"/>
-              </a:lnSpc>
-              <a:spcBef>
-                <a:spcPts val="0"/>
-              </a:spcBef>
-              <a:spcAft>
-                <a:spcPts val="0"/>
-              </a:spcAft>
-              <a:buClr>
-                <a:srgbClr val="000000"/>
-              </a:buClr>
-              <a:buFont typeface="Cambria"/>
-              <a:buChar char="➢"/>
-            </a:pPr>
-            <a:r>
-              <a:rPr b="1" lang="es">
-                <a:solidFill>
-                  <a:srgbClr val="000000"/>
-                </a:solidFill>
-                <a:latin typeface="Cambria"/>
-                <a:ea typeface="Cambria"/>
-                <a:cs typeface="Cambria"/>
-                <a:sym typeface="Cambria"/>
-              </a:rPr>
-              <a:t>Quit Game</a:t>
-            </a:r>
-            <a:r>
-              <a:rPr lang="es">
-                <a:solidFill>
-                  <a:srgbClr val="000000"/>
-                </a:solidFill>
-                <a:latin typeface="Cambria"/>
-                <a:ea typeface="Cambria"/>
-                <a:cs typeface="Cambria"/>
-                <a:sym typeface="Cambria"/>
-              </a:rPr>
-              <a:t> will not end the game if the game can not be found</a:t>
-            </a:r>
-          </a:p>
-          <a:p>
-            <a:pPr indent="-228600" lvl="0" marL="457200" rtl="0">
-              <a:lnSpc>
-                <a:spcPct val="115000"/>
-              </a:lnSpc>
-              <a:spcBef>
-                <a:spcPts val="0"/>
-              </a:spcBef>
-              <a:spcAft>
-                <a:spcPts val="0"/>
-              </a:spcAft>
-              <a:buClr>
-                <a:srgbClr val="000000"/>
-              </a:buClr>
-              <a:buFont typeface="Cambria"/>
-              <a:buChar char="➢"/>
-            </a:pPr>
-            <a:r>
-              <a:rPr b="1" lang="es">
-                <a:solidFill>
-                  <a:srgbClr val="000000"/>
-                </a:solidFill>
-                <a:latin typeface="Cambria"/>
-                <a:ea typeface="Cambria"/>
-                <a:cs typeface="Cambria"/>
-                <a:sym typeface="Cambria"/>
-              </a:rPr>
-              <a:t>Quit Game</a:t>
-            </a:r>
-            <a:r>
-              <a:rPr lang="es">
-                <a:solidFill>
-                  <a:srgbClr val="000000"/>
-                </a:solidFill>
-                <a:latin typeface="Cambria"/>
-                <a:ea typeface="Cambria"/>
-                <a:cs typeface="Cambria"/>
-                <a:sym typeface="Cambria"/>
-              </a:rPr>
-              <a:t> now directly records game information</a:t>
             </a:r>
           </a:p>
         </p:txBody>
@@ -6939,6 +7005,285 @@
 </file>
 
 <file path=ppt/theme/theme1.xml><?xml version="1.0" encoding="utf-8"?>
+<a:theme xmlns:a="http://schemas.openxmlformats.org/drawingml/2006/main" xmlns:r="http://schemas.openxmlformats.org/officeDocument/2006/relationships" name="Custom Theme">
+  <a:themeElements>
+    <a:clrScheme name="Default">
+      <a:dk1>
+        <a:srgbClr val="000000"/>
+      </a:dk1>
+      <a:lt1>
+        <a:srgbClr val="FFFFFF"/>
+      </a:lt1>
+      <a:dk2>
+        <a:srgbClr val="158158"/>
+      </a:dk2>
+      <a:lt2>
+        <a:srgbClr val="F3F3F3"/>
+      </a:lt2>
+      <a:accent1>
+        <a:srgbClr val="058DC7"/>
+      </a:accent1>
+      <a:accent2>
+        <a:srgbClr val="50B432"/>
+      </a:accent2>
+      <a:accent3>
+        <a:srgbClr val="ED561B"/>
+      </a:accent3>
+      <a:accent4>
+        <a:srgbClr val="EDEF00"/>
+      </a:accent4>
+      <a:accent5>
+        <a:srgbClr val="24CBE5"/>
+      </a:accent5>
+      <a:accent6>
+        <a:srgbClr val="64E572"/>
+      </a:accent6>
+      <a:hlink>
+        <a:srgbClr val="2200CC"/>
+      </a:hlink>
+      <a:folHlink>
+        <a:srgbClr val="551A8B"/>
+      </a:folHlink>
+    </a:clrScheme>
+    <a:fontScheme name="Office">
+      <a:majorFont>
+        <a:latin typeface="Arial"/>
+        <a:ea typeface=""/>
+        <a:cs typeface=""/>
+        <a:font script="Jpan" typeface="ＭＳ Ｐゴシック"/>
+        <a:font script="Hang" typeface="맑은 고딕"/>
+        <a:font script="Hans" typeface="宋体"/>
+        <a:font script="Hant" typeface="新細明體"/>
+        <a:font script="Arab" typeface="Times New Roman"/>
+        <a:font script="Hebr" typeface="Times New Roman"/>
+        <a:font script="Thai" typeface="Angsana New"/>
+        <a:font script="Ethi" typeface="Nyala"/>
+        <a:font script="Beng" typeface="Vrinda"/>
+        <a:font script="Gujr" typeface="Shruti"/>
+        <a:font script="Khmr" typeface="MoolBoran"/>
+        <a:font script="Knda" typeface="Tunga"/>
+        <a:font script="Guru" typeface="Raavi"/>
+        <a:font script="Cans" typeface="Euphemia"/>
+        <a:font script="Cher" typeface="Plantagenet Cherokee"/>
+        <a:font script="Yiii" typeface="Microsoft Yi Baiti"/>
+        <a:font script="Tibt" typeface="Microsoft Himalaya"/>
+        <a:font script="Thaa" typeface="MV Boli"/>
+        <a:font script="Deva" typeface="Mangal"/>
+        <a:font script="Telu" typeface="Gautami"/>
+        <a:font script="Taml" typeface="Latha"/>
+        <a:font script="Syrc" typeface="Estrangelo Edessa"/>
+        <a:font script="Orya" typeface="Kalinga"/>
+        <a:font script="Mlym" typeface="Kartika"/>
+        <a:font script="Laoo" typeface="DokChampa"/>
+        <a:font script="Sinh" typeface="Iskoola Pota"/>
+        <a:font script="Mong" typeface="Mongolian Baiti"/>
+        <a:font script="Viet" typeface="Times New Roman"/>
+        <a:font script="Uigh" typeface="Microsoft Uighur"/>
+        <a:font script="Geor" typeface="Sylfaen"/>
+      </a:majorFont>
+      <a:minorFont>
+        <a:latin typeface="Arial"/>
+        <a:ea typeface=""/>
+        <a:cs typeface=""/>
+        <a:font script="Jpan" typeface="ＭＳ Ｐゴシック"/>
+        <a:font script="Hang" typeface="맑은 고딕"/>
+        <a:font script="Hans" typeface="宋体"/>
+        <a:font script="Hant" typeface="新細明體"/>
+        <a:font script="Arab" typeface="Arial"/>
+        <a:font script="Hebr" typeface="Arial"/>
+        <a:font script="Thai" typeface="Cordia New"/>
+        <a:font script="Ethi" typeface="Nyala"/>
+        <a:font script="Beng" typeface="Vrinda"/>
+        <a:font script="Gujr" typeface="Shruti"/>
+        <a:font script="Khmr" typeface="DaunPenh"/>
+        <a:font script="Knda" typeface="Tunga"/>
+        <a:font script="Guru" typeface="Raavi"/>
+        <a:font script="Cans" typeface="Euphemia"/>
+        <a:font script="Cher" typeface="Plantagenet Cherokee"/>
+        <a:font script="Yiii" typeface="Microsoft Yi Baiti"/>
+        <a:font script="Tibt" typeface="Microsoft Himalaya"/>
+        <a:font script="Thaa" typeface="MV Boli"/>
+        <a:font script="Deva" typeface="Mangal"/>
+        <a:font script="Telu" typeface="Gautami"/>
+        <a:font script="Taml" typeface="Latha"/>
+        <a:font script="Syrc" typeface="Estrangelo Edessa"/>
+        <a:font script="Orya" typeface="Kalinga"/>
+        <a:font script="Mlym" typeface="Kartika"/>
+        <a:font script="Laoo" typeface="DokChampa"/>
+        <a:font script="Sinh" typeface="Iskoola Pota"/>
+        <a:font script="Mong" typeface="Mongolian Baiti"/>
+        <a:font script="Viet" typeface="Arial"/>
+        <a:font script="Uigh" typeface="Microsoft Uighur"/>
+        <a:font script="Geor" typeface="Sylfaen"/>
+      </a:minorFont>
+    </a:fontScheme>
+    <a:fmtScheme name="Office">
+      <a:fillStyleLst>
+        <a:solidFill>
+          <a:schemeClr val="phClr"/>
+        </a:solidFill>
+        <a:gradFill rotWithShape="1">
+          <a:gsLst>
+            <a:gs pos="0">
+              <a:schemeClr val="phClr">
+                <a:tint val="50000"/>
+                <a:satMod val="300000"/>
+              </a:schemeClr>
+            </a:gs>
+            <a:gs pos="35000">
+              <a:schemeClr val="phClr">
+                <a:tint val="37000"/>
+                <a:satMod val="300000"/>
+              </a:schemeClr>
+            </a:gs>
+            <a:gs pos="100000">
+              <a:schemeClr val="phClr">
+                <a:tint val="15000"/>
+                <a:satMod val="350000"/>
+              </a:schemeClr>
+            </a:gs>
+          </a:gsLst>
+          <a:lin ang="16200000" scaled="1"/>
+        </a:gradFill>
+        <a:gradFill rotWithShape="1">
+          <a:gsLst>
+            <a:gs pos="0">
+              <a:schemeClr val="phClr">
+                <a:tint val="100000"/>
+                <a:shade val="100000"/>
+                <a:satMod val="130000"/>
+              </a:schemeClr>
+            </a:gs>
+            <a:gs pos="100000">
+              <a:schemeClr val="phClr">
+                <a:tint val="50000"/>
+                <a:shade val="100000"/>
+                <a:satMod val="350000"/>
+              </a:schemeClr>
+            </a:gs>
+          </a:gsLst>
+          <a:lin ang="16200000" scaled="0"/>
+        </a:gradFill>
+      </a:fillStyleLst>
+      <a:lnStyleLst>
+        <a:ln w="9525" cap="flat" cmpd="sng" algn="ctr">
+          <a:solidFill>
+            <a:schemeClr val="phClr">
+              <a:shade val="95000"/>
+              <a:satMod val="105000"/>
+            </a:schemeClr>
+          </a:solidFill>
+          <a:prstDash val="solid"/>
+        </a:ln>
+        <a:ln w="25400" cap="flat" cmpd="sng" algn="ctr">
+          <a:solidFill>
+            <a:schemeClr val="phClr"/>
+          </a:solidFill>
+          <a:prstDash val="solid"/>
+        </a:ln>
+        <a:ln w="38100" cap="flat" cmpd="sng" algn="ctr">
+          <a:solidFill>
+            <a:schemeClr val="phClr"/>
+          </a:solidFill>
+          <a:prstDash val="solid"/>
+        </a:ln>
+      </a:lnStyleLst>
+      <a:effectStyleLst>
+        <a:effectStyle>
+          <a:effectLst>
+            <a:outerShdw blurRad="40000" dist="20000" dir="5400000" rotWithShape="0">
+              <a:srgbClr val="000000">
+                <a:alpha val="38000"/>
+              </a:srgbClr>
+            </a:outerShdw>
+          </a:effectLst>
+        </a:effectStyle>
+        <a:effectStyle>
+          <a:effectLst>
+            <a:outerShdw blurRad="40000" dist="23000" dir="5400000" rotWithShape="0">
+              <a:srgbClr val="000000">
+                <a:alpha val="35000"/>
+              </a:srgbClr>
+            </a:outerShdw>
+          </a:effectLst>
+        </a:effectStyle>
+        <a:effectStyle>
+          <a:effectLst>
+            <a:outerShdw blurRad="40000" dist="23000" dir="5400000" rotWithShape="0">
+              <a:srgbClr val="000000">
+                <a:alpha val="35000"/>
+              </a:srgbClr>
+            </a:outerShdw>
+          </a:effectLst>
+          <a:scene3d>
+            <a:camera prst="orthographicFront">
+              <a:rot lat="0" lon="0" rev="0"/>
+            </a:camera>
+            <a:lightRig rig="threePt" dir="t">
+              <a:rot lat="0" lon="0" rev="1200000"/>
+            </a:lightRig>
+          </a:scene3d>
+          <a:sp3d>
+            <a:bevelT w="63500" h="25400"/>
+          </a:sp3d>
+        </a:effectStyle>
+      </a:effectStyleLst>
+      <a:bgFillStyleLst>
+        <a:solidFill>
+          <a:schemeClr val="phClr"/>
+        </a:solidFill>
+        <a:gradFill rotWithShape="1">
+          <a:gsLst>
+            <a:gs pos="0">
+              <a:schemeClr val="phClr">
+                <a:tint val="40000"/>
+                <a:satMod val="350000"/>
+              </a:schemeClr>
+            </a:gs>
+            <a:gs pos="40000">
+              <a:schemeClr val="phClr">
+                <a:tint val="45000"/>
+                <a:shade val="99000"/>
+                <a:satMod val="350000"/>
+              </a:schemeClr>
+            </a:gs>
+            <a:gs pos="100000">
+              <a:schemeClr val="phClr">
+                <a:shade val="20000"/>
+                <a:satMod val="255000"/>
+              </a:schemeClr>
+            </a:gs>
+          </a:gsLst>
+          <a:path path="circle">
+            <a:fillToRect l="50000" t="-80000" r="50000" b="180000"/>
+          </a:path>
+        </a:gradFill>
+        <a:gradFill rotWithShape="1">
+          <a:gsLst>
+            <a:gs pos="0">
+              <a:schemeClr val="phClr">
+                <a:tint val="80000"/>
+                <a:satMod val="300000"/>
+              </a:schemeClr>
+            </a:gs>
+            <a:gs pos="100000">
+              <a:schemeClr val="phClr">
+                <a:shade val="30000"/>
+                <a:satMod val="200000"/>
+              </a:schemeClr>
+            </a:gs>
+          </a:gsLst>
+          <a:path path="circle">
+            <a:fillToRect l="50000" t="50000" r="50000" b="50000"/>
+          </a:path>
+        </a:gradFill>
+      </a:bgFillStyleLst>
+    </a:fmtScheme>
+  </a:themeElements>
+</a:theme>
+</file>
+
+<file path=ppt/theme/theme2.xml><?xml version="1.0" encoding="utf-8"?>
 <a:theme xmlns:a="http://schemas.openxmlformats.org/drawingml/2006/main" xmlns:r="http://schemas.openxmlformats.org/officeDocument/2006/relationships" name="Simple Light">
   <a:themeElements>
     <a:clrScheme name="Simple Light">
@@ -7215,283 +7560,4 @@
     </a:fmtScheme>
   </a:themeElements>
 </a:theme>
-</file>
-
-<file path=ppt/theme/theme2.xml><?xml version="1.0" encoding="utf-8"?>
-<a:theme xmlns:a="http://schemas.openxmlformats.org/drawingml/2006/main" xmlns:r="http://schemas.openxmlformats.org/officeDocument/2006/relationships" name="Custom Theme">
-  <a:themeElements>
-    <a:clrScheme name="Default">
-      <a:dk1>
-        <a:srgbClr val="000000"/>
-      </a:dk1>
-      <a:lt1>
-        <a:srgbClr val="FFFFFF"/>
-      </a:lt1>
-      <a:dk2>
-        <a:srgbClr val="158158"/>
-      </a:dk2>
-      <a:lt2>
-        <a:srgbClr val="F3F3F3"/>
-      </a:lt2>
-      <a:accent1>
-        <a:srgbClr val="058DC7"/>
-      </a:accent1>
-      <a:accent2>
-        <a:srgbClr val="50B432"/>
-      </a:accent2>
-      <a:accent3>
-        <a:srgbClr val="ED561B"/>
-      </a:accent3>
-      <a:accent4>
-        <a:srgbClr val="EDEF00"/>
-      </a:accent4>
-      <a:accent5>
-        <a:srgbClr val="24CBE5"/>
-      </a:accent5>
-      <a:accent6>
-        <a:srgbClr val="64E572"/>
-      </a:accent6>
-      <a:hlink>
-        <a:srgbClr val="2200CC"/>
-      </a:hlink>
-      <a:folHlink>
-        <a:srgbClr val="551A8B"/>
-      </a:folHlink>
-    </a:clrScheme>
-    <a:fontScheme name="Office">
-      <a:majorFont>
-        <a:latin typeface="Arial"/>
-        <a:ea typeface=""/>
-        <a:cs typeface=""/>
-        <a:font script="Jpan" typeface="ＭＳ Ｐゴシック"/>
-        <a:font script="Hang" typeface="맑은 고딕"/>
-        <a:font script="Hans" typeface="宋体"/>
-        <a:font script="Hant" typeface="新細明體"/>
-        <a:font script="Arab" typeface="Times New Roman"/>
-        <a:font script="Hebr" typeface="Times New Roman"/>
-        <a:font script="Thai" typeface="Angsana New"/>
-        <a:font script="Ethi" typeface="Nyala"/>
-        <a:font script="Beng" typeface="Vrinda"/>
-        <a:font script="Gujr" typeface="Shruti"/>
-        <a:font script="Khmr" typeface="MoolBoran"/>
-        <a:font script="Knda" typeface="Tunga"/>
-        <a:font script="Guru" typeface="Raavi"/>
-        <a:font script="Cans" typeface="Euphemia"/>
-        <a:font script="Cher" typeface="Plantagenet Cherokee"/>
-        <a:font script="Yiii" typeface="Microsoft Yi Baiti"/>
-        <a:font script="Tibt" typeface="Microsoft Himalaya"/>
-        <a:font script="Thaa" typeface="MV Boli"/>
-        <a:font script="Deva" typeface="Mangal"/>
-        <a:font script="Telu" typeface="Gautami"/>
-        <a:font script="Taml" typeface="Latha"/>
-        <a:font script="Syrc" typeface="Estrangelo Edessa"/>
-        <a:font script="Orya" typeface="Kalinga"/>
-        <a:font script="Mlym" typeface="Kartika"/>
-        <a:font script="Laoo" typeface="DokChampa"/>
-        <a:font script="Sinh" typeface="Iskoola Pota"/>
-        <a:font script="Mong" typeface="Mongolian Baiti"/>
-        <a:font script="Viet" typeface="Times New Roman"/>
-        <a:font script="Uigh" typeface="Microsoft Uighur"/>
-        <a:font script="Geor" typeface="Sylfaen"/>
-      </a:majorFont>
-      <a:minorFont>
-        <a:latin typeface="Arial"/>
-        <a:ea typeface=""/>
-        <a:cs typeface=""/>
-        <a:font script="Jpan" typeface="ＭＳ Ｐゴシック"/>
-        <a:font script="Hang" typeface="맑은 고딕"/>
-        <a:font script="Hans" typeface="宋体"/>
-        <a:font script="Hant" typeface="新細明體"/>
-        <a:font script="Arab" typeface="Arial"/>
-        <a:font script="Hebr" typeface="Arial"/>
-        <a:font script="Thai" typeface="Cordia New"/>
-        <a:font script="Ethi" typeface="Nyala"/>
-        <a:font script="Beng" typeface="Vrinda"/>
-        <a:font script="Gujr" typeface="Shruti"/>
-        <a:font script="Khmr" typeface="DaunPenh"/>
-        <a:font script="Knda" typeface="Tunga"/>
-        <a:font script="Guru" typeface="Raavi"/>
-        <a:font script="Cans" typeface="Euphemia"/>
-        <a:font script="Cher" typeface="Plantagenet Cherokee"/>
-        <a:font script="Yiii" typeface="Microsoft Yi Baiti"/>
-        <a:font script="Tibt" typeface="Microsoft Himalaya"/>
-        <a:font script="Thaa" typeface="MV Boli"/>
-        <a:font script="Deva" typeface="Mangal"/>
-        <a:font script="Telu" typeface="Gautami"/>
-        <a:font script="Taml" typeface="Latha"/>
-        <a:font script="Syrc" typeface="Estrangelo Edessa"/>
-        <a:font script="Orya" typeface="Kalinga"/>
-        <a:font script="Mlym" typeface="Kartika"/>
-        <a:font script="Laoo" typeface="DokChampa"/>
-        <a:font script="Sinh" typeface="Iskoola Pota"/>
-        <a:font script="Mong" typeface="Mongolian Baiti"/>
-        <a:font script="Viet" typeface="Arial"/>
-        <a:font script="Uigh" typeface="Microsoft Uighur"/>
-        <a:font script="Geor" typeface="Sylfaen"/>
-      </a:minorFont>
-    </a:fontScheme>
-    <a:fmtScheme name="Office">
-      <a:fillStyleLst>
-        <a:solidFill>
-          <a:schemeClr val="phClr"/>
-        </a:solidFill>
-        <a:gradFill rotWithShape="1">
-          <a:gsLst>
-            <a:gs pos="0">
-              <a:schemeClr val="phClr">
-                <a:tint val="50000"/>
-                <a:satMod val="300000"/>
-              </a:schemeClr>
-            </a:gs>
-            <a:gs pos="35000">
-              <a:schemeClr val="phClr">
-                <a:tint val="37000"/>
-                <a:satMod val="300000"/>
-              </a:schemeClr>
-            </a:gs>
-            <a:gs pos="100000">
-              <a:schemeClr val="phClr">
-                <a:tint val="15000"/>
-                <a:satMod val="350000"/>
-              </a:schemeClr>
-            </a:gs>
-          </a:gsLst>
-          <a:lin ang="16200000" scaled="1"/>
-        </a:gradFill>
-        <a:gradFill rotWithShape="1">
-          <a:gsLst>
-            <a:gs pos="0">
-              <a:schemeClr val="phClr">
-                <a:tint val="100000"/>
-                <a:shade val="100000"/>
-                <a:satMod val="130000"/>
-              </a:schemeClr>
-            </a:gs>
-            <a:gs pos="100000">
-              <a:schemeClr val="phClr">
-                <a:tint val="50000"/>
-                <a:shade val="100000"/>
-                <a:satMod val="350000"/>
-              </a:schemeClr>
-            </a:gs>
-          </a:gsLst>
-          <a:lin ang="16200000" scaled="0"/>
-        </a:gradFill>
-      </a:fillStyleLst>
-      <a:lnStyleLst>
-        <a:ln w="9525" cap="flat" cmpd="sng" algn="ctr">
-          <a:solidFill>
-            <a:schemeClr val="phClr">
-              <a:shade val="95000"/>
-              <a:satMod val="105000"/>
-            </a:schemeClr>
-          </a:solidFill>
-          <a:prstDash val="solid"/>
-        </a:ln>
-        <a:ln w="25400" cap="flat" cmpd="sng" algn="ctr">
-          <a:solidFill>
-            <a:schemeClr val="phClr"/>
-          </a:solidFill>
-          <a:prstDash val="solid"/>
-        </a:ln>
-        <a:ln w="38100" cap="flat" cmpd="sng" algn="ctr">
-          <a:solidFill>
-            <a:schemeClr val="phClr"/>
-          </a:solidFill>
-          <a:prstDash val="solid"/>
-        </a:ln>
-      </a:lnStyleLst>
-      <a:effectStyleLst>
-        <a:effectStyle>
-          <a:effectLst>
-            <a:outerShdw blurRad="40000" dist="20000" dir="5400000" rotWithShape="0">
-              <a:srgbClr val="000000">
-                <a:alpha val="38000"/>
-              </a:srgbClr>
-            </a:outerShdw>
-          </a:effectLst>
-        </a:effectStyle>
-        <a:effectStyle>
-          <a:effectLst>
-            <a:outerShdw blurRad="40000" dist="23000" dir="5400000" rotWithShape="0">
-              <a:srgbClr val="000000">
-                <a:alpha val="35000"/>
-              </a:srgbClr>
-            </a:outerShdw>
-          </a:effectLst>
-        </a:effectStyle>
-        <a:effectStyle>
-          <a:effectLst>
-            <a:outerShdw blurRad="40000" dist="23000" dir="5400000" rotWithShape="0">
-              <a:srgbClr val="000000">
-                <a:alpha val="35000"/>
-              </a:srgbClr>
-            </a:outerShdw>
-          </a:effectLst>
-          <a:scene3d>
-            <a:camera prst="orthographicFront">
-              <a:rot lat="0" lon="0" rev="0"/>
-            </a:camera>
-            <a:lightRig rig="threePt" dir="t">
-              <a:rot lat="0" lon="0" rev="1200000"/>
-            </a:lightRig>
-          </a:scene3d>
-          <a:sp3d>
-            <a:bevelT w="63500" h="25400"/>
-          </a:sp3d>
-        </a:effectStyle>
-      </a:effectStyleLst>
-      <a:bgFillStyleLst>
-        <a:solidFill>
-          <a:schemeClr val="phClr"/>
-        </a:solidFill>
-        <a:gradFill rotWithShape="1">
-          <a:gsLst>
-            <a:gs pos="0">
-              <a:schemeClr val="phClr">
-                <a:tint val="40000"/>
-                <a:satMod val="350000"/>
-              </a:schemeClr>
-            </a:gs>
-            <a:gs pos="40000">
-              <a:schemeClr val="phClr">
-                <a:tint val="45000"/>
-                <a:shade val="99000"/>
-                <a:satMod val="350000"/>
-              </a:schemeClr>
-            </a:gs>
-            <a:gs pos="100000">
-              <a:schemeClr val="phClr">
-                <a:shade val="20000"/>
-                <a:satMod val="255000"/>
-              </a:schemeClr>
-            </a:gs>
-          </a:gsLst>
-          <a:path path="circle">
-            <a:fillToRect l="50000" t="-80000" r="50000" b="180000"/>
-          </a:path>
-        </a:gradFill>
-        <a:gradFill rotWithShape="1">
-          <a:gsLst>
-            <a:gs pos="0">
-              <a:schemeClr val="phClr">
-                <a:tint val="80000"/>
-                <a:satMod val="300000"/>
-              </a:schemeClr>
-            </a:gs>
-            <a:gs pos="100000">
-              <a:schemeClr val="phClr">
-                <a:shade val="30000"/>
-                <a:satMod val="200000"/>
-              </a:schemeClr>
-            </a:gs>
-          </a:gsLst>
-          <a:path path="circle">
-            <a:fillToRect l="50000" t="50000" r="50000" b="50000"/>
-          </a:path>
-        </a:gradFill>
-      </a:bgFillStyleLst>
-    </a:fmtScheme>
-  </a:themeElements>
-</a:theme>
 </file>